--- a/WebRTC服务质量(Qos)/2、RTP协议.pptx
+++ b/WebRTC服务质量(Qos)/2、RTP协议.pptx
@@ -1,17 +1,32 @@
 
 <file path=ppt/presentation.xml><?xml version="1.0" encoding="utf-8"?>
-<p:presentation xmlns:a="http://schemas.openxmlformats.org/drawingml/2006/main" xmlns:r="http://schemas.openxmlformats.org/officeDocument/2006/relationships" xmlns:p="http://schemas.openxmlformats.org/presentationml/2006/main" saveSubsetFonts="1">
+<p:presentation xmlns:a="http://schemas.openxmlformats.org/drawingml/2006/main" xmlns:r="http://schemas.openxmlformats.org/officeDocument/2006/relationships" xmlns:p="http://schemas.openxmlformats.org/presentationml/2006/main">
   <p:sldMasterIdLst>
     <p:sldMasterId id="2147483648" r:id="rId1"/>
   </p:sldMasterIdLst>
   <p:sldIdLst>
-    <p:sldId id="256" r:id="rId2"/>
-    <p:sldId id="257" r:id="rId3"/>
-    <p:sldId id="258" r:id="rId4"/>
-    <p:sldId id="259" r:id="rId5"/>
+    <p:sldId id="256" r:id="rId3"/>
+    <p:sldId id="271" r:id="rId4"/>
+    <p:sldId id="257" r:id="rId5"/>
+    <p:sldId id="258" r:id="rId6"/>
+    <p:sldId id="259" r:id="rId7"/>
+    <p:sldId id="260" r:id="rId8"/>
+    <p:sldId id="261" r:id="rId9"/>
+    <p:sldId id="262" r:id="rId10"/>
+    <p:sldId id="263" r:id="rId11"/>
+    <p:sldId id="264" r:id="rId12"/>
+    <p:sldId id="265" r:id="rId13"/>
+    <p:sldId id="266" r:id="rId14"/>
+    <p:sldId id="267" r:id="rId15"/>
+    <p:sldId id="268" r:id="rId16"/>
+    <p:sldId id="269" r:id="rId17"/>
+    <p:sldId id="270" r:id="rId18"/>
   </p:sldIdLst>
   <p:sldSz cx="12192000" cy="6858000"/>
   <p:notesSz cx="6858000" cy="9144000"/>
+  <p:custDataLst>
+    <p:tags r:id="rId22"/>
+  </p:custDataLst>
   <p:defaultTextStyle>
     <a:defPPr>
       <a:defRPr lang="zh-CN"/>
@@ -110,57 +125,6 @@
 </p:presentation>
 </file>
 
-<file path=ppt/authors.xml><?xml version="1.0" encoding="utf-8"?>
-<p188:authorLst xmlns:a="http://schemas.openxmlformats.org/drawingml/2006/main" xmlns:r="http://schemas.openxmlformats.org/officeDocument/2006/relationships" xmlns:p188="http://schemas.microsoft.com/office/powerpoint/2018/8/main">
-  <p188:author id="{1120428A-6CE2-EB5F-D9FA-1A682654EAD4}" name="chensong" initials="c" userId="chensong" providerId="None"/>
-</p188:authorLst>
-</file>
-
-<file path=ppt/comments/modernComment_101_390F3812.xml><?xml version="1.0" encoding="utf-8"?>
-<p188:cmLst xmlns:a="http://schemas.openxmlformats.org/drawingml/2006/main" xmlns:r="http://schemas.openxmlformats.org/officeDocument/2006/relationships" xmlns:p188="http://schemas.microsoft.com/office/powerpoint/2018/8/main">
-  <p188:cm id="{94D8D48E-B059-496A-9E64-169653E96F75}" authorId="{1120428A-6CE2-EB5F-D9FA-1A682654EAD4}" created="2022-05-18T11:41:17.851">
-    <ac:deMkLst xmlns:ac="http://schemas.microsoft.com/office/drawing/2013/main/command">
-      <pc:docMk xmlns:pc="http://schemas.microsoft.com/office/powerpoint/2013/main/command"/>
-      <pc:sldMk xmlns:pc="http://schemas.microsoft.com/office/powerpoint/2013/main/command" cId="957298706" sldId="257"/>
-      <ac:spMk id="4" creationId="{7116D552-9373-C9A7-F2B6-B333F33A1244}"/>
-    </ac:deMkLst>
-    <p188:txBody>
-      <a:bodyPr/>
-      <a:lstStyle/>
-      <a:p>
-        <a:r>
-          <a:rPr lang="zh-CN" altLang="en-US"/>
-          <a:t>应用层</a:t>
-        </a:r>
-      </a:p>
-    </p188:txBody>
-  </p188:cm>
-</p188:cmLst>
-</file>
-
-<file path=ppt/comments/modernComment_102_B5B6CC6B.xml><?xml version="1.0" encoding="utf-8"?>
-<p188:cmLst xmlns:a="http://schemas.openxmlformats.org/drawingml/2006/main" xmlns:r="http://schemas.openxmlformats.org/officeDocument/2006/relationships" xmlns:p188="http://schemas.microsoft.com/office/powerpoint/2018/8/main">
-  <p188:cm id="{2ACD2DE6-5C79-4BCD-BEFB-5D6C160B854A}" authorId="{1120428A-6CE2-EB5F-D9FA-1A682654EAD4}" created="2022-05-18T11:50:19.502">
-    <ac:deMkLst xmlns:ac="http://schemas.microsoft.com/office/drawing/2013/main/command">
-      <pc:docMk xmlns:pc="http://schemas.microsoft.com/office/powerpoint/2013/main/command"/>
-      <pc:sldMk xmlns:pc="http://schemas.microsoft.com/office/powerpoint/2013/main/command" cId="3048655979" sldId="258"/>
-      <ac:spMk id="5" creationId="{4CCB0A8F-4830-F1F3-CFFA-361E9F6C1C77}"/>
-    </ac:deMkLst>
-    <p188:txBody>
-      <a:bodyPr/>
-      <a:lstStyle/>
-      <a:p>
-        <a:r>
-          <a:rPr lang="zh-CN" altLang="en-US"/>
-          <a:t>最大1500字节
-</a:t>
-        </a:r>
-      </a:p>
-    </p188:txBody>
-  </p188:cm>
-</p188:cmLst>
-</file>
-
 <file path=ppt/slideLayouts/slideLayout1.xml><?xml version="1.0" encoding="utf-8"?>
 <p:sldLayout xmlns:a="http://schemas.openxmlformats.org/drawingml/2006/main" xmlns:r="http://schemas.openxmlformats.org/officeDocument/2006/relationships" xmlns:p="http://schemas.openxmlformats.org/presentationml/2006/main" type="title" preserve="1">
   <p:cSld name="标题幻灯片">
@@ -180,13 +144,7 @@
       </p:grpSpPr>
       <p:sp>
         <p:nvSpPr>
-          <p:cNvPr id="2" name="标题 1">
-            <a:extLst>
-              <a:ext uri="{FF2B5EF4-FFF2-40B4-BE49-F238E27FC236}">
-                <a16:creationId xmlns:a16="http://schemas.microsoft.com/office/drawing/2014/main" id="{D6D973E1-515D-F368-B02A-FEC5B16774C7}"/>
-              </a:ext>
-            </a:extLst>
-          </p:cNvPr>
+          <p:cNvPr id="2" name="标题 1"/>
           <p:cNvSpPr>
             <a:spLocks noGrp="1"/>
           </p:cNvSpPr>
@@ -212,18 +170,13 @@
               <a:rPr lang="zh-CN" altLang="en-US"/>
               <a:t>单击此处编辑母版标题样式</a:t>
             </a:r>
-          </a:p>
-        </p:txBody>
-      </p:sp>
-      <p:sp>
-        <p:nvSpPr>
-          <p:cNvPr id="3" name="副标题 2">
-            <a:extLst>
-              <a:ext uri="{FF2B5EF4-FFF2-40B4-BE49-F238E27FC236}">
-                <a16:creationId xmlns:a16="http://schemas.microsoft.com/office/drawing/2014/main" id="{6140D86A-13BC-9089-D35F-5575745E9AE3}"/>
-              </a:ext>
-            </a:extLst>
-          </p:cNvPr>
+            <a:endParaRPr lang="zh-CN" altLang="en-US"/>
+          </a:p>
+        </p:txBody>
+      </p:sp>
+      <p:sp>
+        <p:nvSpPr>
+          <p:cNvPr id="3" name="副标题 2"/>
           <p:cNvSpPr>
             <a:spLocks noGrp="1"/>
           </p:cNvSpPr>
@@ -282,18 +235,13 @@
               <a:rPr lang="zh-CN" altLang="en-US"/>
               <a:t>单击此处编辑母版副标题样式</a:t>
             </a:r>
-          </a:p>
-        </p:txBody>
-      </p:sp>
-      <p:sp>
-        <p:nvSpPr>
-          <p:cNvPr id="4" name="日期占位符 3">
-            <a:extLst>
-              <a:ext uri="{FF2B5EF4-FFF2-40B4-BE49-F238E27FC236}">
-                <a16:creationId xmlns:a16="http://schemas.microsoft.com/office/drawing/2014/main" id="{B737B7C4-9706-9751-8832-6A152F5BEFA4}"/>
-              </a:ext>
-            </a:extLst>
-          </p:cNvPr>
+            <a:endParaRPr lang="zh-CN" altLang="en-US"/>
+          </a:p>
+        </p:txBody>
+      </p:sp>
+      <p:sp>
+        <p:nvSpPr>
+          <p:cNvPr id="4" name="日期占位符 3"/>
           <p:cNvSpPr>
             <a:spLocks noGrp="1"/>
           </p:cNvSpPr>
@@ -308,7 +256,6 @@
           <a:p>
             <a:fld id="{1C41CDB0-1565-45B2-ABD6-AEE7ED894BE8}" type="datetimeFigureOut">
               <a:rPr lang="zh-CN" altLang="en-US" smtClean="0"/>
-              <a:t>2022/5/18</a:t>
             </a:fld>
             <a:endParaRPr lang="zh-CN" altLang="en-US"/>
           </a:p>
@@ -316,13 +263,7 @@
       </p:sp>
       <p:sp>
         <p:nvSpPr>
-          <p:cNvPr id="5" name="页脚占位符 4">
-            <a:extLst>
-              <a:ext uri="{FF2B5EF4-FFF2-40B4-BE49-F238E27FC236}">
-                <a16:creationId xmlns:a16="http://schemas.microsoft.com/office/drawing/2014/main" id="{1815CE76-3528-6DDB-62CE-13ED701AE4CF}"/>
-              </a:ext>
-            </a:extLst>
-          </p:cNvPr>
+          <p:cNvPr id="5" name="页脚占位符 4"/>
           <p:cNvSpPr>
             <a:spLocks noGrp="1"/>
           </p:cNvSpPr>
@@ -341,13 +282,7 @@
       </p:sp>
       <p:sp>
         <p:nvSpPr>
-          <p:cNvPr id="6" name="灯片编号占位符 5">
-            <a:extLst>
-              <a:ext uri="{FF2B5EF4-FFF2-40B4-BE49-F238E27FC236}">
-                <a16:creationId xmlns:a16="http://schemas.microsoft.com/office/drawing/2014/main" id="{F1A63EA5-2116-E1D5-6C45-EDB153BDDF95}"/>
-              </a:ext>
-            </a:extLst>
-          </p:cNvPr>
+          <p:cNvPr id="6" name="灯片编号占位符 5"/>
           <p:cNvSpPr>
             <a:spLocks noGrp="1"/>
           </p:cNvSpPr>
@@ -362,18 +297,12 @@
           <a:p>
             <a:fld id="{C6D65E1C-F257-4DD5-9C5D-E660E5D9F5D9}" type="slidenum">
               <a:rPr lang="zh-CN" altLang="en-US" smtClean="0"/>
-              <a:t>‹#›</a:t>
             </a:fld>
             <a:endParaRPr lang="zh-CN" altLang="en-US"/>
           </a:p>
         </p:txBody>
       </p:sp>
     </p:spTree>
-    <p:extLst>
-      <p:ext uri="{BB962C8B-B14F-4D97-AF65-F5344CB8AC3E}">
-        <p14:creationId xmlns:p14="http://schemas.microsoft.com/office/powerpoint/2010/main" val="1409248771"/>
-      </p:ext>
-    </p:extLst>
   </p:cSld>
   <p:clrMapOvr>
     <a:masterClrMapping/>
@@ -400,13 +329,7 @@
       </p:grpSpPr>
       <p:sp>
         <p:nvSpPr>
-          <p:cNvPr id="2" name="标题 1">
-            <a:extLst>
-              <a:ext uri="{FF2B5EF4-FFF2-40B4-BE49-F238E27FC236}">
-                <a16:creationId xmlns:a16="http://schemas.microsoft.com/office/drawing/2014/main" id="{4B5B044D-CA75-8418-2A71-24FF2496CDB9}"/>
-              </a:ext>
-            </a:extLst>
-          </p:cNvPr>
+          <p:cNvPr id="2" name="标题 1"/>
           <p:cNvSpPr>
             <a:spLocks noGrp="1"/>
           </p:cNvSpPr>
@@ -423,18 +346,13 @@
               <a:rPr lang="zh-CN" altLang="en-US"/>
               <a:t>单击此处编辑母版标题样式</a:t>
             </a:r>
-          </a:p>
-        </p:txBody>
-      </p:sp>
-      <p:sp>
-        <p:nvSpPr>
-          <p:cNvPr id="3" name="竖排文字占位符 2">
-            <a:extLst>
-              <a:ext uri="{FF2B5EF4-FFF2-40B4-BE49-F238E27FC236}">
-                <a16:creationId xmlns:a16="http://schemas.microsoft.com/office/drawing/2014/main" id="{CD319807-A31B-1391-C089-2327C6E78066}"/>
-              </a:ext>
-            </a:extLst>
-          </p:cNvPr>
+            <a:endParaRPr lang="zh-CN" altLang="en-US"/>
+          </a:p>
+        </p:txBody>
+      </p:sp>
+      <p:sp>
+        <p:nvSpPr>
+          <p:cNvPr id="3" name="竖排文字占位符 2"/>
           <p:cNvSpPr>
             <a:spLocks noGrp="1"/>
           </p:cNvSpPr>
@@ -452,6 +370,7 @@
               <a:rPr lang="zh-CN" altLang="en-US"/>
               <a:t>单击此处编辑母版文本样式</a:t>
             </a:r>
+            <a:endParaRPr lang="zh-CN" altLang="en-US"/>
           </a:p>
           <a:p>
             <a:pPr lvl="1"/>
@@ -459,6 +378,7 @@
               <a:rPr lang="zh-CN" altLang="en-US"/>
               <a:t>二级</a:t>
             </a:r>
+            <a:endParaRPr lang="zh-CN" altLang="en-US"/>
           </a:p>
           <a:p>
             <a:pPr lvl="2"/>
@@ -466,6 +386,7 @@
               <a:rPr lang="zh-CN" altLang="en-US"/>
               <a:t>三级</a:t>
             </a:r>
+            <a:endParaRPr lang="zh-CN" altLang="en-US"/>
           </a:p>
           <a:p>
             <a:pPr lvl="3"/>
@@ -473,6 +394,7 @@
               <a:rPr lang="zh-CN" altLang="en-US"/>
               <a:t>四级</a:t>
             </a:r>
+            <a:endParaRPr lang="zh-CN" altLang="en-US"/>
           </a:p>
           <a:p>
             <a:pPr lvl="4"/>
@@ -480,18 +402,13 @@
               <a:rPr lang="zh-CN" altLang="en-US"/>
               <a:t>五级</a:t>
             </a:r>
-          </a:p>
-        </p:txBody>
-      </p:sp>
-      <p:sp>
-        <p:nvSpPr>
-          <p:cNvPr id="4" name="日期占位符 3">
-            <a:extLst>
-              <a:ext uri="{FF2B5EF4-FFF2-40B4-BE49-F238E27FC236}">
-                <a16:creationId xmlns:a16="http://schemas.microsoft.com/office/drawing/2014/main" id="{E9F0577D-D5B9-CABC-565F-0B78AEED9EC9}"/>
-              </a:ext>
-            </a:extLst>
-          </p:cNvPr>
+            <a:endParaRPr lang="zh-CN" altLang="en-US"/>
+          </a:p>
+        </p:txBody>
+      </p:sp>
+      <p:sp>
+        <p:nvSpPr>
+          <p:cNvPr id="4" name="日期占位符 3"/>
           <p:cNvSpPr>
             <a:spLocks noGrp="1"/>
           </p:cNvSpPr>
@@ -506,7 +423,6 @@
           <a:p>
             <a:fld id="{1C41CDB0-1565-45B2-ABD6-AEE7ED894BE8}" type="datetimeFigureOut">
               <a:rPr lang="zh-CN" altLang="en-US" smtClean="0"/>
-              <a:t>2022/5/18</a:t>
             </a:fld>
             <a:endParaRPr lang="zh-CN" altLang="en-US"/>
           </a:p>
@@ -514,13 +430,7 @@
       </p:sp>
       <p:sp>
         <p:nvSpPr>
-          <p:cNvPr id="5" name="页脚占位符 4">
-            <a:extLst>
-              <a:ext uri="{FF2B5EF4-FFF2-40B4-BE49-F238E27FC236}">
-                <a16:creationId xmlns:a16="http://schemas.microsoft.com/office/drawing/2014/main" id="{763C23E7-DBAD-0FE9-4032-D1EDBF3B543C}"/>
-              </a:ext>
-            </a:extLst>
-          </p:cNvPr>
+          <p:cNvPr id="5" name="页脚占位符 4"/>
           <p:cNvSpPr>
             <a:spLocks noGrp="1"/>
           </p:cNvSpPr>
@@ -539,13 +449,7 @@
       </p:sp>
       <p:sp>
         <p:nvSpPr>
-          <p:cNvPr id="6" name="灯片编号占位符 5">
-            <a:extLst>
-              <a:ext uri="{FF2B5EF4-FFF2-40B4-BE49-F238E27FC236}">
-                <a16:creationId xmlns:a16="http://schemas.microsoft.com/office/drawing/2014/main" id="{4D6D99EA-E551-7FA9-B0BC-D16123DDC248}"/>
-              </a:ext>
-            </a:extLst>
-          </p:cNvPr>
+          <p:cNvPr id="6" name="灯片编号占位符 5"/>
           <p:cNvSpPr>
             <a:spLocks noGrp="1"/>
           </p:cNvSpPr>
@@ -560,18 +464,12 @@
           <a:p>
             <a:fld id="{C6D65E1C-F257-4DD5-9C5D-E660E5D9F5D9}" type="slidenum">
               <a:rPr lang="zh-CN" altLang="en-US" smtClean="0"/>
-              <a:t>‹#›</a:t>
             </a:fld>
             <a:endParaRPr lang="zh-CN" altLang="en-US"/>
           </a:p>
         </p:txBody>
       </p:sp>
     </p:spTree>
-    <p:extLst>
-      <p:ext uri="{BB962C8B-B14F-4D97-AF65-F5344CB8AC3E}">
-        <p14:creationId xmlns:p14="http://schemas.microsoft.com/office/powerpoint/2010/main" val="3944708426"/>
-      </p:ext>
-    </p:extLst>
   </p:cSld>
   <p:clrMapOvr>
     <a:masterClrMapping/>
@@ -598,13 +496,7 @@
       </p:grpSpPr>
       <p:sp>
         <p:nvSpPr>
-          <p:cNvPr id="2" name="竖排标题 1">
-            <a:extLst>
-              <a:ext uri="{FF2B5EF4-FFF2-40B4-BE49-F238E27FC236}">
-                <a16:creationId xmlns:a16="http://schemas.microsoft.com/office/drawing/2014/main" id="{056AD4F6-5182-AB41-5A9A-39DE7DBB1204}"/>
-              </a:ext>
-            </a:extLst>
-          </p:cNvPr>
+          <p:cNvPr id="2" name="竖排标题 1"/>
           <p:cNvSpPr>
             <a:spLocks noGrp="1"/>
           </p:cNvSpPr>
@@ -626,18 +518,13 @@
               <a:rPr lang="zh-CN" altLang="en-US"/>
               <a:t>单击此处编辑母版标题样式</a:t>
             </a:r>
-          </a:p>
-        </p:txBody>
-      </p:sp>
-      <p:sp>
-        <p:nvSpPr>
-          <p:cNvPr id="3" name="竖排文字占位符 2">
-            <a:extLst>
-              <a:ext uri="{FF2B5EF4-FFF2-40B4-BE49-F238E27FC236}">
-                <a16:creationId xmlns:a16="http://schemas.microsoft.com/office/drawing/2014/main" id="{906F6BA6-230E-AC67-6BB9-203214D071DA}"/>
-              </a:ext>
-            </a:extLst>
-          </p:cNvPr>
+            <a:endParaRPr lang="zh-CN" altLang="en-US"/>
+          </a:p>
+        </p:txBody>
+      </p:sp>
+      <p:sp>
+        <p:nvSpPr>
+          <p:cNvPr id="3" name="竖排文字占位符 2"/>
           <p:cNvSpPr>
             <a:spLocks noGrp="1"/>
           </p:cNvSpPr>
@@ -660,6 +547,7 @@
               <a:rPr lang="zh-CN" altLang="en-US"/>
               <a:t>单击此处编辑母版文本样式</a:t>
             </a:r>
+            <a:endParaRPr lang="zh-CN" altLang="en-US"/>
           </a:p>
           <a:p>
             <a:pPr lvl="1"/>
@@ -667,6 +555,7 @@
               <a:rPr lang="zh-CN" altLang="en-US"/>
               <a:t>二级</a:t>
             </a:r>
+            <a:endParaRPr lang="zh-CN" altLang="en-US"/>
           </a:p>
           <a:p>
             <a:pPr lvl="2"/>
@@ -674,6 +563,7 @@
               <a:rPr lang="zh-CN" altLang="en-US"/>
               <a:t>三级</a:t>
             </a:r>
+            <a:endParaRPr lang="zh-CN" altLang="en-US"/>
           </a:p>
           <a:p>
             <a:pPr lvl="3"/>
@@ -681,6 +571,7 @@
               <a:rPr lang="zh-CN" altLang="en-US"/>
               <a:t>四级</a:t>
             </a:r>
+            <a:endParaRPr lang="zh-CN" altLang="en-US"/>
           </a:p>
           <a:p>
             <a:pPr lvl="4"/>
@@ -688,18 +579,13 @@
               <a:rPr lang="zh-CN" altLang="en-US"/>
               <a:t>五级</a:t>
             </a:r>
-          </a:p>
-        </p:txBody>
-      </p:sp>
-      <p:sp>
-        <p:nvSpPr>
-          <p:cNvPr id="4" name="日期占位符 3">
-            <a:extLst>
-              <a:ext uri="{FF2B5EF4-FFF2-40B4-BE49-F238E27FC236}">
-                <a16:creationId xmlns:a16="http://schemas.microsoft.com/office/drawing/2014/main" id="{57B38D94-44FB-5EBF-45D2-BA0E1B079F0F}"/>
-              </a:ext>
-            </a:extLst>
-          </p:cNvPr>
+            <a:endParaRPr lang="zh-CN" altLang="en-US"/>
+          </a:p>
+        </p:txBody>
+      </p:sp>
+      <p:sp>
+        <p:nvSpPr>
+          <p:cNvPr id="4" name="日期占位符 3"/>
           <p:cNvSpPr>
             <a:spLocks noGrp="1"/>
           </p:cNvSpPr>
@@ -714,7 +600,6 @@
           <a:p>
             <a:fld id="{1C41CDB0-1565-45B2-ABD6-AEE7ED894BE8}" type="datetimeFigureOut">
               <a:rPr lang="zh-CN" altLang="en-US" smtClean="0"/>
-              <a:t>2022/5/18</a:t>
             </a:fld>
             <a:endParaRPr lang="zh-CN" altLang="en-US"/>
           </a:p>
@@ -722,13 +607,7 @@
       </p:sp>
       <p:sp>
         <p:nvSpPr>
-          <p:cNvPr id="5" name="页脚占位符 4">
-            <a:extLst>
-              <a:ext uri="{FF2B5EF4-FFF2-40B4-BE49-F238E27FC236}">
-                <a16:creationId xmlns:a16="http://schemas.microsoft.com/office/drawing/2014/main" id="{23F69109-4F19-1452-2381-6CC6A63F4336}"/>
-              </a:ext>
-            </a:extLst>
-          </p:cNvPr>
+          <p:cNvPr id="5" name="页脚占位符 4"/>
           <p:cNvSpPr>
             <a:spLocks noGrp="1"/>
           </p:cNvSpPr>
@@ -747,13 +626,7 @@
       </p:sp>
       <p:sp>
         <p:nvSpPr>
-          <p:cNvPr id="6" name="灯片编号占位符 5">
-            <a:extLst>
-              <a:ext uri="{FF2B5EF4-FFF2-40B4-BE49-F238E27FC236}">
-                <a16:creationId xmlns:a16="http://schemas.microsoft.com/office/drawing/2014/main" id="{FA705466-1EC5-0FE3-1816-95BD6382A297}"/>
-              </a:ext>
-            </a:extLst>
-          </p:cNvPr>
+          <p:cNvPr id="6" name="灯片编号占位符 5"/>
           <p:cNvSpPr>
             <a:spLocks noGrp="1"/>
           </p:cNvSpPr>
@@ -768,18 +641,12 @@
           <a:p>
             <a:fld id="{C6D65E1C-F257-4DD5-9C5D-E660E5D9F5D9}" type="slidenum">
               <a:rPr lang="zh-CN" altLang="en-US" smtClean="0"/>
-              <a:t>‹#›</a:t>
             </a:fld>
             <a:endParaRPr lang="zh-CN" altLang="en-US"/>
           </a:p>
         </p:txBody>
       </p:sp>
     </p:spTree>
-    <p:extLst>
-      <p:ext uri="{BB962C8B-B14F-4D97-AF65-F5344CB8AC3E}">
-        <p14:creationId xmlns:p14="http://schemas.microsoft.com/office/powerpoint/2010/main" val="249797141"/>
-      </p:ext>
-    </p:extLst>
   </p:cSld>
   <p:clrMapOvr>
     <a:masterClrMapping/>
@@ -806,13 +673,7 @@
       </p:grpSpPr>
       <p:sp>
         <p:nvSpPr>
-          <p:cNvPr id="2" name="标题 1">
-            <a:extLst>
-              <a:ext uri="{FF2B5EF4-FFF2-40B4-BE49-F238E27FC236}">
-                <a16:creationId xmlns:a16="http://schemas.microsoft.com/office/drawing/2014/main" id="{05ABC949-0539-1B8E-5C0E-6B7B4A0E6D55}"/>
-              </a:ext>
-            </a:extLst>
-          </p:cNvPr>
+          <p:cNvPr id="2" name="标题 1"/>
           <p:cNvSpPr>
             <a:spLocks noGrp="1"/>
           </p:cNvSpPr>
@@ -829,18 +690,13 @@
               <a:rPr lang="zh-CN" altLang="en-US"/>
               <a:t>单击此处编辑母版标题样式</a:t>
             </a:r>
-          </a:p>
-        </p:txBody>
-      </p:sp>
-      <p:sp>
-        <p:nvSpPr>
-          <p:cNvPr id="3" name="内容占位符 2">
-            <a:extLst>
-              <a:ext uri="{FF2B5EF4-FFF2-40B4-BE49-F238E27FC236}">
-                <a16:creationId xmlns:a16="http://schemas.microsoft.com/office/drawing/2014/main" id="{DE2D4D22-C426-9EDD-4929-A5071FD6BD6F}"/>
-              </a:ext>
-            </a:extLst>
-          </p:cNvPr>
+            <a:endParaRPr lang="zh-CN" altLang="en-US"/>
+          </a:p>
+        </p:txBody>
+      </p:sp>
+      <p:sp>
+        <p:nvSpPr>
+          <p:cNvPr id="3" name="内容占位符 2"/>
           <p:cNvSpPr>
             <a:spLocks noGrp="1"/>
           </p:cNvSpPr>
@@ -858,6 +714,7 @@
               <a:rPr lang="zh-CN" altLang="en-US"/>
               <a:t>单击此处编辑母版文本样式</a:t>
             </a:r>
+            <a:endParaRPr lang="zh-CN" altLang="en-US"/>
           </a:p>
           <a:p>
             <a:pPr lvl="1"/>
@@ -865,6 +722,7 @@
               <a:rPr lang="zh-CN" altLang="en-US"/>
               <a:t>二级</a:t>
             </a:r>
+            <a:endParaRPr lang="zh-CN" altLang="en-US"/>
           </a:p>
           <a:p>
             <a:pPr lvl="2"/>
@@ -872,6 +730,7 @@
               <a:rPr lang="zh-CN" altLang="en-US"/>
               <a:t>三级</a:t>
             </a:r>
+            <a:endParaRPr lang="zh-CN" altLang="en-US"/>
           </a:p>
           <a:p>
             <a:pPr lvl="3"/>
@@ -879,6 +738,7 @@
               <a:rPr lang="zh-CN" altLang="en-US"/>
               <a:t>四级</a:t>
             </a:r>
+            <a:endParaRPr lang="zh-CN" altLang="en-US"/>
           </a:p>
           <a:p>
             <a:pPr lvl="4"/>
@@ -886,18 +746,13 @@
               <a:rPr lang="zh-CN" altLang="en-US"/>
               <a:t>五级</a:t>
             </a:r>
-          </a:p>
-        </p:txBody>
-      </p:sp>
-      <p:sp>
-        <p:nvSpPr>
-          <p:cNvPr id="4" name="日期占位符 3">
-            <a:extLst>
-              <a:ext uri="{FF2B5EF4-FFF2-40B4-BE49-F238E27FC236}">
-                <a16:creationId xmlns:a16="http://schemas.microsoft.com/office/drawing/2014/main" id="{A9336134-B9D3-5EFD-B640-50BFD8B4FA5A}"/>
-              </a:ext>
-            </a:extLst>
-          </p:cNvPr>
+            <a:endParaRPr lang="zh-CN" altLang="en-US"/>
+          </a:p>
+        </p:txBody>
+      </p:sp>
+      <p:sp>
+        <p:nvSpPr>
+          <p:cNvPr id="4" name="日期占位符 3"/>
           <p:cNvSpPr>
             <a:spLocks noGrp="1"/>
           </p:cNvSpPr>
@@ -912,7 +767,6 @@
           <a:p>
             <a:fld id="{1C41CDB0-1565-45B2-ABD6-AEE7ED894BE8}" type="datetimeFigureOut">
               <a:rPr lang="zh-CN" altLang="en-US" smtClean="0"/>
-              <a:t>2022/5/18</a:t>
             </a:fld>
             <a:endParaRPr lang="zh-CN" altLang="en-US"/>
           </a:p>
@@ -920,13 +774,7 @@
       </p:sp>
       <p:sp>
         <p:nvSpPr>
-          <p:cNvPr id="5" name="页脚占位符 4">
-            <a:extLst>
-              <a:ext uri="{FF2B5EF4-FFF2-40B4-BE49-F238E27FC236}">
-                <a16:creationId xmlns:a16="http://schemas.microsoft.com/office/drawing/2014/main" id="{990BA5F2-8BE1-0FC6-78E0-563E1E1FCED4}"/>
-              </a:ext>
-            </a:extLst>
-          </p:cNvPr>
+          <p:cNvPr id="5" name="页脚占位符 4"/>
           <p:cNvSpPr>
             <a:spLocks noGrp="1"/>
           </p:cNvSpPr>
@@ -945,13 +793,7 @@
       </p:sp>
       <p:sp>
         <p:nvSpPr>
-          <p:cNvPr id="6" name="灯片编号占位符 5">
-            <a:extLst>
-              <a:ext uri="{FF2B5EF4-FFF2-40B4-BE49-F238E27FC236}">
-                <a16:creationId xmlns:a16="http://schemas.microsoft.com/office/drawing/2014/main" id="{E5262443-4262-95D9-8621-7CCD509FBEA4}"/>
-              </a:ext>
-            </a:extLst>
-          </p:cNvPr>
+          <p:cNvPr id="6" name="灯片编号占位符 5"/>
           <p:cNvSpPr>
             <a:spLocks noGrp="1"/>
           </p:cNvSpPr>
@@ -966,18 +808,12 @@
           <a:p>
             <a:fld id="{C6D65E1C-F257-4DD5-9C5D-E660E5D9F5D9}" type="slidenum">
               <a:rPr lang="zh-CN" altLang="en-US" smtClean="0"/>
-              <a:t>‹#›</a:t>
             </a:fld>
             <a:endParaRPr lang="zh-CN" altLang="en-US"/>
           </a:p>
         </p:txBody>
       </p:sp>
     </p:spTree>
-    <p:extLst>
-      <p:ext uri="{BB962C8B-B14F-4D97-AF65-F5344CB8AC3E}">
-        <p14:creationId xmlns:p14="http://schemas.microsoft.com/office/powerpoint/2010/main" val="464337020"/>
-      </p:ext>
-    </p:extLst>
   </p:cSld>
   <p:clrMapOvr>
     <a:masterClrMapping/>
@@ -1004,13 +840,7 @@
       </p:grpSpPr>
       <p:sp>
         <p:nvSpPr>
-          <p:cNvPr id="2" name="标题 1">
-            <a:extLst>
-              <a:ext uri="{FF2B5EF4-FFF2-40B4-BE49-F238E27FC236}">
-                <a16:creationId xmlns:a16="http://schemas.microsoft.com/office/drawing/2014/main" id="{26A3E0AC-842A-E58B-1C95-4A200F65DA7A}"/>
-              </a:ext>
-            </a:extLst>
-          </p:cNvPr>
+          <p:cNvPr id="2" name="标题 1"/>
           <p:cNvSpPr>
             <a:spLocks noGrp="1"/>
           </p:cNvSpPr>
@@ -1036,18 +866,13 @@
               <a:rPr lang="zh-CN" altLang="en-US"/>
               <a:t>单击此处编辑母版标题样式</a:t>
             </a:r>
-          </a:p>
-        </p:txBody>
-      </p:sp>
-      <p:sp>
-        <p:nvSpPr>
-          <p:cNvPr id="3" name="文本占位符 2">
-            <a:extLst>
-              <a:ext uri="{FF2B5EF4-FFF2-40B4-BE49-F238E27FC236}">
-                <a16:creationId xmlns:a16="http://schemas.microsoft.com/office/drawing/2014/main" id="{8CF45174-D5A3-072C-29E3-9A9A9DD2B5F8}"/>
-              </a:ext>
-            </a:extLst>
-          </p:cNvPr>
+            <a:endParaRPr lang="zh-CN" altLang="en-US"/>
+          </a:p>
+        </p:txBody>
+      </p:sp>
+      <p:sp>
+        <p:nvSpPr>
+          <p:cNvPr id="3" name="文本占位符 2"/>
           <p:cNvSpPr>
             <a:spLocks noGrp="1"/>
           </p:cNvSpPr>
@@ -1161,18 +986,13 @@
               <a:rPr lang="zh-CN" altLang="en-US"/>
               <a:t>单击此处编辑母版文本样式</a:t>
             </a:r>
-          </a:p>
-        </p:txBody>
-      </p:sp>
-      <p:sp>
-        <p:nvSpPr>
-          <p:cNvPr id="4" name="日期占位符 3">
-            <a:extLst>
-              <a:ext uri="{FF2B5EF4-FFF2-40B4-BE49-F238E27FC236}">
-                <a16:creationId xmlns:a16="http://schemas.microsoft.com/office/drawing/2014/main" id="{9DFD7F05-B03C-EC60-576A-325811675D49}"/>
-              </a:ext>
-            </a:extLst>
-          </p:cNvPr>
+            <a:endParaRPr lang="zh-CN" altLang="en-US"/>
+          </a:p>
+        </p:txBody>
+      </p:sp>
+      <p:sp>
+        <p:nvSpPr>
+          <p:cNvPr id="4" name="日期占位符 3"/>
           <p:cNvSpPr>
             <a:spLocks noGrp="1"/>
           </p:cNvSpPr>
@@ -1187,7 +1007,6 @@
           <a:p>
             <a:fld id="{1C41CDB0-1565-45B2-ABD6-AEE7ED894BE8}" type="datetimeFigureOut">
               <a:rPr lang="zh-CN" altLang="en-US" smtClean="0"/>
-              <a:t>2022/5/18</a:t>
             </a:fld>
             <a:endParaRPr lang="zh-CN" altLang="en-US"/>
           </a:p>
@@ -1195,13 +1014,7 @@
       </p:sp>
       <p:sp>
         <p:nvSpPr>
-          <p:cNvPr id="5" name="页脚占位符 4">
-            <a:extLst>
-              <a:ext uri="{FF2B5EF4-FFF2-40B4-BE49-F238E27FC236}">
-                <a16:creationId xmlns:a16="http://schemas.microsoft.com/office/drawing/2014/main" id="{5DA53113-3BD3-2861-35C8-0232C779DF7E}"/>
-              </a:ext>
-            </a:extLst>
-          </p:cNvPr>
+          <p:cNvPr id="5" name="页脚占位符 4"/>
           <p:cNvSpPr>
             <a:spLocks noGrp="1"/>
           </p:cNvSpPr>
@@ -1220,13 +1033,7 @@
       </p:sp>
       <p:sp>
         <p:nvSpPr>
-          <p:cNvPr id="6" name="灯片编号占位符 5">
-            <a:extLst>
-              <a:ext uri="{FF2B5EF4-FFF2-40B4-BE49-F238E27FC236}">
-                <a16:creationId xmlns:a16="http://schemas.microsoft.com/office/drawing/2014/main" id="{587236A9-3798-B81E-2DDC-51F8756FE2F1}"/>
-              </a:ext>
-            </a:extLst>
-          </p:cNvPr>
+          <p:cNvPr id="6" name="灯片编号占位符 5"/>
           <p:cNvSpPr>
             <a:spLocks noGrp="1"/>
           </p:cNvSpPr>
@@ -1241,18 +1048,12 @@
           <a:p>
             <a:fld id="{C6D65E1C-F257-4DD5-9C5D-E660E5D9F5D9}" type="slidenum">
               <a:rPr lang="zh-CN" altLang="en-US" smtClean="0"/>
-              <a:t>‹#›</a:t>
             </a:fld>
             <a:endParaRPr lang="zh-CN" altLang="en-US"/>
           </a:p>
         </p:txBody>
       </p:sp>
     </p:spTree>
-    <p:extLst>
-      <p:ext uri="{BB962C8B-B14F-4D97-AF65-F5344CB8AC3E}">
-        <p14:creationId xmlns:p14="http://schemas.microsoft.com/office/powerpoint/2010/main" val="4120060420"/>
-      </p:ext>
-    </p:extLst>
   </p:cSld>
   <p:clrMapOvr>
     <a:masterClrMapping/>
@@ -1279,13 +1080,7 @@
       </p:grpSpPr>
       <p:sp>
         <p:nvSpPr>
-          <p:cNvPr id="2" name="标题 1">
-            <a:extLst>
-              <a:ext uri="{FF2B5EF4-FFF2-40B4-BE49-F238E27FC236}">
-                <a16:creationId xmlns:a16="http://schemas.microsoft.com/office/drawing/2014/main" id="{CC2157CE-A2A2-B5D4-B7E0-A9B27EF298A0}"/>
-              </a:ext>
-            </a:extLst>
-          </p:cNvPr>
+          <p:cNvPr id="2" name="标题 1"/>
           <p:cNvSpPr>
             <a:spLocks noGrp="1"/>
           </p:cNvSpPr>
@@ -1302,18 +1097,13 @@
               <a:rPr lang="zh-CN" altLang="en-US"/>
               <a:t>单击此处编辑母版标题样式</a:t>
             </a:r>
-          </a:p>
-        </p:txBody>
-      </p:sp>
-      <p:sp>
-        <p:nvSpPr>
-          <p:cNvPr id="3" name="内容占位符 2">
-            <a:extLst>
-              <a:ext uri="{FF2B5EF4-FFF2-40B4-BE49-F238E27FC236}">
-                <a16:creationId xmlns:a16="http://schemas.microsoft.com/office/drawing/2014/main" id="{B2529FB4-86D7-EBD2-A437-873FB0FB481A}"/>
-              </a:ext>
-            </a:extLst>
-          </p:cNvPr>
+            <a:endParaRPr lang="zh-CN" altLang="en-US"/>
+          </a:p>
+        </p:txBody>
+      </p:sp>
+      <p:sp>
+        <p:nvSpPr>
+          <p:cNvPr id="3" name="内容占位符 2"/>
           <p:cNvSpPr>
             <a:spLocks noGrp="1"/>
           </p:cNvSpPr>
@@ -1336,6 +1126,7 @@
               <a:rPr lang="zh-CN" altLang="en-US"/>
               <a:t>单击此处编辑母版文本样式</a:t>
             </a:r>
+            <a:endParaRPr lang="zh-CN" altLang="en-US"/>
           </a:p>
           <a:p>
             <a:pPr lvl="1"/>
@@ -1343,6 +1134,7 @@
               <a:rPr lang="zh-CN" altLang="en-US"/>
               <a:t>二级</a:t>
             </a:r>
+            <a:endParaRPr lang="zh-CN" altLang="en-US"/>
           </a:p>
           <a:p>
             <a:pPr lvl="2"/>
@@ -1350,6 +1142,7 @@
               <a:rPr lang="zh-CN" altLang="en-US"/>
               <a:t>三级</a:t>
             </a:r>
+            <a:endParaRPr lang="zh-CN" altLang="en-US"/>
           </a:p>
           <a:p>
             <a:pPr lvl="3"/>
@@ -1357,6 +1150,7 @@
               <a:rPr lang="zh-CN" altLang="en-US"/>
               <a:t>四级</a:t>
             </a:r>
+            <a:endParaRPr lang="zh-CN" altLang="en-US"/>
           </a:p>
           <a:p>
             <a:pPr lvl="4"/>
@@ -1364,18 +1158,13 @@
               <a:rPr lang="zh-CN" altLang="en-US"/>
               <a:t>五级</a:t>
             </a:r>
-          </a:p>
-        </p:txBody>
-      </p:sp>
-      <p:sp>
-        <p:nvSpPr>
-          <p:cNvPr id="4" name="内容占位符 3">
-            <a:extLst>
-              <a:ext uri="{FF2B5EF4-FFF2-40B4-BE49-F238E27FC236}">
-                <a16:creationId xmlns:a16="http://schemas.microsoft.com/office/drawing/2014/main" id="{0E6FE557-0959-ED00-6F90-6013C16601FD}"/>
-              </a:ext>
-            </a:extLst>
-          </p:cNvPr>
+            <a:endParaRPr lang="zh-CN" altLang="en-US"/>
+          </a:p>
+        </p:txBody>
+      </p:sp>
+      <p:sp>
+        <p:nvSpPr>
+          <p:cNvPr id="4" name="内容占位符 3"/>
           <p:cNvSpPr>
             <a:spLocks noGrp="1"/>
           </p:cNvSpPr>
@@ -1398,6 +1187,7 @@
               <a:rPr lang="zh-CN" altLang="en-US"/>
               <a:t>单击此处编辑母版文本样式</a:t>
             </a:r>
+            <a:endParaRPr lang="zh-CN" altLang="en-US"/>
           </a:p>
           <a:p>
             <a:pPr lvl="1"/>
@@ -1405,6 +1195,7 @@
               <a:rPr lang="zh-CN" altLang="en-US"/>
               <a:t>二级</a:t>
             </a:r>
+            <a:endParaRPr lang="zh-CN" altLang="en-US"/>
           </a:p>
           <a:p>
             <a:pPr lvl="2"/>
@@ -1412,6 +1203,7 @@
               <a:rPr lang="zh-CN" altLang="en-US"/>
               <a:t>三级</a:t>
             </a:r>
+            <a:endParaRPr lang="zh-CN" altLang="en-US"/>
           </a:p>
           <a:p>
             <a:pPr lvl="3"/>
@@ -1419,6 +1211,7 @@
               <a:rPr lang="zh-CN" altLang="en-US"/>
               <a:t>四级</a:t>
             </a:r>
+            <a:endParaRPr lang="zh-CN" altLang="en-US"/>
           </a:p>
           <a:p>
             <a:pPr lvl="4"/>
@@ -1426,18 +1219,13 @@
               <a:rPr lang="zh-CN" altLang="en-US"/>
               <a:t>五级</a:t>
             </a:r>
-          </a:p>
-        </p:txBody>
-      </p:sp>
-      <p:sp>
-        <p:nvSpPr>
-          <p:cNvPr id="5" name="日期占位符 4">
-            <a:extLst>
-              <a:ext uri="{FF2B5EF4-FFF2-40B4-BE49-F238E27FC236}">
-                <a16:creationId xmlns:a16="http://schemas.microsoft.com/office/drawing/2014/main" id="{2C0227A7-CCE8-2B69-D98D-D034F6A425EB}"/>
-              </a:ext>
-            </a:extLst>
-          </p:cNvPr>
+            <a:endParaRPr lang="zh-CN" altLang="en-US"/>
+          </a:p>
+        </p:txBody>
+      </p:sp>
+      <p:sp>
+        <p:nvSpPr>
+          <p:cNvPr id="5" name="日期占位符 4"/>
           <p:cNvSpPr>
             <a:spLocks noGrp="1"/>
           </p:cNvSpPr>
@@ -1452,7 +1240,6 @@
           <a:p>
             <a:fld id="{1C41CDB0-1565-45B2-ABD6-AEE7ED894BE8}" type="datetimeFigureOut">
               <a:rPr lang="zh-CN" altLang="en-US" smtClean="0"/>
-              <a:t>2022/5/18</a:t>
             </a:fld>
             <a:endParaRPr lang="zh-CN" altLang="en-US"/>
           </a:p>
@@ -1460,13 +1247,7 @@
       </p:sp>
       <p:sp>
         <p:nvSpPr>
-          <p:cNvPr id="6" name="页脚占位符 5">
-            <a:extLst>
-              <a:ext uri="{FF2B5EF4-FFF2-40B4-BE49-F238E27FC236}">
-                <a16:creationId xmlns:a16="http://schemas.microsoft.com/office/drawing/2014/main" id="{9251AE24-8092-C469-9B36-E6A4448F4315}"/>
-              </a:ext>
-            </a:extLst>
-          </p:cNvPr>
+          <p:cNvPr id="6" name="页脚占位符 5"/>
           <p:cNvSpPr>
             <a:spLocks noGrp="1"/>
           </p:cNvSpPr>
@@ -1485,13 +1266,7 @@
       </p:sp>
       <p:sp>
         <p:nvSpPr>
-          <p:cNvPr id="7" name="灯片编号占位符 6">
-            <a:extLst>
-              <a:ext uri="{FF2B5EF4-FFF2-40B4-BE49-F238E27FC236}">
-                <a16:creationId xmlns:a16="http://schemas.microsoft.com/office/drawing/2014/main" id="{88DDA9EC-8281-5D89-4418-125461BBCC1E}"/>
-              </a:ext>
-            </a:extLst>
-          </p:cNvPr>
+          <p:cNvPr id="7" name="灯片编号占位符 6"/>
           <p:cNvSpPr>
             <a:spLocks noGrp="1"/>
           </p:cNvSpPr>
@@ -1506,18 +1281,12 @@
           <a:p>
             <a:fld id="{C6D65E1C-F257-4DD5-9C5D-E660E5D9F5D9}" type="slidenum">
               <a:rPr lang="zh-CN" altLang="en-US" smtClean="0"/>
-              <a:t>‹#›</a:t>
             </a:fld>
             <a:endParaRPr lang="zh-CN" altLang="en-US"/>
           </a:p>
         </p:txBody>
       </p:sp>
     </p:spTree>
-    <p:extLst>
-      <p:ext uri="{BB962C8B-B14F-4D97-AF65-F5344CB8AC3E}">
-        <p14:creationId xmlns:p14="http://schemas.microsoft.com/office/powerpoint/2010/main" val="2176369992"/>
-      </p:ext>
-    </p:extLst>
   </p:cSld>
   <p:clrMapOvr>
     <a:masterClrMapping/>
@@ -1544,13 +1313,7 @@
       </p:grpSpPr>
       <p:sp>
         <p:nvSpPr>
-          <p:cNvPr id="2" name="标题 1">
-            <a:extLst>
-              <a:ext uri="{FF2B5EF4-FFF2-40B4-BE49-F238E27FC236}">
-                <a16:creationId xmlns:a16="http://schemas.microsoft.com/office/drawing/2014/main" id="{07EDEFE5-E5C7-6DA6-8C08-5C228C01E5EE}"/>
-              </a:ext>
-            </a:extLst>
-          </p:cNvPr>
+          <p:cNvPr id="2" name="标题 1"/>
           <p:cNvSpPr>
             <a:spLocks noGrp="1"/>
           </p:cNvSpPr>
@@ -1572,18 +1335,13 @@
               <a:rPr lang="zh-CN" altLang="en-US"/>
               <a:t>单击此处编辑母版标题样式</a:t>
             </a:r>
-          </a:p>
-        </p:txBody>
-      </p:sp>
-      <p:sp>
-        <p:nvSpPr>
-          <p:cNvPr id="3" name="文本占位符 2">
-            <a:extLst>
-              <a:ext uri="{FF2B5EF4-FFF2-40B4-BE49-F238E27FC236}">
-                <a16:creationId xmlns:a16="http://schemas.microsoft.com/office/drawing/2014/main" id="{F2F19942-7F09-1BC1-D85E-A9FE64409E75}"/>
-              </a:ext>
-            </a:extLst>
-          </p:cNvPr>
+            <a:endParaRPr lang="zh-CN" altLang="en-US"/>
+          </a:p>
+        </p:txBody>
+      </p:sp>
+      <p:sp>
+        <p:nvSpPr>
+          <p:cNvPr id="3" name="文本占位符 2"/>
           <p:cNvSpPr>
             <a:spLocks noGrp="1"/>
           </p:cNvSpPr>
@@ -1643,18 +1401,13 @@
               <a:rPr lang="zh-CN" altLang="en-US"/>
               <a:t>单击此处编辑母版文本样式</a:t>
             </a:r>
-          </a:p>
-        </p:txBody>
-      </p:sp>
-      <p:sp>
-        <p:nvSpPr>
-          <p:cNvPr id="4" name="内容占位符 3">
-            <a:extLst>
-              <a:ext uri="{FF2B5EF4-FFF2-40B4-BE49-F238E27FC236}">
-                <a16:creationId xmlns:a16="http://schemas.microsoft.com/office/drawing/2014/main" id="{D3E3118D-2991-2798-011A-57398A2891A1}"/>
-              </a:ext>
-            </a:extLst>
-          </p:cNvPr>
+            <a:endParaRPr lang="zh-CN" altLang="en-US"/>
+          </a:p>
+        </p:txBody>
+      </p:sp>
+      <p:sp>
+        <p:nvSpPr>
+          <p:cNvPr id="4" name="内容占位符 3"/>
           <p:cNvSpPr>
             <a:spLocks noGrp="1"/>
           </p:cNvSpPr>
@@ -1677,6 +1430,7 @@
               <a:rPr lang="zh-CN" altLang="en-US"/>
               <a:t>单击此处编辑母版文本样式</a:t>
             </a:r>
+            <a:endParaRPr lang="zh-CN" altLang="en-US"/>
           </a:p>
           <a:p>
             <a:pPr lvl="1"/>
@@ -1684,6 +1438,7 @@
               <a:rPr lang="zh-CN" altLang="en-US"/>
               <a:t>二级</a:t>
             </a:r>
+            <a:endParaRPr lang="zh-CN" altLang="en-US"/>
           </a:p>
           <a:p>
             <a:pPr lvl="2"/>
@@ -1691,6 +1446,7 @@
               <a:rPr lang="zh-CN" altLang="en-US"/>
               <a:t>三级</a:t>
             </a:r>
+            <a:endParaRPr lang="zh-CN" altLang="en-US"/>
           </a:p>
           <a:p>
             <a:pPr lvl="3"/>
@@ -1698,6 +1454,7 @@
               <a:rPr lang="zh-CN" altLang="en-US"/>
               <a:t>四级</a:t>
             </a:r>
+            <a:endParaRPr lang="zh-CN" altLang="en-US"/>
           </a:p>
           <a:p>
             <a:pPr lvl="4"/>
@@ -1705,18 +1462,13 @@
               <a:rPr lang="zh-CN" altLang="en-US"/>
               <a:t>五级</a:t>
             </a:r>
-          </a:p>
-        </p:txBody>
-      </p:sp>
-      <p:sp>
-        <p:nvSpPr>
-          <p:cNvPr id="5" name="文本占位符 4">
-            <a:extLst>
-              <a:ext uri="{FF2B5EF4-FFF2-40B4-BE49-F238E27FC236}">
-                <a16:creationId xmlns:a16="http://schemas.microsoft.com/office/drawing/2014/main" id="{7606D134-7702-88EB-4687-9FA363A3E5DE}"/>
-              </a:ext>
-            </a:extLst>
-          </p:cNvPr>
+            <a:endParaRPr lang="zh-CN" altLang="en-US"/>
+          </a:p>
+        </p:txBody>
+      </p:sp>
+      <p:sp>
+        <p:nvSpPr>
+          <p:cNvPr id="5" name="文本占位符 4"/>
           <p:cNvSpPr>
             <a:spLocks noGrp="1"/>
           </p:cNvSpPr>
@@ -1776,18 +1528,13 @@
               <a:rPr lang="zh-CN" altLang="en-US"/>
               <a:t>单击此处编辑母版文本样式</a:t>
             </a:r>
-          </a:p>
-        </p:txBody>
-      </p:sp>
-      <p:sp>
-        <p:nvSpPr>
-          <p:cNvPr id="6" name="内容占位符 5">
-            <a:extLst>
-              <a:ext uri="{FF2B5EF4-FFF2-40B4-BE49-F238E27FC236}">
-                <a16:creationId xmlns:a16="http://schemas.microsoft.com/office/drawing/2014/main" id="{B238A3DA-D2B3-F907-9E7F-C1FED4FF1CA4}"/>
-              </a:ext>
-            </a:extLst>
-          </p:cNvPr>
+            <a:endParaRPr lang="zh-CN" altLang="en-US"/>
+          </a:p>
+        </p:txBody>
+      </p:sp>
+      <p:sp>
+        <p:nvSpPr>
+          <p:cNvPr id="6" name="内容占位符 5"/>
           <p:cNvSpPr>
             <a:spLocks noGrp="1"/>
           </p:cNvSpPr>
@@ -1810,6 +1557,7 @@
               <a:rPr lang="zh-CN" altLang="en-US"/>
               <a:t>单击此处编辑母版文本样式</a:t>
             </a:r>
+            <a:endParaRPr lang="zh-CN" altLang="en-US"/>
           </a:p>
           <a:p>
             <a:pPr lvl="1"/>
@@ -1817,6 +1565,7 @@
               <a:rPr lang="zh-CN" altLang="en-US"/>
               <a:t>二级</a:t>
             </a:r>
+            <a:endParaRPr lang="zh-CN" altLang="en-US"/>
           </a:p>
           <a:p>
             <a:pPr lvl="2"/>
@@ -1824,6 +1573,7 @@
               <a:rPr lang="zh-CN" altLang="en-US"/>
               <a:t>三级</a:t>
             </a:r>
+            <a:endParaRPr lang="zh-CN" altLang="en-US"/>
           </a:p>
           <a:p>
             <a:pPr lvl="3"/>
@@ -1831,6 +1581,7 @@
               <a:rPr lang="zh-CN" altLang="en-US"/>
               <a:t>四级</a:t>
             </a:r>
+            <a:endParaRPr lang="zh-CN" altLang="en-US"/>
           </a:p>
           <a:p>
             <a:pPr lvl="4"/>
@@ -1838,18 +1589,13 @@
               <a:rPr lang="zh-CN" altLang="en-US"/>
               <a:t>五级</a:t>
             </a:r>
-          </a:p>
-        </p:txBody>
-      </p:sp>
-      <p:sp>
-        <p:nvSpPr>
-          <p:cNvPr id="7" name="日期占位符 6">
-            <a:extLst>
-              <a:ext uri="{FF2B5EF4-FFF2-40B4-BE49-F238E27FC236}">
-                <a16:creationId xmlns:a16="http://schemas.microsoft.com/office/drawing/2014/main" id="{7F6D257F-7F88-80AF-18B8-73B19A1AE3B5}"/>
-              </a:ext>
-            </a:extLst>
-          </p:cNvPr>
+            <a:endParaRPr lang="zh-CN" altLang="en-US"/>
+          </a:p>
+        </p:txBody>
+      </p:sp>
+      <p:sp>
+        <p:nvSpPr>
+          <p:cNvPr id="7" name="日期占位符 6"/>
           <p:cNvSpPr>
             <a:spLocks noGrp="1"/>
           </p:cNvSpPr>
@@ -1864,7 +1610,6 @@
           <a:p>
             <a:fld id="{1C41CDB0-1565-45B2-ABD6-AEE7ED894BE8}" type="datetimeFigureOut">
               <a:rPr lang="zh-CN" altLang="en-US" smtClean="0"/>
-              <a:t>2022/5/18</a:t>
             </a:fld>
             <a:endParaRPr lang="zh-CN" altLang="en-US"/>
           </a:p>
@@ -1872,13 +1617,7 @@
       </p:sp>
       <p:sp>
         <p:nvSpPr>
-          <p:cNvPr id="8" name="页脚占位符 7">
-            <a:extLst>
-              <a:ext uri="{FF2B5EF4-FFF2-40B4-BE49-F238E27FC236}">
-                <a16:creationId xmlns:a16="http://schemas.microsoft.com/office/drawing/2014/main" id="{BD7D5F8D-AAED-FB8C-10CD-BFF1B50D534D}"/>
-              </a:ext>
-            </a:extLst>
-          </p:cNvPr>
+          <p:cNvPr id="8" name="页脚占位符 7"/>
           <p:cNvSpPr>
             <a:spLocks noGrp="1"/>
           </p:cNvSpPr>
@@ -1897,13 +1636,7 @@
       </p:sp>
       <p:sp>
         <p:nvSpPr>
-          <p:cNvPr id="9" name="灯片编号占位符 8">
-            <a:extLst>
-              <a:ext uri="{FF2B5EF4-FFF2-40B4-BE49-F238E27FC236}">
-                <a16:creationId xmlns:a16="http://schemas.microsoft.com/office/drawing/2014/main" id="{A0947ECB-B612-5472-3610-4BB3E117BCD7}"/>
-              </a:ext>
-            </a:extLst>
-          </p:cNvPr>
+          <p:cNvPr id="9" name="灯片编号占位符 8"/>
           <p:cNvSpPr>
             <a:spLocks noGrp="1"/>
           </p:cNvSpPr>
@@ -1918,18 +1651,12 @@
           <a:p>
             <a:fld id="{C6D65E1C-F257-4DD5-9C5D-E660E5D9F5D9}" type="slidenum">
               <a:rPr lang="zh-CN" altLang="en-US" smtClean="0"/>
-              <a:t>‹#›</a:t>
             </a:fld>
             <a:endParaRPr lang="zh-CN" altLang="en-US"/>
           </a:p>
         </p:txBody>
       </p:sp>
     </p:spTree>
-    <p:extLst>
-      <p:ext uri="{BB962C8B-B14F-4D97-AF65-F5344CB8AC3E}">
-        <p14:creationId xmlns:p14="http://schemas.microsoft.com/office/powerpoint/2010/main" val="3244381419"/>
-      </p:ext>
-    </p:extLst>
   </p:cSld>
   <p:clrMapOvr>
     <a:masterClrMapping/>
@@ -1956,13 +1683,7 @@
       </p:grpSpPr>
       <p:sp>
         <p:nvSpPr>
-          <p:cNvPr id="2" name="标题 1">
-            <a:extLst>
-              <a:ext uri="{FF2B5EF4-FFF2-40B4-BE49-F238E27FC236}">
-                <a16:creationId xmlns:a16="http://schemas.microsoft.com/office/drawing/2014/main" id="{EFCA3DA9-0FAE-1739-AD67-5EDED75FDA84}"/>
-              </a:ext>
-            </a:extLst>
-          </p:cNvPr>
+          <p:cNvPr id="2" name="标题 1"/>
           <p:cNvSpPr>
             <a:spLocks noGrp="1"/>
           </p:cNvSpPr>
@@ -1979,18 +1700,13 @@
               <a:rPr lang="zh-CN" altLang="en-US"/>
               <a:t>单击此处编辑母版标题样式</a:t>
             </a:r>
-          </a:p>
-        </p:txBody>
-      </p:sp>
-      <p:sp>
-        <p:nvSpPr>
-          <p:cNvPr id="3" name="日期占位符 2">
-            <a:extLst>
-              <a:ext uri="{FF2B5EF4-FFF2-40B4-BE49-F238E27FC236}">
-                <a16:creationId xmlns:a16="http://schemas.microsoft.com/office/drawing/2014/main" id="{797F8376-CDF6-2774-E29C-F02A3B8C3AF0}"/>
-              </a:ext>
-            </a:extLst>
-          </p:cNvPr>
+            <a:endParaRPr lang="zh-CN" altLang="en-US"/>
+          </a:p>
+        </p:txBody>
+      </p:sp>
+      <p:sp>
+        <p:nvSpPr>
+          <p:cNvPr id="3" name="日期占位符 2"/>
           <p:cNvSpPr>
             <a:spLocks noGrp="1"/>
           </p:cNvSpPr>
@@ -2005,7 +1721,6 @@
           <a:p>
             <a:fld id="{1C41CDB0-1565-45B2-ABD6-AEE7ED894BE8}" type="datetimeFigureOut">
               <a:rPr lang="zh-CN" altLang="en-US" smtClean="0"/>
-              <a:t>2022/5/18</a:t>
             </a:fld>
             <a:endParaRPr lang="zh-CN" altLang="en-US"/>
           </a:p>
@@ -2013,13 +1728,7 @@
       </p:sp>
       <p:sp>
         <p:nvSpPr>
-          <p:cNvPr id="4" name="页脚占位符 3">
-            <a:extLst>
-              <a:ext uri="{FF2B5EF4-FFF2-40B4-BE49-F238E27FC236}">
-                <a16:creationId xmlns:a16="http://schemas.microsoft.com/office/drawing/2014/main" id="{AA208119-9698-FC42-A588-215A5A5E3AC6}"/>
-              </a:ext>
-            </a:extLst>
-          </p:cNvPr>
+          <p:cNvPr id="4" name="页脚占位符 3"/>
           <p:cNvSpPr>
             <a:spLocks noGrp="1"/>
           </p:cNvSpPr>
@@ -2038,13 +1747,7 @@
       </p:sp>
       <p:sp>
         <p:nvSpPr>
-          <p:cNvPr id="5" name="灯片编号占位符 4">
-            <a:extLst>
-              <a:ext uri="{FF2B5EF4-FFF2-40B4-BE49-F238E27FC236}">
-                <a16:creationId xmlns:a16="http://schemas.microsoft.com/office/drawing/2014/main" id="{4122CC11-0E97-2747-4611-61D6B98548E5}"/>
-              </a:ext>
-            </a:extLst>
-          </p:cNvPr>
+          <p:cNvPr id="5" name="灯片编号占位符 4"/>
           <p:cNvSpPr>
             <a:spLocks noGrp="1"/>
           </p:cNvSpPr>
@@ -2059,18 +1762,12 @@
           <a:p>
             <a:fld id="{C6D65E1C-F257-4DD5-9C5D-E660E5D9F5D9}" type="slidenum">
               <a:rPr lang="zh-CN" altLang="en-US" smtClean="0"/>
-              <a:t>‹#›</a:t>
             </a:fld>
             <a:endParaRPr lang="zh-CN" altLang="en-US"/>
           </a:p>
         </p:txBody>
       </p:sp>
     </p:spTree>
-    <p:extLst>
-      <p:ext uri="{BB962C8B-B14F-4D97-AF65-F5344CB8AC3E}">
-        <p14:creationId xmlns:p14="http://schemas.microsoft.com/office/powerpoint/2010/main" val="2663598762"/>
-      </p:ext>
-    </p:extLst>
   </p:cSld>
   <p:clrMapOvr>
     <a:masterClrMapping/>
@@ -2097,13 +1794,7 @@
       </p:grpSpPr>
       <p:sp>
         <p:nvSpPr>
-          <p:cNvPr id="2" name="日期占位符 1">
-            <a:extLst>
-              <a:ext uri="{FF2B5EF4-FFF2-40B4-BE49-F238E27FC236}">
-                <a16:creationId xmlns:a16="http://schemas.microsoft.com/office/drawing/2014/main" id="{336606C3-DB4A-2F86-AEE6-9DC038C4762F}"/>
-              </a:ext>
-            </a:extLst>
-          </p:cNvPr>
+          <p:cNvPr id="2" name="日期占位符 1"/>
           <p:cNvSpPr>
             <a:spLocks noGrp="1"/>
           </p:cNvSpPr>
@@ -2118,7 +1809,6 @@
           <a:p>
             <a:fld id="{1C41CDB0-1565-45B2-ABD6-AEE7ED894BE8}" type="datetimeFigureOut">
               <a:rPr lang="zh-CN" altLang="en-US" smtClean="0"/>
-              <a:t>2022/5/18</a:t>
             </a:fld>
             <a:endParaRPr lang="zh-CN" altLang="en-US"/>
           </a:p>
@@ -2126,13 +1816,7 @@
       </p:sp>
       <p:sp>
         <p:nvSpPr>
-          <p:cNvPr id="3" name="页脚占位符 2">
-            <a:extLst>
-              <a:ext uri="{FF2B5EF4-FFF2-40B4-BE49-F238E27FC236}">
-                <a16:creationId xmlns:a16="http://schemas.microsoft.com/office/drawing/2014/main" id="{E049FCCF-86C4-84C1-DCAF-9B8137FFCA23}"/>
-              </a:ext>
-            </a:extLst>
-          </p:cNvPr>
+          <p:cNvPr id="3" name="页脚占位符 2"/>
           <p:cNvSpPr>
             <a:spLocks noGrp="1"/>
           </p:cNvSpPr>
@@ -2151,13 +1835,7 @@
       </p:sp>
       <p:sp>
         <p:nvSpPr>
-          <p:cNvPr id="4" name="灯片编号占位符 3">
-            <a:extLst>
-              <a:ext uri="{FF2B5EF4-FFF2-40B4-BE49-F238E27FC236}">
-                <a16:creationId xmlns:a16="http://schemas.microsoft.com/office/drawing/2014/main" id="{FEB43028-BA31-DABE-E5C7-5C10898A5422}"/>
-              </a:ext>
-            </a:extLst>
-          </p:cNvPr>
+          <p:cNvPr id="4" name="灯片编号占位符 3"/>
           <p:cNvSpPr>
             <a:spLocks noGrp="1"/>
           </p:cNvSpPr>
@@ -2172,18 +1850,12 @@
           <a:p>
             <a:fld id="{C6D65E1C-F257-4DD5-9C5D-E660E5D9F5D9}" type="slidenum">
               <a:rPr lang="zh-CN" altLang="en-US" smtClean="0"/>
-              <a:t>‹#›</a:t>
             </a:fld>
             <a:endParaRPr lang="zh-CN" altLang="en-US"/>
           </a:p>
         </p:txBody>
       </p:sp>
     </p:spTree>
-    <p:extLst>
-      <p:ext uri="{BB962C8B-B14F-4D97-AF65-F5344CB8AC3E}">
-        <p14:creationId xmlns:p14="http://schemas.microsoft.com/office/powerpoint/2010/main" val="3860659660"/>
-      </p:ext>
-    </p:extLst>
   </p:cSld>
   <p:clrMapOvr>
     <a:masterClrMapping/>
@@ -2210,13 +1882,7 @@
       </p:grpSpPr>
       <p:sp>
         <p:nvSpPr>
-          <p:cNvPr id="2" name="标题 1">
-            <a:extLst>
-              <a:ext uri="{FF2B5EF4-FFF2-40B4-BE49-F238E27FC236}">
-                <a16:creationId xmlns:a16="http://schemas.microsoft.com/office/drawing/2014/main" id="{97A05F3A-60F7-06C7-DBBA-F2EC035D6E5F}"/>
-              </a:ext>
-            </a:extLst>
-          </p:cNvPr>
+          <p:cNvPr id="2" name="标题 1"/>
           <p:cNvSpPr>
             <a:spLocks noGrp="1"/>
           </p:cNvSpPr>
@@ -2242,18 +1908,13 @@
               <a:rPr lang="zh-CN" altLang="en-US"/>
               <a:t>单击此处编辑母版标题样式</a:t>
             </a:r>
-          </a:p>
-        </p:txBody>
-      </p:sp>
-      <p:sp>
-        <p:nvSpPr>
-          <p:cNvPr id="3" name="内容占位符 2">
-            <a:extLst>
-              <a:ext uri="{FF2B5EF4-FFF2-40B4-BE49-F238E27FC236}">
-                <a16:creationId xmlns:a16="http://schemas.microsoft.com/office/drawing/2014/main" id="{A89ED9B7-AD6D-0A01-3566-0466E53955EC}"/>
-              </a:ext>
-            </a:extLst>
-          </p:cNvPr>
+            <a:endParaRPr lang="zh-CN" altLang="en-US"/>
+          </a:p>
+        </p:txBody>
+      </p:sp>
+      <p:sp>
+        <p:nvSpPr>
+          <p:cNvPr id="3" name="内容占位符 2"/>
           <p:cNvSpPr>
             <a:spLocks noGrp="1"/>
           </p:cNvSpPr>
@@ -2304,6 +1965,7 @@
               <a:rPr lang="zh-CN" altLang="en-US"/>
               <a:t>单击此处编辑母版文本样式</a:t>
             </a:r>
+            <a:endParaRPr lang="zh-CN" altLang="en-US"/>
           </a:p>
           <a:p>
             <a:pPr lvl="1"/>
@@ -2311,6 +1973,7 @@
               <a:rPr lang="zh-CN" altLang="en-US"/>
               <a:t>二级</a:t>
             </a:r>
+            <a:endParaRPr lang="zh-CN" altLang="en-US"/>
           </a:p>
           <a:p>
             <a:pPr lvl="2"/>
@@ -2318,6 +1981,7 @@
               <a:rPr lang="zh-CN" altLang="en-US"/>
               <a:t>三级</a:t>
             </a:r>
+            <a:endParaRPr lang="zh-CN" altLang="en-US"/>
           </a:p>
           <a:p>
             <a:pPr lvl="3"/>
@@ -2325,6 +1989,7 @@
               <a:rPr lang="zh-CN" altLang="en-US"/>
               <a:t>四级</a:t>
             </a:r>
+            <a:endParaRPr lang="zh-CN" altLang="en-US"/>
           </a:p>
           <a:p>
             <a:pPr lvl="4"/>
@@ -2332,18 +1997,13 @@
               <a:rPr lang="zh-CN" altLang="en-US"/>
               <a:t>五级</a:t>
             </a:r>
-          </a:p>
-        </p:txBody>
-      </p:sp>
-      <p:sp>
-        <p:nvSpPr>
-          <p:cNvPr id="4" name="文本占位符 3">
-            <a:extLst>
-              <a:ext uri="{FF2B5EF4-FFF2-40B4-BE49-F238E27FC236}">
-                <a16:creationId xmlns:a16="http://schemas.microsoft.com/office/drawing/2014/main" id="{12E97851-9761-5585-78F6-EB3E80CC8D34}"/>
-              </a:ext>
-            </a:extLst>
-          </p:cNvPr>
+            <a:endParaRPr lang="zh-CN" altLang="en-US"/>
+          </a:p>
+        </p:txBody>
+      </p:sp>
+      <p:sp>
+        <p:nvSpPr>
+          <p:cNvPr id="4" name="文本占位符 3"/>
           <p:cNvSpPr>
             <a:spLocks noGrp="1"/>
           </p:cNvSpPr>
@@ -2403,18 +2063,13 @@
               <a:rPr lang="zh-CN" altLang="en-US"/>
               <a:t>单击此处编辑母版文本样式</a:t>
             </a:r>
-          </a:p>
-        </p:txBody>
-      </p:sp>
-      <p:sp>
-        <p:nvSpPr>
-          <p:cNvPr id="5" name="日期占位符 4">
-            <a:extLst>
-              <a:ext uri="{FF2B5EF4-FFF2-40B4-BE49-F238E27FC236}">
-                <a16:creationId xmlns:a16="http://schemas.microsoft.com/office/drawing/2014/main" id="{42BB5A46-CB49-E637-7015-A3D47E9669FE}"/>
-              </a:ext>
-            </a:extLst>
-          </p:cNvPr>
+            <a:endParaRPr lang="zh-CN" altLang="en-US"/>
+          </a:p>
+        </p:txBody>
+      </p:sp>
+      <p:sp>
+        <p:nvSpPr>
+          <p:cNvPr id="5" name="日期占位符 4"/>
           <p:cNvSpPr>
             <a:spLocks noGrp="1"/>
           </p:cNvSpPr>
@@ -2429,7 +2084,6 @@
           <a:p>
             <a:fld id="{1C41CDB0-1565-45B2-ABD6-AEE7ED894BE8}" type="datetimeFigureOut">
               <a:rPr lang="zh-CN" altLang="en-US" smtClean="0"/>
-              <a:t>2022/5/18</a:t>
             </a:fld>
             <a:endParaRPr lang="zh-CN" altLang="en-US"/>
           </a:p>
@@ -2437,13 +2091,7 @@
       </p:sp>
       <p:sp>
         <p:nvSpPr>
-          <p:cNvPr id="6" name="页脚占位符 5">
-            <a:extLst>
-              <a:ext uri="{FF2B5EF4-FFF2-40B4-BE49-F238E27FC236}">
-                <a16:creationId xmlns:a16="http://schemas.microsoft.com/office/drawing/2014/main" id="{6150DA59-AE8C-CB67-BD48-20C2F94DCA7A}"/>
-              </a:ext>
-            </a:extLst>
-          </p:cNvPr>
+          <p:cNvPr id="6" name="页脚占位符 5"/>
           <p:cNvSpPr>
             <a:spLocks noGrp="1"/>
           </p:cNvSpPr>
@@ -2462,13 +2110,7 @@
       </p:sp>
       <p:sp>
         <p:nvSpPr>
-          <p:cNvPr id="7" name="灯片编号占位符 6">
-            <a:extLst>
-              <a:ext uri="{FF2B5EF4-FFF2-40B4-BE49-F238E27FC236}">
-                <a16:creationId xmlns:a16="http://schemas.microsoft.com/office/drawing/2014/main" id="{392D8846-61BF-2E7E-3126-A189149D340D}"/>
-              </a:ext>
-            </a:extLst>
-          </p:cNvPr>
+          <p:cNvPr id="7" name="灯片编号占位符 6"/>
           <p:cNvSpPr>
             <a:spLocks noGrp="1"/>
           </p:cNvSpPr>
@@ -2483,18 +2125,12 @@
           <a:p>
             <a:fld id="{C6D65E1C-F257-4DD5-9C5D-E660E5D9F5D9}" type="slidenum">
               <a:rPr lang="zh-CN" altLang="en-US" smtClean="0"/>
-              <a:t>‹#›</a:t>
             </a:fld>
             <a:endParaRPr lang="zh-CN" altLang="en-US"/>
           </a:p>
         </p:txBody>
       </p:sp>
     </p:spTree>
-    <p:extLst>
-      <p:ext uri="{BB962C8B-B14F-4D97-AF65-F5344CB8AC3E}">
-        <p14:creationId xmlns:p14="http://schemas.microsoft.com/office/powerpoint/2010/main" val="3565234710"/>
-      </p:ext>
-    </p:extLst>
   </p:cSld>
   <p:clrMapOvr>
     <a:masterClrMapping/>
@@ -2521,13 +2157,7 @@
       </p:grpSpPr>
       <p:sp>
         <p:nvSpPr>
-          <p:cNvPr id="2" name="标题 1">
-            <a:extLst>
-              <a:ext uri="{FF2B5EF4-FFF2-40B4-BE49-F238E27FC236}">
-                <a16:creationId xmlns:a16="http://schemas.microsoft.com/office/drawing/2014/main" id="{2066A1D6-F104-D0D8-BCB7-826A39D53765}"/>
-              </a:ext>
-            </a:extLst>
-          </p:cNvPr>
+          <p:cNvPr id="2" name="标题 1"/>
           <p:cNvSpPr>
             <a:spLocks noGrp="1"/>
           </p:cNvSpPr>
@@ -2553,18 +2183,13 @@
               <a:rPr lang="zh-CN" altLang="en-US"/>
               <a:t>单击此处编辑母版标题样式</a:t>
             </a:r>
-          </a:p>
-        </p:txBody>
-      </p:sp>
-      <p:sp>
-        <p:nvSpPr>
-          <p:cNvPr id="3" name="图片占位符 2">
-            <a:extLst>
-              <a:ext uri="{FF2B5EF4-FFF2-40B4-BE49-F238E27FC236}">
-                <a16:creationId xmlns:a16="http://schemas.microsoft.com/office/drawing/2014/main" id="{357A2E18-10A2-11B4-6EE1-C86A20066235}"/>
-              </a:ext>
-            </a:extLst>
-          </p:cNvPr>
+            <a:endParaRPr lang="zh-CN" altLang="en-US"/>
+          </a:p>
+        </p:txBody>
+      </p:sp>
+      <p:sp>
+        <p:nvSpPr>
+          <p:cNvPr id="3" name="图片占位符 2"/>
           <p:cNvSpPr>
             <a:spLocks noGrp="1"/>
           </p:cNvSpPr>
@@ -2625,13 +2250,7 @@
       </p:sp>
       <p:sp>
         <p:nvSpPr>
-          <p:cNvPr id="4" name="文本占位符 3">
-            <a:extLst>
-              <a:ext uri="{FF2B5EF4-FFF2-40B4-BE49-F238E27FC236}">
-                <a16:creationId xmlns:a16="http://schemas.microsoft.com/office/drawing/2014/main" id="{639E23DD-A025-39D8-37C0-F587C70A12F5}"/>
-              </a:ext>
-            </a:extLst>
-          </p:cNvPr>
+          <p:cNvPr id="4" name="文本占位符 3"/>
           <p:cNvSpPr>
             <a:spLocks noGrp="1"/>
           </p:cNvSpPr>
@@ -2691,18 +2310,13 @@
               <a:rPr lang="zh-CN" altLang="en-US"/>
               <a:t>单击此处编辑母版文本样式</a:t>
             </a:r>
-          </a:p>
-        </p:txBody>
-      </p:sp>
-      <p:sp>
-        <p:nvSpPr>
-          <p:cNvPr id="5" name="日期占位符 4">
-            <a:extLst>
-              <a:ext uri="{FF2B5EF4-FFF2-40B4-BE49-F238E27FC236}">
-                <a16:creationId xmlns:a16="http://schemas.microsoft.com/office/drawing/2014/main" id="{91C9F00C-76D2-BB16-B9B0-E4854B103269}"/>
-              </a:ext>
-            </a:extLst>
-          </p:cNvPr>
+            <a:endParaRPr lang="zh-CN" altLang="en-US"/>
+          </a:p>
+        </p:txBody>
+      </p:sp>
+      <p:sp>
+        <p:nvSpPr>
+          <p:cNvPr id="5" name="日期占位符 4"/>
           <p:cNvSpPr>
             <a:spLocks noGrp="1"/>
           </p:cNvSpPr>
@@ -2717,7 +2331,6 @@
           <a:p>
             <a:fld id="{1C41CDB0-1565-45B2-ABD6-AEE7ED894BE8}" type="datetimeFigureOut">
               <a:rPr lang="zh-CN" altLang="en-US" smtClean="0"/>
-              <a:t>2022/5/18</a:t>
             </a:fld>
             <a:endParaRPr lang="zh-CN" altLang="en-US"/>
           </a:p>
@@ -2725,13 +2338,7 @@
       </p:sp>
       <p:sp>
         <p:nvSpPr>
-          <p:cNvPr id="6" name="页脚占位符 5">
-            <a:extLst>
-              <a:ext uri="{FF2B5EF4-FFF2-40B4-BE49-F238E27FC236}">
-                <a16:creationId xmlns:a16="http://schemas.microsoft.com/office/drawing/2014/main" id="{8E96E980-8227-21BB-0B7C-F138E9BDE191}"/>
-              </a:ext>
-            </a:extLst>
-          </p:cNvPr>
+          <p:cNvPr id="6" name="页脚占位符 5"/>
           <p:cNvSpPr>
             <a:spLocks noGrp="1"/>
           </p:cNvSpPr>
@@ -2750,13 +2357,7 @@
       </p:sp>
       <p:sp>
         <p:nvSpPr>
-          <p:cNvPr id="7" name="灯片编号占位符 6">
-            <a:extLst>
-              <a:ext uri="{FF2B5EF4-FFF2-40B4-BE49-F238E27FC236}">
-                <a16:creationId xmlns:a16="http://schemas.microsoft.com/office/drawing/2014/main" id="{DA35D300-D1AB-9F53-DB51-343C66BE8C91}"/>
-              </a:ext>
-            </a:extLst>
-          </p:cNvPr>
+          <p:cNvPr id="7" name="灯片编号占位符 6"/>
           <p:cNvSpPr>
             <a:spLocks noGrp="1"/>
           </p:cNvSpPr>
@@ -2771,18 +2372,12 @@
           <a:p>
             <a:fld id="{C6D65E1C-F257-4DD5-9C5D-E660E5D9F5D9}" type="slidenum">
               <a:rPr lang="zh-CN" altLang="en-US" smtClean="0"/>
-              <a:t>‹#›</a:t>
             </a:fld>
             <a:endParaRPr lang="zh-CN" altLang="en-US"/>
           </a:p>
         </p:txBody>
       </p:sp>
     </p:spTree>
-    <p:extLst>
-      <p:ext uri="{BB962C8B-B14F-4D97-AF65-F5344CB8AC3E}">
-        <p14:creationId xmlns:p14="http://schemas.microsoft.com/office/powerpoint/2010/main" val="1513210338"/>
-      </p:ext>
-    </p:extLst>
   </p:cSld>
   <p:clrMapOvr>
     <a:masterClrMapping/>
@@ -2814,13 +2409,7 @@
       </p:grpSpPr>
       <p:sp>
         <p:nvSpPr>
-          <p:cNvPr id="2" name="标题占位符 1">
-            <a:extLst>
-              <a:ext uri="{FF2B5EF4-FFF2-40B4-BE49-F238E27FC236}">
-                <a16:creationId xmlns:a16="http://schemas.microsoft.com/office/drawing/2014/main" id="{73FED677-E23C-D5C3-F0D5-5A7824BE0FBC}"/>
-              </a:ext>
-            </a:extLst>
-          </p:cNvPr>
+          <p:cNvPr id="2" name="标题占位符 1"/>
           <p:cNvSpPr>
             <a:spLocks noGrp="1"/>
           </p:cNvSpPr>
@@ -2847,18 +2436,13 @@
               <a:rPr lang="zh-CN" altLang="en-US"/>
               <a:t>单击此处编辑母版标题样式</a:t>
             </a:r>
-          </a:p>
-        </p:txBody>
-      </p:sp>
-      <p:sp>
-        <p:nvSpPr>
-          <p:cNvPr id="3" name="文本占位符 2">
-            <a:extLst>
-              <a:ext uri="{FF2B5EF4-FFF2-40B4-BE49-F238E27FC236}">
-                <a16:creationId xmlns:a16="http://schemas.microsoft.com/office/drawing/2014/main" id="{8EA2BB86-A947-C119-3523-96784D4B086D}"/>
-              </a:ext>
-            </a:extLst>
-          </p:cNvPr>
+            <a:endParaRPr lang="zh-CN" altLang="en-US"/>
+          </a:p>
+        </p:txBody>
+      </p:sp>
+      <p:sp>
+        <p:nvSpPr>
+          <p:cNvPr id="3" name="文本占位符 2"/>
           <p:cNvSpPr>
             <a:spLocks noGrp="1"/>
           </p:cNvSpPr>
@@ -2886,6 +2470,7 @@
               <a:rPr lang="zh-CN" altLang="en-US"/>
               <a:t>单击此处编辑母版文本样式</a:t>
             </a:r>
+            <a:endParaRPr lang="zh-CN" altLang="en-US"/>
           </a:p>
           <a:p>
             <a:pPr lvl="1"/>
@@ -2893,6 +2478,7 @@
               <a:rPr lang="zh-CN" altLang="en-US"/>
               <a:t>二级</a:t>
             </a:r>
+            <a:endParaRPr lang="zh-CN" altLang="en-US"/>
           </a:p>
           <a:p>
             <a:pPr lvl="2"/>
@@ -2900,6 +2486,7 @@
               <a:rPr lang="zh-CN" altLang="en-US"/>
               <a:t>三级</a:t>
             </a:r>
+            <a:endParaRPr lang="zh-CN" altLang="en-US"/>
           </a:p>
           <a:p>
             <a:pPr lvl="3"/>
@@ -2907,6 +2494,7 @@
               <a:rPr lang="zh-CN" altLang="en-US"/>
               <a:t>四级</a:t>
             </a:r>
+            <a:endParaRPr lang="zh-CN" altLang="en-US"/>
           </a:p>
           <a:p>
             <a:pPr lvl="4"/>
@@ -2914,18 +2502,13 @@
               <a:rPr lang="zh-CN" altLang="en-US"/>
               <a:t>五级</a:t>
             </a:r>
-          </a:p>
-        </p:txBody>
-      </p:sp>
-      <p:sp>
-        <p:nvSpPr>
-          <p:cNvPr id="4" name="日期占位符 3">
-            <a:extLst>
-              <a:ext uri="{FF2B5EF4-FFF2-40B4-BE49-F238E27FC236}">
-                <a16:creationId xmlns:a16="http://schemas.microsoft.com/office/drawing/2014/main" id="{A024BA42-1271-9101-CE7D-E7BD13C83D21}"/>
-              </a:ext>
-            </a:extLst>
-          </p:cNvPr>
+            <a:endParaRPr lang="zh-CN" altLang="en-US"/>
+          </a:p>
+        </p:txBody>
+      </p:sp>
+      <p:sp>
+        <p:nvSpPr>
+          <p:cNvPr id="4" name="日期占位符 3"/>
           <p:cNvSpPr>
             <a:spLocks noGrp="1"/>
           </p:cNvSpPr>
@@ -2958,7 +2541,6 @@
           <a:p>
             <a:fld id="{1C41CDB0-1565-45B2-ABD6-AEE7ED894BE8}" type="datetimeFigureOut">
               <a:rPr lang="zh-CN" altLang="en-US" smtClean="0"/>
-              <a:t>2022/5/18</a:t>
             </a:fld>
             <a:endParaRPr lang="zh-CN" altLang="en-US"/>
           </a:p>
@@ -2966,13 +2548,7 @@
       </p:sp>
       <p:sp>
         <p:nvSpPr>
-          <p:cNvPr id="5" name="页脚占位符 4">
-            <a:extLst>
-              <a:ext uri="{FF2B5EF4-FFF2-40B4-BE49-F238E27FC236}">
-                <a16:creationId xmlns:a16="http://schemas.microsoft.com/office/drawing/2014/main" id="{F530857E-9D5A-B274-FAC9-832B786AE3E1}"/>
-              </a:ext>
-            </a:extLst>
-          </p:cNvPr>
+          <p:cNvPr id="5" name="页脚占位符 4"/>
           <p:cNvSpPr>
             <a:spLocks noGrp="1"/>
           </p:cNvSpPr>
@@ -3009,13 +2585,7 @@
       </p:sp>
       <p:sp>
         <p:nvSpPr>
-          <p:cNvPr id="6" name="灯片编号占位符 5">
-            <a:extLst>
-              <a:ext uri="{FF2B5EF4-FFF2-40B4-BE49-F238E27FC236}">
-                <a16:creationId xmlns:a16="http://schemas.microsoft.com/office/drawing/2014/main" id="{5DB2A63B-801E-6016-B312-63352EDED9BE}"/>
-              </a:ext>
-            </a:extLst>
-          </p:cNvPr>
+          <p:cNvPr id="6" name="灯片编号占位符 5"/>
           <p:cNvSpPr>
             <a:spLocks noGrp="1"/>
           </p:cNvSpPr>
@@ -3048,18 +2618,12 @@
           <a:p>
             <a:fld id="{C6D65E1C-F257-4DD5-9C5D-E660E5D9F5D9}" type="slidenum">
               <a:rPr lang="zh-CN" altLang="en-US" smtClean="0"/>
-              <a:t>‹#›</a:t>
             </a:fld>
             <a:endParaRPr lang="zh-CN" altLang="en-US"/>
           </a:p>
         </p:txBody>
       </p:sp>
     </p:spTree>
-    <p:extLst>
-      <p:ext uri="{BB962C8B-B14F-4D97-AF65-F5344CB8AC3E}">
-        <p14:creationId xmlns:p14="http://schemas.microsoft.com/office/powerpoint/2010/main" val="2662424652"/>
-      </p:ext>
-    </p:extLst>
   </p:cSld>
   <p:clrMap bg1="lt1" tx1="dk1" bg2="lt2" tx2="dk2" accent1="accent1" accent2="accent2" accent3="accent3" accent4="accent4" accent5="accent5" accent6="accent6" hlink="hlink" folHlink="folHlink"/>
   <p:sldLayoutIdLst>
@@ -3377,13 +2941,7 @@
       </p:grpSpPr>
       <p:sp>
         <p:nvSpPr>
-          <p:cNvPr id="2" name="标题 1">
-            <a:extLst>
-              <a:ext uri="{FF2B5EF4-FFF2-40B4-BE49-F238E27FC236}">
-                <a16:creationId xmlns:a16="http://schemas.microsoft.com/office/drawing/2014/main" id="{92A89977-D962-2F75-16E7-C4991787A99C}"/>
-              </a:ext>
-            </a:extLst>
-          </p:cNvPr>
+          <p:cNvPr id="2" name="标题 1"/>
           <p:cNvSpPr>
             <a:spLocks noGrp="1"/>
           </p:cNvSpPr>
@@ -3425,11 +2983,1050 @@
         </p:txBody>
       </p:sp>
     </p:spTree>
-    <p:extLst>
-      <p:ext uri="{BB962C8B-B14F-4D97-AF65-F5344CB8AC3E}">
-        <p14:creationId xmlns:p14="http://schemas.microsoft.com/office/powerpoint/2010/main" val="2496758004"/>
-      </p:ext>
-    </p:extLst>
+  </p:cSld>
+  <p:clrMapOvr>
+    <a:masterClrMapping/>
+  </p:clrMapOvr>
+</p:sld>
+</file>
+
+<file path=ppt/slides/slide10.xml><?xml version="1.0" encoding="utf-8"?>
+<p:sld xmlns:a="http://schemas.openxmlformats.org/drawingml/2006/main" xmlns:r="http://schemas.openxmlformats.org/officeDocument/2006/relationships" xmlns:p="http://schemas.openxmlformats.org/presentationml/2006/main">
+  <p:cSld>
+    <p:spTree>
+      <p:nvGrpSpPr>
+        <p:cNvPr id="1" name=""/>
+        <p:cNvGrpSpPr/>
+        <p:nvPr/>
+      </p:nvGrpSpPr>
+      <p:grpSpPr/>
+      <p:sp>
+        <p:nvSpPr>
+          <p:cNvPr id="2" name="标题 1"/>
+          <p:cNvSpPr>
+            <a:spLocks noGrp="1"/>
+          </p:cNvSpPr>
+          <p:nvPr>
+            <p:ph type="title"/>
+          </p:nvPr>
+        </p:nvSpPr>
+        <p:spPr/>
+        <p:txBody>
+          <a:bodyPr/>
+          <a:p>
+            <a:pPr algn="ctr"/>
+            <a:r>
+              <a:rPr lang="en-US" altLang="zh-CN" b="1">
+                <a:solidFill>
+                  <a:srgbClr val="FF0000"/>
+                </a:solidFill>
+              </a:rPr>
+              <a:t>2.5</a:t>
+            </a:r>
+            <a:r>
+              <a:rPr lang="zh-CN" altLang="en-US" b="1">
+                <a:solidFill>
+                  <a:srgbClr val="FF0000"/>
+                </a:solidFill>
+              </a:rPr>
+              <a:t>、扩展头</a:t>
+            </a:r>
+            <a:r>
+              <a:rPr lang="en-US" altLang="zh-CN" b="1">
+                <a:solidFill>
+                  <a:srgbClr val="FF0000"/>
+                </a:solidFill>
+              </a:rPr>
+              <a:t>length</a:t>
+            </a:r>
+            <a:endParaRPr lang="en-US" altLang="zh-CN" b="1">
+              <a:solidFill>
+                <a:srgbClr val="FF0000"/>
+              </a:solidFill>
+            </a:endParaRPr>
+          </a:p>
+        </p:txBody>
+      </p:sp>
+      <p:sp>
+        <p:nvSpPr>
+          <p:cNvPr id="3" name="内容占位符 2"/>
+          <p:cNvSpPr>
+            <a:spLocks noGrp="1"/>
+          </p:cNvSpPr>
+          <p:nvPr>
+            <p:ph idx="1"/>
+          </p:nvPr>
+        </p:nvSpPr>
+        <p:spPr/>
+        <p:txBody>
+          <a:bodyPr/>
+          <a:p>
+            <a:r>
+              <a:rPr lang="zh-CN" altLang="en-US"/>
+              <a:t>表示后面跟着的扩展头有几个字节</a:t>
+            </a:r>
+            <a:endParaRPr lang="zh-CN" altLang="en-US"/>
+          </a:p>
+          <a:p>
+            <a:r>
+              <a:rPr lang="zh-CN" altLang="en-US"/>
+              <a:t>扩展头长度以</a:t>
+            </a:r>
+            <a:r>
+              <a:rPr lang="en-US" altLang="zh-CN"/>
+              <a:t>4</a:t>
+            </a:r>
+            <a:r>
+              <a:rPr lang="zh-CN" altLang="en-US"/>
+              <a:t>字节为单位</a:t>
+            </a:r>
+            <a:endParaRPr lang="zh-CN" altLang="en-US"/>
+          </a:p>
+          <a:p>
+            <a:r>
+              <a:rPr lang="zh-CN" altLang="en-US"/>
+              <a:t>如</a:t>
+            </a:r>
+            <a:r>
+              <a:rPr lang="en-US" altLang="zh-CN"/>
+              <a:t>length</a:t>
+            </a:r>
+            <a:r>
+              <a:rPr lang="zh-CN" altLang="en-US"/>
+              <a:t>为</a:t>
+            </a:r>
+            <a:r>
+              <a:rPr lang="en-US" altLang="zh-CN"/>
+              <a:t>3</a:t>
+            </a:r>
+            <a:r>
+              <a:rPr lang="zh-CN" altLang="en-US"/>
+              <a:t>，说明扩展头长度占</a:t>
+            </a:r>
+            <a:r>
+              <a:rPr lang="en-US" altLang="zh-CN"/>
+              <a:t>12</a:t>
+            </a:r>
+            <a:r>
+              <a:rPr lang="zh-CN" altLang="en-US"/>
+              <a:t>字节</a:t>
+            </a:r>
+            <a:endParaRPr lang="zh-CN" altLang="en-US"/>
+          </a:p>
+          <a:p>
+            <a:endParaRPr lang="zh-CN" altLang="en-US"/>
+          </a:p>
+        </p:txBody>
+      </p:sp>
+    </p:spTree>
+  </p:cSld>
+  <p:clrMapOvr>
+    <a:masterClrMapping/>
+  </p:clrMapOvr>
+</p:sld>
+</file>
+
+<file path=ppt/slides/slide11.xml><?xml version="1.0" encoding="utf-8"?>
+<p:sld xmlns:a="http://schemas.openxmlformats.org/drawingml/2006/main" xmlns:r="http://schemas.openxmlformats.org/officeDocument/2006/relationships" xmlns:p="http://schemas.openxmlformats.org/presentationml/2006/main">
+  <p:cSld>
+    <p:spTree>
+      <p:nvGrpSpPr>
+        <p:cNvPr id="1" name=""/>
+        <p:cNvGrpSpPr/>
+        <p:nvPr/>
+      </p:nvGrpSpPr>
+      <p:grpSpPr/>
+      <p:sp>
+        <p:nvSpPr>
+          <p:cNvPr id="2" name="标题 1"/>
+          <p:cNvSpPr>
+            <a:spLocks noGrp="1"/>
+          </p:cNvSpPr>
+          <p:nvPr>
+            <p:ph type="title"/>
+          </p:nvPr>
+        </p:nvSpPr>
+        <p:spPr/>
+        <p:txBody>
+          <a:bodyPr/>
+          <a:p>
+            <a:pPr algn="ctr"/>
+            <a:r>
+              <a:rPr lang="zh-CN" altLang="en-US" b="1">
+                <a:solidFill>
+                  <a:srgbClr val="FF0000"/>
+                </a:solidFill>
+              </a:rPr>
+              <a:t>一字节的扩展头</a:t>
+            </a:r>
+            <a:endParaRPr lang="zh-CN" altLang="en-US" b="1">
+              <a:solidFill>
+                <a:srgbClr val="FF0000"/>
+              </a:solidFill>
+            </a:endParaRPr>
+          </a:p>
+        </p:txBody>
+      </p:sp>
+      <p:sp>
+        <p:nvSpPr>
+          <p:cNvPr id="3" name="内容占位符 2"/>
+          <p:cNvSpPr>
+            <a:spLocks noGrp="1"/>
+          </p:cNvSpPr>
+          <p:nvPr>
+            <p:ph idx="1"/>
+          </p:nvPr>
+        </p:nvSpPr>
+        <p:spPr/>
+        <p:txBody>
+          <a:bodyPr/>
+          <a:p>
+            <a:endParaRPr lang="zh-CN" altLang="en-US"/>
+          </a:p>
+        </p:txBody>
+      </p:sp>
+      <p:sp>
+        <p:nvSpPr>
+          <p:cNvPr id="4" name="圆角矩形 3"/>
+          <p:cNvSpPr/>
+          <p:nvPr/>
+        </p:nvSpPr>
+        <p:spPr>
+          <a:xfrm>
+            <a:off x="1333500" y="3629025"/>
+            <a:ext cx="1233805" cy="846455"/>
+          </a:xfrm>
+          <a:prstGeom prst="roundRect">
+            <a:avLst/>
+          </a:prstGeom>
+        </p:spPr>
+        <p:style>
+          <a:lnRef idx="2">
+            <a:schemeClr val="accent1">
+              <a:shade val="50000"/>
+            </a:schemeClr>
+          </a:lnRef>
+          <a:fillRef idx="1">
+            <a:schemeClr val="accent1"/>
+          </a:fillRef>
+          <a:effectRef idx="0">
+            <a:schemeClr val="accent1"/>
+          </a:effectRef>
+          <a:fontRef idx="minor">
+            <a:schemeClr val="lt1"/>
+          </a:fontRef>
+        </p:style>
+        <p:txBody>
+          <a:bodyPr rtlCol="0" anchor="ctr"/>
+          <a:p>
+            <a:pPr algn="ctr"/>
+            <a:r>
+              <a:rPr lang="en-US" altLang="zh-CN"/>
+              <a:t>ID</a:t>
+            </a:r>
+            <a:endParaRPr lang="en-US" altLang="zh-CN"/>
+          </a:p>
+        </p:txBody>
+      </p:sp>
+      <p:sp>
+        <p:nvSpPr>
+          <p:cNvPr id="8" name="圆角矩形 7"/>
+          <p:cNvSpPr/>
+          <p:nvPr/>
+        </p:nvSpPr>
+        <p:spPr>
+          <a:xfrm>
+            <a:off x="2567305" y="3614420"/>
+            <a:ext cx="846455" cy="861060"/>
+          </a:xfrm>
+          <a:prstGeom prst="roundRect">
+            <a:avLst/>
+          </a:prstGeom>
+        </p:spPr>
+        <p:style>
+          <a:lnRef idx="2">
+            <a:schemeClr val="accent1">
+              <a:shade val="50000"/>
+            </a:schemeClr>
+          </a:lnRef>
+          <a:fillRef idx="1">
+            <a:schemeClr val="accent1"/>
+          </a:fillRef>
+          <a:effectRef idx="0">
+            <a:schemeClr val="accent1"/>
+          </a:effectRef>
+          <a:fontRef idx="minor">
+            <a:schemeClr val="lt1"/>
+          </a:fontRef>
+        </p:style>
+        <p:txBody>
+          <a:bodyPr rtlCol="0" anchor="ctr"/>
+          <a:p>
+            <a:pPr algn="ctr"/>
+            <a:r>
+              <a:rPr lang="en-US" altLang="zh-CN"/>
+              <a:t>len</a:t>
+            </a:r>
+            <a:endParaRPr lang="en-US" altLang="zh-CN"/>
+          </a:p>
+        </p:txBody>
+      </p:sp>
+      <p:sp>
+        <p:nvSpPr>
+          <p:cNvPr id="9" name="圆角矩形 8"/>
+          <p:cNvSpPr/>
+          <p:nvPr/>
+        </p:nvSpPr>
+        <p:spPr>
+          <a:xfrm>
+            <a:off x="3541395" y="3521075"/>
+            <a:ext cx="6928485" cy="1047115"/>
+          </a:xfrm>
+          <a:prstGeom prst="roundRect">
+            <a:avLst/>
+          </a:prstGeom>
+        </p:spPr>
+        <p:style>
+          <a:lnRef idx="2">
+            <a:schemeClr val="accent1">
+              <a:shade val="50000"/>
+            </a:schemeClr>
+          </a:lnRef>
+          <a:fillRef idx="1">
+            <a:schemeClr val="accent1"/>
+          </a:fillRef>
+          <a:effectRef idx="0">
+            <a:schemeClr val="accent1"/>
+          </a:effectRef>
+          <a:fontRef idx="minor">
+            <a:schemeClr val="lt1"/>
+          </a:fontRef>
+        </p:style>
+        <p:txBody>
+          <a:bodyPr rtlCol="0" anchor="ctr"/>
+          <a:p>
+            <a:pPr algn="ctr"/>
+            <a:r>
+              <a:rPr lang="zh-CN" altLang="en-US"/>
+              <a:t>。。。</a:t>
+            </a:r>
+            <a:endParaRPr lang="zh-CN" altLang="en-US"/>
+          </a:p>
+        </p:txBody>
+      </p:sp>
+      <p:sp>
+        <p:nvSpPr>
+          <p:cNvPr id="10" name="左大括号 9"/>
+          <p:cNvSpPr/>
+          <p:nvPr/>
+        </p:nvSpPr>
+        <p:spPr>
+          <a:xfrm rot="5400000">
+            <a:off x="2075815" y="2535555"/>
+            <a:ext cx="430530" cy="1915795"/>
+          </a:xfrm>
+          <a:prstGeom prst="leftBrace">
+            <a:avLst/>
+          </a:prstGeom>
+        </p:spPr>
+        <p:style>
+          <a:lnRef idx="1">
+            <a:schemeClr val="accent1"/>
+          </a:lnRef>
+          <a:fillRef idx="0">
+            <a:schemeClr val="accent1"/>
+          </a:fillRef>
+          <a:effectRef idx="0">
+            <a:schemeClr val="accent1"/>
+          </a:effectRef>
+          <a:fontRef idx="minor">
+            <a:schemeClr val="tx1"/>
+          </a:fontRef>
+        </p:style>
+        <p:txBody>
+          <a:bodyPr rtlCol="0" anchor="ctr"/>
+          <a:p>
+            <a:pPr algn="ctr"/>
+            <a:endParaRPr lang="zh-CN" altLang="en-US"/>
+          </a:p>
+        </p:txBody>
+      </p:sp>
+      <p:sp>
+        <p:nvSpPr>
+          <p:cNvPr id="11" name="圆角矩形 10"/>
+          <p:cNvSpPr/>
+          <p:nvPr/>
+        </p:nvSpPr>
+        <p:spPr>
+          <a:xfrm>
+            <a:off x="1620520" y="2661285"/>
+            <a:ext cx="1534795" cy="617220"/>
+          </a:xfrm>
+          <a:prstGeom prst="roundRect">
+            <a:avLst/>
+          </a:prstGeom>
+        </p:spPr>
+        <p:style>
+          <a:lnRef idx="2">
+            <a:schemeClr val="accent1">
+              <a:shade val="50000"/>
+            </a:schemeClr>
+          </a:lnRef>
+          <a:fillRef idx="1">
+            <a:schemeClr val="accent1"/>
+          </a:fillRef>
+          <a:effectRef idx="0">
+            <a:schemeClr val="accent1"/>
+          </a:effectRef>
+          <a:fontRef idx="minor">
+            <a:schemeClr val="lt1"/>
+          </a:fontRef>
+        </p:style>
+        <p:txBody>
+          <a:bodyPr rtlCol="0" anchor="ctr"/>
+          <a:p>
+            <a:pPr algn="ctr"/>
+            <a:r>
+              <a:rPr lang="en-US" altLang="zh-CN"/>
+              <a:t>Header</a:t>
+            </a:r>
+            <a:r>
+              <a:rPr lang="zh-CN" altLang="en-US"/>
+              <a:t>（两个字节）</a:t>
+            </a:r>
+            <a:endParaRPr lang="zh-CN" altLang="en-US"/>
+          </a:p>
+        </p:txBody>
+      </p:sp>
+      <p:sp>
+        <p:nvSpPr>
+          <p:cNvPr id="12" name="右大括号 11"/>
+          <p:cNvSpPr/>
+          <p:nvPr/>
+        </p:nvSpPr>
+        <p:spPr>
+          <a:xfrm rot="16200000">
+            <a:off x="6923405" y="-113030"/>
+            <a:ext cx="336550" cy="6757035"/>
+          </a:xfrm>
+          <a:prstGeom prst="rightBrace">
+            <a:avLst/>
+          </a:prstGeom>
+        </p:spPr>
+        <p:style>
+          <a:lnRef idx="1">
+            <a:schemeClr val="accent1"/>
+          </a:lnRef>
+          <a:fillRef idx="0">
+            <a:schemeClr val="accent1"/>
+          </a:fillRef>
+          <a:effectRef idx="0">
+            <a:schemeClr val="accent1"/>
+          </a:effectRef>
+          <a:fontRef idx="minor">
+            <a:schemeClr val="tx1"/>
+          </a:fontRef>
+        </p:style>
+        <p:txBody>
+          <a:bodyPr rtlCol="0" anchor="ctr"/>
+          <a:p>
+            <a:pPr algn="ctr"/>
+            <a:endParaRPr lang="zh-CN" altLang="en-US"/>
+          </a:p>
+        </p:txBody>
+      </p:sp>
+      <p:sp>
+        <p:nvSpPr>
+          <p:cNvPr id="13" name="圆角矩形 12"/>
+          <p:cNvSpPr/>
+          <p:nvPr/>
+        </p:nvSpPr>
+        <p:spPr>
+          <a:xfrm>
+            <a:off x="5815330" y="2305050"/>
+            <a:ext cx="2553335" cy="602615"/>
+          </a:xfrm>
+          <a:prstGeom prst="roundRect">
+            <a:avLst/>
+          </a:prstGeom>
+        </p:spPr>
+        <p:style>
+          <a:lnRef idx="2">
+            <a:schemeClr val="accent1">
+              <a:shade val="50000"/>
+            </a:schemeClr>
+          </a:lnRef>
+          <a:fillRef idx="1">
+            <a:schemeClr val="accent1"/>
+          </a:fillRef>
+          <a:effectRef idx="0">
+            <a:schemeClr val="accent1"/>
+          </a:effectRef>
+          <a:fontRef idx="minor">
+            <a:schemeClr val="lt1"/>
+          </a:fontRef>
+        </p:style>
+        <p:txBody>
+          <a:bodyPr rtlCol="0" anchor="ctr"/>
+          <a:p>
+            <a:pPr algn="ctr"/>
+            <a:r>
+              <a:rPr lang="en-US" altLang="zh-CN"/>
+              <a:t>Body</a:t>
+            </a:r>
+            <a:endParaRPr lang="en-US" altLang="zh-CN"/>
+          </a:p>
+        </p:txBody>
+      </p:sp>
+      <p:sp>
+        <p:nvSpPr>
+          <p:cNvPr id="14" name="左大括号 13"/>
+          <p:cNvSpPr/>
+          <p:nvPr/>
+        </p:nvSpPr>
+        <p:spPr>
+          <a:xfrm rot="16200000">
+            <a:off x="1771015" y="4370705"/>
+            <a:ext cx="387350" cy="954405"/>
+          </a:xfrm>
+          <a:prstGeom prst="leftBrace">
+            <a:avLst/>
+          </a:prstGeom>
+        </p:spPr>
+        <p:style>
+          <a:lnRef idx="1">
+            <a:schemeClr val="accent1"/>
+          </a:lnRef>
+          <a:fillRef idx="0">
+            <a:schemeClr val="accent1"/>
+          </a:fillRef>
+          <a:effectRef idx="0">
+            <a:schemeClr val="accent1"/>
+          </a:effectRef>
+          <a:fontRef idx="minor">
+            <a:schemeClr val="tx1"/>
+          </a:fontRef>
+        </p:style>
+        <p:txBody>
+          <a:bodyPr rtlCol="0" anchor="ctr"/>
+          <a:p>
+            <a:pPr algn="ctr"/>
+            <a:endParaRPr lang="zh-CN" altLang="en-US"/>
+          </a:p>
+        </p:txBody>
+      </p:sp>
+      <p:sp>
+        <p:nvSpPr>
+          <p:cNvPr id="15" name="圆角矩形 14"/>
+          <p:cNvSpPr/>
+          <p:nvPr/>
+        </p:nvSpPr>
+        <p:spPr>
+          <a:xfrm>
+            <a:off x="1620520" y="5220970"/>
+            <a:ext cx="688975" cy="1247775"/>
+          </a:xfrm>
+          <a:prstGeom prst="roundRect">
+            <a:avLst/>
+          </a:prstGeom>
+        </p:spPr>
+        <p:style>
+          <a:lnRef idx="2">
+            <a:schemeClr val="accent1">
+              <a:shade val="50000"/>
+            </a:schemeClr>
+          </a:lnRef>
+          <a:fillRef idx="1">
+            <a:schemeClr val="accent1"/>
+          </a:fillRef>
+          <a:effectRef idx="0">
+            <a:schemeClr val="accent1"/>
+          </a:effectRef>
+          <a:fontRef idx="minor">
+            <a:schemeClr val="lt1"/>
+          </a:fontRef>
+        </p:style>
+        <p:txBody>
+          <a:bodyPr rtlCol="0" anchor="ctr"/>
+          <a:p>
+            <a:pPr algn="ctr"/>
+            <a:r>
+              <a:rPr lang="zh-CN" altLang="en-US"/>
+              <a:t>一个字节</a:t>
+            </a:r>
+            <a:endParaRPr lang="zh-CN" altLang="en-US"/>
+          </a:p>
+        </p:txBody>
+      </p:sp>
+    </p:spTree>
+  </p:cSld>
+  <p:clrMapOvr>
+    <a:masterClrMapping/>
+  </p:clrMapOvr>
+</p:sld>
+</file>
+
+<file path=ppt/slides/slide12.xml><?xml version="1.0" encoding="utf-8"?>
+<p:sld xmlns:a="http://schemas.openxmlformats.org/drawingml/2006/main" xmlns:r="http://schemas.openxmlformats.org/officeDocument/2006/relationships" xmlns:p="http://schemas.openxmlformats.org/presentationml/2006/main">
+  <p:cSld>
+    <p:spTree>
+      <p:nvGrpSpPr>
+        <p:cNvPr id="1" name=""/>
+        <p:cNvGrpSpPr/>
+        <p:nvPr/>
+      </p:nvGrpSpPr>
+      <p:grpSpPr/>
+      <p:sp>
+        <p:nvSpPr>
+          <p:cNvPr id="2" name="标题 1"/>
+          <p:cNvSpPr>
+            <a:spLocks noGrp="1"/>
+          </p:cNvSpPr>
+          <p:nvPr>
+            <p:ph type="title"/>
+          </p:nvPr>
+        </p:nvSpPr>
+        <p:spPr/>
+        <p:txBody>
+          <a:bodyPr/>
+          <a:p>
+            <a:pPr algn="ctr"/>
+            <a:r>
+              <a:rPr lang="zh-CN" altLang="en-US" b="1">
+                <a:solidFill>
+                  <a:srgbClr val="FF0000"/>
+                </a:solidFill>
+              </a:rPr>
+              <a:t>一字节的扩展头例子</a:t>
+            </a:r>
+            <a:endParaRPr lang="zh-CN" altLang="en-US" b="1">
+              <a:solidFill>
+                <a:srgbClr val="FF0000"/>
+              </a:solidFill>
+            </a:endParaRPr>
+          </a:p>
+        </p:txBody>
+      </p:sp>
+      <p:pic>
+        <p:nvPicPr>
+          <p:cNvPr id="4" name="内容占位符 3"/>
+          <p:cNvPicPr>
+            <a:picLocks noChangeAspect="1"/>
+          </p:cNvPicPr>
+          <p:nvPr>
+            <p:ph idx="1"/>
+          </p:nvPr>
+        </p:nvPicPr>
+        <p:blipFill>
+          <a:blip r:embed="rId1"/>
+          <a:stretch>
+            <a:fillRect/>
+          </a:stretch>
+        </p:blipFill>
+        <p:spPr>
+          <a:xfrm>
+            <a:off x="2098675" y="1825625"/>
+            <a:ext cx="7993380" cy="4351655"/>
+          </a:xfrm>
+          <a:prstGeom prst="rect">
+            <a:avLst/>
+          </a:prstGeom>
+        </p:spPr>
+      </p:pic>
+    </p:spTree>
+  </p:cSld>
+  <p:clrMapOvr>
+    <a:masterClrMapping/>
+  </p:clrMapOvr>
+</p:sld>
+</file>
+
+<file path=ppt/slides/slide13.xml><?xml version="1.0" encoding="utf-8"?>
+<p:sld xmlns:a="http://schemas.openxmlformats.org/drawingml/2006/main" xmlns:r="http://schemas.openxmlformats.org/officeDocument/2006/relationships" xmlns:p="http://schemas.openxmlformats.org/presentationml/2006/main">
+  <p:cSld>
+    <p:spTree>
+      <p:nvGrpSpPr>
+        <p:cNvPr id="1" name=""/>
+        <p:cNvGrpSpPr/>
+        <p:nvPr/>
+      </p:nvGrpSpPr>
+      <p:grpSpPr/>
+      <p:sp>
+        <p:nvSpPr>
+          <p:cNvPr id="2" name="标题 1"/>
+          <p:cNvSpPr>
+            <a:spLocks noGrp="1"/>
+          </p:cNvSpPr>
+          <p:nvPr>
+            <p:ph type="title"/>
+          </p:nvPr>
+        </p:nvSpPr>
+        <p:spPr/>
+        <p:txBody>
+          <a:bodyPr/>
+          <a:p>
+            <a:pPr algn="ctr"/>
+            <a:r>
+              <a:rPr lang="zh-CN" altLang="en-US" b="1">
+                <a:solidFill>
+                  <a:srgbClr val="FF0000"/>
+                </a:solidFill>
+              </a:rPr>
+              <a:t>两个字节的扩展头例子</a:t>
+            </a:r>
+            <a:endParaRPr lang="zh-CN" altLang="en-US" b="1">
+              <a:solidFill>
+                <a:srgbClr val="FF0000"/>
+              </a:solidFill>
+            </a:endParaRPr>
+          </a:p>
+        </p:txBody>
+      </p:sp>
+      <p:pic>
+        <p:nvPicPr>
+          <p:cNvPr id="4" name="内容占位符 3"/>
+          <p:cNvPicPr>
+            <a:picLocks noChangeAspect="1"/>
+          </p:cNvPicPr>
+          <p:nvPr>
+            <p:ph idx="1"/>
+          </p:nvPr>
+        </p:nvPicPr>
+        <p:blipFill>
+          <a:blip r:embed="rId1"/>
+          <a:stretch>
+            <a:fillRect/>
+          </a:stretch>
+        </p:blipFill>
+        <p:spPr>
+          <a:xfrm>
+            <a:off x="1784985" y="1825625"/>
+            <a:ext cx="8621395" cy="4351655"/>
+          </a:xfrm>
+          <a:prstGeom prst="rect">
+            <a:avLst/>
+          </a:prstGeom>
+        </p:spPr>
+      </p:pic>
+    </p:spTree>
+  </p:cSld>
+  <p:clrMapOvr>
+    <a:masterClrMapping/>
+  </p:clrMapOvr>
+</p:sld>
+</file>
+
+<file path=ppt/slides/slide14.xml><?xml version="1.0" encoding="utf-8"?>
+<p:sld xmlns:a="http://schemas.openxmlformats.org/drawingml/2006/main" xmlns:r="http://schemas.openxmlformats.org/officeDocument/2006/relationships" xmlns:p="http://schemas.openxmlformats.org/presentationml/2006/main">
+  <p:cSld>
+    <p:spTree>
+      <p:nvGrpSpPr>
+        <p:cNvPr id="1" name=""/>
+        <p:cNvGrpSpPr/>
+        <p:nvPr/>
+      </p:nvGrpSpPr>
+      <p:grpSpPr/>
+      <p:sp>
+        <p:nvSpPr>
+          <p:cNvPr id="2" name="标题 1"/>
+          <p:cNvSpPr>
+            <a:spLocks noGrp="1"/>
+          </p:cNvSpPr>
+          <p:nvPr>
+            <p:ph type="title"/>
+          </p:nvPr>
+        </p:nvSpPr>
+        <p:spPr/>
+        <p:txBody>
+          <a:bodyPr/>
+          <a:p>
+            <a:pPr algn="ctr"/>
+            <a:r>
+              <a:rPr lang="zh-CN" altLang="en-US" b="1">
+                <a:solidFill>
+                  <a:srgbClr val="FF0000"/>
+                </a:solidFill>
+              </a:rPr>
+              <a:t>三、</a:t>
+            </a:r>
+            <a:r>
+              <a:rPr lang="en-US" altLang="zh-CN" b="1">
+                <a:solidFill>
+                  <a:srgbClr val="FF0000"/>
+                </a:solidFill>
+              </a:rPr>
+              <a:t>WebRTC</a:t>
+            </a:r>
+            <a:r>
+              <a:rPr lang="zh-CN" altLang="en-US" b="1">
+                <a:solidFill>
+                  <a:srgbClr val="FF0000"/>
+                </a:solidFill>
+              </a:rPr>
+              <a:t>用到的扩展头</a:t>
+            </a:r>
+            <a:endParaRPr lang="zh-CN" altLang="en-US" b="1">
+              <a:solidFill>
+                <a:srgbClr val="FF0000"/>
+              </a:solidFill>
+            </a:endParaRPr>
+          </a:p>
+        </p:txBody>
+      </p:sp>
+      <p:pic>
+        <p:nvPicPr>
+          <p:cNvPr id="4" name="内容占位符 3"/>
+          <p:cNvPicPr>
+            <a:picLocks noChangeAspect="1"/>
+          </p:cNvPicPr>
+          <p:nvPr>
+            <p:ph idx="1"/>
+          </p:nvPr>
+        </p:nvPicPr>
+        <p:blipFill>
+          <a:blip r:embed="rId1"/>
+          <a:stretch>
+            <a:fillRect/>
+          </a:stretch>
+        </p:blipFill>
+        <p:spPr>
+          <a:xfrm>
+            <a:off x="3638550" y="1825625"/>
+            <a:ext cx="4913630" cy="4351655"/>
+          </a:xfrm>
+          <a:prstGeom prst="rect">
+            <a:avLst/>
+          </a:prstGeom>
+        </p:spPr>
+      </p:pic>
+    </p:spTree>
+  </p:cSld>
+  <p:clrMapOvr>
+    <a:masterClrMapping/>
+  </p:clrMapOvr>
+</p:sld>
+</file>
+
+<file path=ppt/slides/slide15.xml><?xml version="1.0" encoding="utf-8"?>
+<p:sld xmlns:a="http://schemas.openxmlformats.org/drawingml/2006/main" xmlns:r="http://schemas.openxmlformats.org/officeDocument/2006/relationships" xmlns:p="http://schemas.openxmlformats.org/presentationml/2006/main">
+  <p:cSld>
+    <p:spTree>
+      <p:nvGrpSpPr>
+        <p:cNvPr id="1" name=""/>
+        <p:cNvGrpSpPr/>
+        <p:nvPr/>
+      </p:nvGrpSpPr>
+      <p:grpSpPr/>
+      <p:sp>
+        <p:nvSpPr>
+          <p:cNvPr id="2" name="标题 1"/>
+          <p:cNvSpPr>
+            <a:spLocks noGrp="1"/>
+          </p:cNvSpPr>
+          <p:nvPr>
+            <p:ph type="title"/>
+          </p:nvPr>
+        </p:nvSpPr>
+        <p:spPr/>
+        <p:txBody>
+          <a:bodyPr/>
+          <a:p>
+            <a:pPr algn="ctr"/>
+            <a:r>
+              <a:rPr lang="zh-CN" altLang="en-US" b="1">
+                <a:solidFill>
+                  <a:srgbClr val="FF0000"/>
+                </a:solidFill>
+              </a:rPr>
+              <a:t>三、</a:t>
+            </a:r>
+            <a:r>
+              <a:rPr lang="en-US" altLang="zh-CN" b="1">
+                <a:solidFill>
+                  <a:srgbClr val="FF0000"/>
+                </a:solidFill>
+              </a:rPr>
+              <a:t>1.</a:t>
+            </a:r>
+            <a:r>
+              <a:rPr lang="zh-CN" altLang="en-US" b="1">
+                <a:solidFill>
+                  <a:srgbClr val="FF0000"/>
+                </a:solidFill>
+              </a:rPr>
+              <a:t>扩展头详细信息</a:t>
+            </a:r>
+            <a:endParaRPr lang="zh-CN" altLang="en-US" b="1">
+              <a:solidFill>
+                <a:srgbClr val="FF0000"/>
+              </a:solidFill>
+            </a:endParaRPr>
+          </a:p>
+        </p:txBody>
+      </p:sp>
+      <p:sp>
+        <p:nvSpPr>
+          <p:cNvPr id="3" name="内容占位符 2"/>
+          <p:cNvSpPr>
+            <a:spLocks noGrp="1"/>
+          </p:cNvSpPr>
+          <p:nvPr>
+            <p:ph idx="1"/>
+          </p:nvPr>
+        </p:nvSpPr>
+        <p:spPr/>
+        <p:txBody>
+          <a:bodyPr/>
+          <a:p>
+            <a:r>
+              <a:rPr lang="en-US" altLang="zh-CN"/>
+              <a:t>src/api/rtp_paramerters.h </a:t>
+            </a:r>
+            <a:r>
+              <a:rPr lang="zh-CN" altLang="en-US"/>
+              <a:t>中的</a:t>
+            </a:r>
+            <a:r>
+              <a:rPr lang="en-US" altLang="zh-CN"/>
+              <a:t>RtpExtension</a:t>
+            </a:r>
+            <a:r>
+              <a:rPr lang="zh-CN" altLang="en-US"/>
+              <a:t>结构</a:t>
+            </a:r>
+            <a:r>
+              <a:rPr lang="en-US" altLang="zh-CN"/>
+              <a:t> </a:t>
+            </a:r>
+            <a:endParaRPr lang="en-US" altLang="zh-CN"/>
+          </a:p>
+          <a:p>
+            <a:r>
+              <a:rPr lang="en-US" altLang="zh-CN"/>
+              <a:t>src/api/rtp_parameters.cc </a:t>
+            </a:r>
+            <a:r>
+              <a:rPr lang="zh-CN" altLang="en-US"/>
+              <a:t>中</a:t>
+            </a:r>
+            <a:r>
+              <a:rPr lang="zh-CN" altLang="en-US"/>
+              <a:t>实现</a:t>
+            </a:r>
+            <a:endParaRPr lang="zh-CN" altLang="en-US"/>
+          </a:p>
+          <a:p>
+            <a:r>
+              <a:rPr lang="en-US" altLang="zh-CN"/>
+              <a:t>src/modules/rtp_rtcp/source/rtp_header_extensions.cc </a:t>
+            </a:r>
+            <a:r>
+              <a:rPr lang="zh-CN" altLang="en-US"/>
+              <a:t>格式</a:t>
+            </a:r>
+            <a:r>
+              <a:rPr lang="zh-CN" altLang="en-US"/>
+              <a:t>详细</a:t>
+            </a:r>
+            <a:endParaRPr lang="zh-CN" altLang="en-US"/>
+          </a:p>
+          <a:p>
+            <a:endParaRPr lang="zh-CN" altLang="en-US"/>
+          </a:p>
+        </p:txBody>
+      </p:sp>
+    </p:spTree>
+  </p:cSld>
+  <p:clrMapOvr>
+    <a:masterClrMapping/>
+  </p:clrMapOvr>
+</p:sld>
+</file>
+
+<file path=ppt/slides/slide16.xml><?xml version="1.0" encoding="utf-8"?>
+<p:sld xmlns:a="http://schemas.openxmlformats.org/drawingml/2006/main" xmlns:r="http://schemas.openxmlformats.org/officeDocument/2006/relationships" xmlns:p="http://schemas.openxmlformats.org/presentationml/2006/main">
+  <p:cSld>
+    <p:spTree>
+      <p:nvGrpSpPr>
+        <p:cNvPr id="1" name=""/>
+        <p:cNvGrpSpPr/>
+        <p:nvPr/>
+      </p:nvGrpSpPr>
+      <p:grpSpPr/>
+      <p:sp>
+        <p:nvSpPr>
+          <p:cNvPr id="2" name="标题 1"/>
+          <p:cNvSpPr>
+            <a:spLocks noGrp="1"/>
+          </p:cNvSpPr>
+          <p:nvPr>
+            <p:ph type="title"/>
+          </p:nvPr>
+        </p:nvSpPr>
+        <p:spPr/>
+        <p:txBody>
+          <a:bodyPr/>
+          <a:p>
+            <a:pPr algn="ctr"/>
+            <a:r>
+              <a:rPr lang="zh-CN" altLang="en-US" b="1">
+                <a:solidFill>
+                  <a:srgbClr val="FF0000"/>
+                </a:solidFill>
+              </a:rPr>
+              <a:t>四、完整的</a:t>
+            </a:r>
+            <a:r>
+              <a:rPr lang="en-US" altLang="zh-CN" b="1">
+                <a:solidFill>
+                  <a:srgbClr val="FF0000"/>
+                </a:solidFill>
+              </a:rPr>
+              <a:t>RTP</a:t>
+            </a:r>
+            <a:r>
+              <a:rPr lang="zh-CN" altLang="en-US" b="1">
+                <a:solidFill>
+                  <a:srgbClr val="FF0000"/>
+                </a:solidFill>
+              </a:rPr>
+              <a:t>头</a:t>
+            </a:r>
+            <a:endParaRPr lang="zh-CN" altLang="en-US" b="1">
+              <a:solidFill>
+                <a:srgbClr val="FF0000"/>
+              </a:solidFill>
+            </a:endParaRPr>
+          </a:p>
+        </p:txBody>
+      </p:sp>
+      <p:pic>
+        <p:nvPicPr>
+          <p:cNvPr id="4" name="内容占位符 3"/>
+          <p:cNvPicPr>
+            <a:picLocks noChangeAspect="1"/>
+          </p:cNvPicPr>
+          <p:nvPr>
+            <p:ph idx="1"/>
+          </p:nvPr>
+        </p:nvPicPr>
+        <p:blipFill>
+          <a:blip r:embed="rId1"/>
+          <a:stretch>
+            <a:fillRect/>
+          </a:stretch>
+        </p:blipFill>
+        <p:spPr>
+          <a:xfrm>
+            <a:off x="3526790" y="1811020"/>
+            <a:ext cx="5138420" cy="4351655"/>
+          </a:xfrm>
+          <a:prstGeom prst="rect">
+            <a:avLst/>
+          </a:prstGeom>
+        </p:spPr>
+      </p:pic>
+    </p:spTree>
   </p:cSld>
   <p:clrMapOvr>
     <a:masterClrMapping/>
@@ -3446,41 +4043,46 @@
         <p:cNvGrpSpPr/>
         <p:nvPr/>
       </p:nvGrpSpPr>
-      <p:grpSpPr>
-        <a:xfrm>
-          <a:off x="0" y="0"/>
-          <a:ext cx="0" cy="0"/>
-          <a:chOff x="0" y="0"/>
-          <a:chExt cx="0" cy="0"/>
-        </a:xfrm>
-      </p:grpSpPr>
-      <p:sp>
-        <p:nvSpPr>
-          <p:cNvPr id="2" name="标题 1">
-            <a:extLst>
-              <a:ext uri="{FF2B5EF4-FFF2-40B4-BE49-F238E27FC236}">
-                <a16:creationId xmlns:a16="http://schemas.microsoft.com/office/drawing/2014/main" id="{3D7B6604-E624-B970-B133-E34F8CB4F851}"/>
-              </a:ext>
-            </a:extLst>
-          </p:cNvPr>
-          <p:cNvSpPr>
-            <a:spLocks noGrp="1"/>
-          </p:cNvSpPr>
-          <p:nvPr>
-            <p:ph type="title"/>
-          </p:nvPr>
-        </p:nvSpPr>
-        <p:spPr/>
-        <p:txBody>
-          <a:bodyPr/>
-          <a:lstStyle/>
-          <a:p>
-            <a:pPr algn="ctr"/>
+      <p:grpSpPr/>
+      <p:sp>
+        <p:nvSpPr>
+          <p:cNvPr id="3" name="内容占位符 2"/>
+          <p:cNvSpPr>
+            <a:spLocks noGrp="1"/>
+          </p:cNvSpPr>
+          <p:nvPr>
+            <p:ph idx="1"/>
+          </p:nvPr>
+        </p:nvSpPr>
+        <p:spPr>
+          <a:xfrm>
+            <a:off x="838200" y="421005"/>
+            <a:ext cx="10515600" cy="5756275"/>
+          </a:xfrm>
+        </p:spPr>
+        <p:txBody>
+          <a:bodyPr>
+            <a:normAutofit fontScale="90000" lnSpcReduction="20000"/>
+          </a:bodyPr>
+          <a:p>
+            <a:r>
+              <a:rPr lang="en-US" altLang="zh-CN" b="1">
+                <a:solidFill>
+                  <a:srgbClr val="FF0000"/>
+                </a:solidFill>
+              </a:rPr>
+              <a:t>一、</a:t>
+            </a:r>
+            <a:r>
+              <a:rPr lang="en-US" altLang="zh-CN"/>
+              <a:t> </a:t>
+            </a:r>
             <a:r>
               <a:rPr lang="en-US" altLang="zh-CN" b="1" dirty="0">
                 <a:solidFill>
                   <a:srgbClr val="FF0000"/>
                 </a:solidFill>
+                <a:sym typeface="+mn-ea"/>
               </a:rPr>
               <a:t>RTP/RTCP</a:t>
             </a:r>
@@ -3489,601 +4091,548 @@
                 <a:solidFill>
                   <a:srgbClr val="FF0000"/>
                 </a:solidFill>
+                <a:sym typeface="+mn-ea"/>
               </a:rPr>
               <a:t>在协议栈中的位置</a:t>
             </a:r>
-          </a:p>
-        </p:txBody>
-      </p:sp>
-      <p:sp>
-        <p:nvSpPr>
-          <p:cNvPr id="4" name="矩形 3" descr="应用层">
-            <a:extLst>
-              <a:ext uri="{FF2B5EF4-FFF2-40B4-BE49-F238E27FC236}">
-                <a16:creationId xmlns:a16="http://schemas.microsoft.com/office/drawing/2014/main" id="{7116D552-9373-C9A7-F2B6-B333F33A1244}"/>
-              </a:ext>
-            </a:extLst>
-          </p:cNvPr>
-          <p:cNvSpPr/>
-          <p:nvPr/>
-        </p:nvSpPr>
-        <p:spPr>
-          <a:xfrm>
-            <a:off x="1085850" y="1825625"/>
-            <a:ext cx="10267950" cy="1184275"/>
-          </a:xfrm>
-          <a:prstGeom prst="rect">
-            <a:avLst/>
-          </a:prstGeom>
-        </p:spPr>
-        <p:style>
-          <a:lnRef idx="2">
-            <a:schemeClr val="accent2"/>
-          </a:lnRef>
-          <a:fillRef idx="1">
-            <a:schemeClr val="lt1"/>
-          </a:fillRef>
-          <a:effectRef idx="0">
-            <a:schemeClr val="accent2"/>
-          </a:effectRef>
-          <a:fontRef idx="minor">
-            <a:schemeClr val="dk1"/>
-          </a:fontRef>
-        </p:style>
-        <p:txBody>
-          <a:bodyPr rtlCol="0" anchor="ctr"/>
-          <a:lstStyle/>
-          <a:p>
-            <a:pPr algn="ctr"/>
-            <a:r>
-              <a:rPr lang="zh-CN" altLang="en-US" dirty="0"/>
-              <a:t>应用层</a:t>
-            </a:r>
-          </a:p>
-        </p:txBody>
-      </p:sp>
-      <p:sp>
-        <p:nvSpPr>
-          <p:cNvPr id="5" name="矩形 4">
-            <a:extLst>
-              <a:ext uri="{FF2B5EF4-FFF2-40B4-BE49-F238E27FC236}">
-                <a16:creationId xmlns:a16="http://schemas.microsoft.com/office/drawing/2014/main" id="{4F581E63-C2A6-C2A3-08DD-184C6B51766D}"/>
-              </a:ext>
-            </a:extLst>
-          </p:cNvPr>
-          <p:cNvSpPr/>
-          <p:nvPr/>
-        </p:nvSpPr>
-        <p:spPr>
-          <a:xfrm>
-            <a:off x="1657350" y="2514600"/>
-            <a:ext cx="9429750" cy="533400"/>
-          </a:xfrm>
-          <a:prstGeom prst="rect">
-            <a:avLst/>
-          </a:prstGeom>
-        </p:spPr>
-        <p:style>
-          <a:lnRef idx="2">
-            <a:schemeClr val="accent2">
-              <a:shade val="50000"/>
-            </a:schemeClr>
-          </a:lnRef>
-          <a:fillRef idx="1">
-            <a:schemeClr val="accent2"/>
-          </a:fillRef>
-          <a:effectRef idx="0">
-            <a:schemeClr val="accent2"/>
-          </a:effectRef>
-          <a:fontRef idx="minor">
-            <a:schemeClr val="lt1"/>
-          </a:fontRef>
-        </p:style>
-        <p:txBody>
-          <a:bodyPr rtlCol="0" anchor="ctr"/>
-          <a:lstStyle/>
-          <a:p>
-            <a:pPr algn="ctr"/>
-            <a:r>
-              <a:rPr lang="en-US" altLang="zh-CN" dirty="0"/>
-              <a:t>RTP/RTCP</a:t>
-            </a:r>
-            <a:endParaRPr lang="zh-CN" altLang="en-US" dirty="0"/>
-          </a:p>
-        </p:txBody>
-      </p:sp>
-      <p:sp>
-        <p:nvSpPr>
-          <p:cNvPr id="7" name="矩形 6">
-            <a:extLst>
-              <a:ext uri="{FF2B5EF4-FFF2-40B4-BE49-F238E27FC236}">
-                <a16:creationId xmlns:a16="http://schemas.microsoft.com/office/drawing/2014/main" id="{F30C6B4A-BED5-A7A2-4B68-AC5623BC4ACE}"/>
-              </a:ext>
-            </a:extLst>
-          </p:cNvPr>
-          <p:cNvSpPr/>
-          <p:nvPr/>
-        </p:nvSpPr>
-        <p:spPr>
-          <a:xfrm>
-            <a:off x="1104900" y="3390900"/>
-            <a:ext cx="10248900" cy="1184275"/>
-          </a:xfrm>
-          <a:prstGeom prst="rect">
-            <a:avLst/>
-          </a:prstGeom>
-        </p:spPr>
-        <p:style>
-          <a:lnRef idx="1">
-            <a:schemeClr val="accent5"/>
-          </a:lnRef>
-          <a:fillRef idx="2">
-            <a:schemeClr val="accent5"/>
-          </a:fillRef>
-          <a:effectRef idx="1">
-            <a:schemeClr val="accent5"/>
-          </a:effectRef>
-          <a:fontRef idx="minor">
-            <a:schemeClr val="dk1"/>
-          </a:fontRef>
-        </p:style>
-        <p:txBody>
-          <a:bodyPr rtlCol="0" anchor="ctr"/>
-          <a:lstStyle/>
-          <a:p>
-            <a:pPr lvl="1" algn="ctr"/>
-            <a:r>
-              <a:rPr lang="zh-CN" altLang="en-US" b="1" dirty="0">
-                <a:solidFill>
-                  <a:srgbClr val="FF0000"/>
-                </a:solidFill>
-              </a:rPr>
-              <a:t>传输层</a:t>
-            </a:r>
-          </a:p>
-        </p:txBody>
-      </p:sp>
-      <p:sp>
-        <p:nvSpPr>
-          <p:cNvPr id="8" name="矩形 7">
-            <a:extLst>
-              <a:ext uri="{FF2B5EF4-FFF2-40B4-BE49-F238E27FC236}">
-                <a16:creationId xmlns:a16="http://schemas.microsoft.com/office/drawing/2014/main" id="{93E18B4A-28F9-686E-B2A8-83D0A00080F9}"/>
-              </a:ext>
-            </a:extLst>
-          </p:cNvPr>
-          <p:cNvSpPr/>
-          <p:nvPr/>
-        </p:nvSpPr>
-        <p:spPr>
-          <a:xfrm>
-            <a:off x="1466850" y="4191000"/>
-            <a:ext cx="9886950" cy="342900"/>
-          </a:xfrm>
-          <a:prstGeom prst="rect">
-            <a:avLst/>
-          </a:prstGeom>
-        </p:spPr>
-        <p:style>
-          <a:lnRef idx="2">
-            <a:schemeClr val="accent1">
-              <a:shade val="50000"/>
-            </a:schemeClr>
-          </a:lnRef>
-          <a:fillRef idx="1">
-            <a:schemeClr val="accent1"/>
-          </a:fillRef>
-          <a:effectRef idx="0">
-            <a:schemeClr val="accent1"/>
-          </a:effectRef>
-          <a:fontRef idx="minor">
-            <a:schemeClr val="lt1"/>
-          </a:fontRef>
-        </p:style>
-        <p:txBody>
-          <a:bodyPr rtlCol="0" anchor="ctr"/>
-          <a:lstStyle/>
-          <a:p>
-            <a:pPr algn="ctr"/>
-            <a:r>
-              <a:rPr lang="en-US" altLang="zh-CN" dirty="0"/>
-              <a:t>UDP</a:t>
-            </a:r>
-            <a:endParaRPr lang="zh-CN" altLang="en-US" dirty="0"/>
-          </a:p>
-        </p:txBody>
-      </p:sp>
-      <p:sp>
-        <p:nvSpPr>
-          <p:cNvPr id="9" name="矩形: 圆角 8">
-            <a:extLst>
-              <a:ext uri="{FF2B5EF4-FFF2-40B4-BE49-F238E27FC236}">
-                <a16:creationId xmlns:a16="http://schemas.microsoft.com/office/drawing/2014/main" id="{F18D3908-7109-666A-26C8-E5D5F61315C4}"/>
-              </a:ext>
-            </a:extLst>
-          </p:cNvPr>
-          <p:cNvSpPr/>
-          <p:nvPr/>
-        </p:nvSpPr>
-        <p:spPr>
-          <a:xfrm>
-            <a:off x="1085850" y="4984750"/>
-            <a:ext cx="10515600" cy="781050"/>
-          </a:xfrm>
-          <a:prstGeom prst="roundRect">
-            <a:avLst/>
-          </a:prstGeom>
-        </p:spPr>
-        <p:style>
-          <a:lnRef idx="2">
-            <a:schemeClr val="accent4">
-              <a:shade val="50000"/>
-            </a:schemeClr>
-          </a:lnRef>
-          <a:fillRef idx="1">
-            <a:schemeClr val="accent4"/>
-          </a:fillRef>
-          <a:effectRef idx="0">
-            <a:schemeClr val="accent4"/>
-          </a:effectRef>
-          <a:fontRef idx="minor">
-            <a:schemeClr val="lt1"/>
-          </a:fontRef>
-        </p:style>
-        <p:txBody>
-          <a:bodyPr rtlCol="0" anchor="ctr"/>
-          <a:lstStyle/>
-          <a:p>
-            <a:pPr algn="ctr"/>
-            <a:r>
-              <a:rPr lang="en-US" altLang="zh-CN" dirty="0"/>
-              <a:t>IP</a:t>
-            </a:r>
-            <a:r>
-              <a:rPr lang="zh-CN" altLang="en-US" dirty="0"/>
-              <a:t>层</a:t>
-            </a:r>
-          </a:p>
-        </p:txBody>
-      </p:sp>
-      <p:sp>
-        <p:nvSpPr>
-          <p:cNvPr id="10" name="矩形: 圆角 9">
-            <a:extLst>
-              <a:ext uri="{FF2B5EF4-FFF2-40B4-BE49-F238E27FC236}">
-                <a16:creationId xmlns:a16="http://schemas.microsoft.com/office/drawing/2014/main" id="{35359703-0648-457B-A9E1-8AA169D42D84}"/>
-              </a:ext>
-            </a:extLst>
-          </p:cNvPr>
-          <p:cNvSpPr/>
-          <p:nvPr/>
-        </p:nvSpPr>
-        <p:spPr>
-          <a:xfrm>
-            <a:off x="1085850" y="6153150"/>
-            <a:ext cx="10668000" cy="571500"/>
-          </a:xfrm>
-          <a:prstGeom prst="roundRect">
-            <a:avLst/>
-          </a:prstGeom>
-        </p:spPr>
-        <p:style>
-          <a:lnRef idx="1">
-            <a:schemeClr val="accent6"/>
-          </a:lnRef>
-          <a:fillRef idx="2">
-            <a:schemeClr val="accent6"/>
-          </a:fillRef>
-          <a:effectRef idx="1">
-            <a:schemeClr val="accent6"/>
-          </a:effectRef>
-          <a:fontRef idx="minor">
-            <a:schemeClr val="dk1"/>
-          </a:fontRef>
-        </p:style>
-        <p:txBody>
-          <a:bodyPr rtlCol="0" anchor="ctr"/>
-          <a:lstStyle/>
-          <a:p>
-            <a:pPr algn="ctr"/>
-            <a:r>
-              <a:rPr lang="zh-CN" altLang="en-US" dirty="0"/>
-              <a:t>网络接口层</a:t>
-            </a:r>
-          </a:p>
-        </p:txBody>
-      </p:sp>
-      <p:sp>
-        <p:nvSpPr>
-          <p:cNvPr id="11" name="箭头: 下 10">
-            <a:extLst>
-              <a:ext uri="{FF2B5EF4-FFF2-40B4-BE49-F238E27FC236}">
-                <a16:creationId xmlns:a16="http://schemas.microsoft.com/office/drawing/2014/main" id="{7F797FBB-7317-E6BC-13A9-56D5C8B769AD}"/>
-              </a:ext>
-            </a:extLst>
-          </p:cNvPr>
-          <p:cNvSpPr/>
-          <p:nvPr/>
-        </p:nvSpPr>
-        <p:spPr>
-          <a:xfrm>
-            <a:off x="9505950" y="2590800"/>
-            <a:ext cx="484632" cy="978408"/>
-          </a:xfrm>
-          <a:prstGeom prst="downArrow">
-            <a:avLst/>
-          </a:prstGeom>
-        </p:spPr>
-        <p:style>
-          <a:lnRef idx="2">
-            <a:schemeClr val="accent1">
-              <a:shade val="50000"/>
-            </a:schemeClr>
-          </a:lnRef>
-          <a:fillRef idx="1">
-            <a:schemeClr val="accent1"/>
-          </a:fillRef>
-          <a:effectRef idx="0">
-            <a:schemeClr val="accent1"/>
-          </a:effectRef>
-          <a:fontRef idx="minor">
-            <a:schemeClr val="lt1"/>
-          </a:fontRef>
-        </p:style>
-        <p:txBody>
-          <a:bodyPr rtlCol="0" anchor="ctr"/>
-          <a:lstStyle/>
-          <a:p>
-            <a:pPr algn="ctr"/>
-            <a:endParaRPr lang="zh-CN" altLang="en-US"/>
-          </a:p>
-        </p:txBody>
-      </p:sp>
-      <p:sp>
-        <p:nvSpPr>
-          <p:cNvPr id="12" name="箭头: 下 11">
-            <a:extLst>
-              <a:ext uri="{FF2B5EF4-FFF2-40B4-BE49-F238E27FC236}">
-                <a16:creationId xmlns:a16="http://schemas.microsoft.com/office/drawing/2014/main" id="{E4E746AC-3535-A62F-5F2A-702B2A0CF57B}"/>
-              </a:ext>
-            </a:extLst>
-          </p:cNvPr>
-          <p:cNvSpPr/>
-          <p:nvPr/>
-        </p:nvSpPr>
-        <p:spPr>
-          <a:xfrm>
-            <a:off x="9748266" y="5686171"/>
-            <a:ext cx="484632" cy="978408"/>
-          </a:xfrm>
-          <a:prstGeom prst="downArrow">
-            <a:avLst/>
-          </a:prstGeom>
-        </p:spPr>
-        <p:style>
-          <a:lnRef idx="2">
-            <a:schemeClr val="accent1">
-              <a:shade val="50000"/>
-            </a:schemeClr>
-          </a:lnRef>
-          <a:fillRef idx="1">
-            <a:schemeClr val="accent1"/>
-          </a:fillRef>
-          <a:effectRef idx="0">
-            <a:schemeClr val="accent1"/>
-          </a:effectRef>
-          <a:fontRef idx="minor">
-            <a:schemeClr val="lt1"/>
-          </a:fontRef>
-        </p:style>
-        <p:txBody>
-          <a:bodyPr rtlCol="0" anchor="ctr"/>
-          <a:lstStyle/>
-          <a:p>
-            <a:pPr algn="ctr"/>
-            <a:endParaRPr lang="zh-CN" altLang="en-US"/>
-          </a:p>
-        </p:txBody>
-      </p:sp>
-      <p:sp>
-        <p:nvSpPr>
-          <p:cNvPr id="13" name="箭头: 下 12">
-            <a:extLst>
-              <a:ext uri="{FF2B5EF4-FFF2-40B4-BE49-F238E27FC236}">
-                <a16:creationId xmlns:a16="http://schemas.microsoft.com/office/drawing/2014/main" id="{5649D288-4243-82DB-375C-A262191D0868}"/>
-              </a:ext>
-            </a:extLst>
-          </p:cNvPr>
-          <p:cNvSpPr/>
-          <p:nvPr/>
-        </p:nvSpPr>
-        <p:spPr>
-          <a:xfrm>
-            <a:off x="9748266" y="4369308"/>
-            <a:ext cx="484632" cy="978408"/>
-          </a:xfrm>
-          <a:prstGeom prst="downArrow">
-            <a:avLst/>
-          </a:prstGeom>
-        </p:spPr>
-        <p:style>
-          <a:lnRef idx="2">
-            <a:schemeClr val="accent1">
-              <a:shade val="50000"/>
-            </a:schemeClr>
-          </a:lnRef>
-          <a:fillRef idx="1">
-            <a:schemeClr val="accent1"/>
-          </a:fillRef>
-          <a:effectRef idx="0">
-            <a:schemeClr val="accent1"/>
-          </a:effectRef>
-          <a:fontRef idx="minor">
-            <a:schemeClr val="lt1"/>
-          </a:fontRef>
-        </p:style>
-        <p:txBody>
-          <a:bodyPr rtlCol="0" anchor="ctr"/>
-          <a:lstStyle/>
-          <a:p>
-            <a:pPr algn="ctr"/>
-            <a:endParaRPr lang="zh-CN" altLang="en-US"/>
-          </a:p>
-        </p:txBody>
-      </p:sp>
-      <p:sp>
-        <p:nvSpPr>
-          <p:cNvPr id="15" name="箭头: 上 14">
-            <a:extLst>
-              <a:ext uri="{FF2B5EF4-FFF2-40B4-BE49-F238E27FC236}">
-                <a16:creationId xmlns:a16="http://schemas.microsoft.com/office/drawing/2014/main" id="{86B9B02A-6A6B-B5E7-42CD-6F0AE9A7D99C}"/>
-              </a:ext>
-            </a:extLst>
-          </p:cNvPr>
-          <p:cNvSpPr/>
-          <p:nvPr/>
-        </p:nvSpPr>
-        <p:spPr>
-          <a:xfrm>
-            <a:off x="3657600" y="3009900"/>
-            <a:ext cx="484632" cy="559308"/>
-          </a:xfrm>
-          <a:prstGeom prst="upArrow">
-            <a:avLst/>
-          </a:prstGeom>
-        </p:spPr>
-        <p:style>
-          <a:lnRef idx="2">
-            <a:schemeClr val="accent1">
-              <a:shade val="50000"/>
-            </a:schemeClr>
-          </a:lnRef>
-          <a:fillRef idx="1">
-            <a:schemeClr val="accent1"/>
-          </a:fillRef>
-          <a:effectRef idx="0">
-            <a:schemeClr val="accent1"/>
-          </a:effectRef>
-          <a:fontRef idx="minor">
-            <a:schemeClr val="lt1"/>
-          </a:fontRef>
-        </p:style>
-        <p:txBody>
-          <a:bodyPr rtlCol="0" anchor="ctr"/>
-          <a:lstStyle/>
-          <a:p>
-            <a:pPr algn="ctr"/>
-            <a:endParaRPr lang="zh-CN" altLang="en-US"/>
-          </a:p>
-        </p:txBody>
-      </p:sp>
-      <p:sp>
-        <p:nvSpPr>
-          <p:cNvPr id="16" name="箭头: 上 15">
-            <a:extLst>
-              <a:ext uri="{FF2B5EF4-FFF2-40B4-BE49-F238E27FC236}">
-                <a16:creationId xmlns:a16="http://schemas.microsoft.com/office/drawing/2014/main" id="{ADE5C45E-8DF8-3B08-A14F-FFD6965A4587}"/>
-              </a:ext>
-            </a:extLst>
-          </p:cNvPr>
-          <p:cNvSpPr/>
-          <p:nvPr/>
-        </p:nvSpPr>
-        <p:spPr>
-          <a:xfrm>
-            <a:off x="3793998" y="4447921"/>
-            <a:ext cx="484632" cy="559308"/>
-          </a:xfrm>
-          <a:prstGeom prst="upArrow">
-            <a:avLst/>
-          </a:prstGeom>
-        </p:spPr>
-        <p:style>
-          <a:lnRef idx="2">
-            <a:schemeClr val="accent1">
-              <a:shade val="50000"/>
-            </a:schemeClr>
-          </a:lnRef>
-          <a:fillRef idx="1">
-            <a:schemeClr val="accent1"/>
-          </a:fillRef>
-          <a:effectRef idx="0">
-            <a:schemeClr val="accent1"/>
-          </a:effectRef>
-          <a:fontRef idx="minor">
-            <a:schemeClr val="lt1"/>
-          </a:fontRef>
-        </p:style>
-        <p:txBody>
-          <a:bodyPr rtlCol="0" anchor="ctr"/>
-          <a:lstStyle/>
-          <a:p>
-            <a:pPr algn="ctr"/>
-            <a:endParaRPr lang="zh-CN" altLang="en-US"/>
-          </a:p>
-        </p:txBody>
-      </p:sp>
-      <p:sp>
-        <p:nvSpPr>
-          <p:cNvPr id="17" name="箭头: 上 16">
-            <a:extLst>
-              <a:ext uri="{FF2B5EF4-FFF2-40B4-BE49-F238E27FC236}">
-                <a16:creationId xmlns:a16="http://schemas.microsoft.com/office/drawing/2014/main" id="{5EBD37AF-F118-AEC1-09B6-437F0552DE2B}"/>
-              </a:ext>
-            </a:extLst>
-          </p:cNvPr>
-          <p:cNvSpPr/>
-          <p:nvPr/>
-        </p:nvSpPr>
-        <p:spPr>
-          <a:xfrm>
-            <a:off x="3818382" y="5708650"/>
-            <a:ext cx="484632" cy="559308"/>
-          </a:xfrm>
-          <a:prstGeom prst="upArrow">
-            <a:avLst/>
-          </a:prstGeom>
-        </p:spPr>
-        <p:style>
-          <a:lnRef idx="2">
-            <a:schemeClr val="accent1">
-              <a:shade val="50000"/>
-            </a:schemeClr>
-          </a:lnRef>
-          <a:fillRef idx="1">
-            <a:schemeClr val="accent1"/>
-          </a:fillRef>
-          <a:effectRef idx="0">
-            <a:schemeClr val="accent1"/>
-          </a:effectRef>
-          <a:fontRef idx="minor">
-            <a:schemeClr val="lt1"/>
-          </a:fontRef>
-        </p:style>
-        <p:txBody>
-          <a:bodyPr rtlCol="0" anchor="ctr"/>
-          <a:lstStyle/>
-          <a:p>
-            <a:pPr algn="ctr"/>
-            <a:endParaRPr lang="zh-CN" altLang="en-US"/>
+            <a:endParaRPr lang="zh-CN" altLang="en-US" b="1" dirty="0">
+              <a:solidFill>
+                <a:srgbClr val="FF0000"/>
+              </a:solidFill>
+            </a:endParaRPr>
+          </a:p>
+          <a:p>
+            <a:r>
+              <a:rPr lang="en-US" altLang="zh-CN" b="1">
+                <a:solidFill>
+                  <a:srgbClr val="FF0000"/>
+                </a:solidFill>
+              </a:rPr>
+              <a:t>二、</a:t>
+            </a:r>
+            <a:r>
+              <a:rPr lang="en-US" altLang="zh-CN" b="1" dirty="0">
+                <a:solidFill>
+                  <a:srgbClr val="FF0000"/>
+                </a:solidFill>
+                <a:sym typeface="+mn-ea"/>
+              </a:rPr>
+              <a:t>RTP Header</a:t>
+            </a:r>
+            <a:endParaRPr lang="zh-CN" altLang="en-US" b="1" dirty="0">
+              <a:solidFill>
+                <a:srgbClr val="FF0000"/>
+              </a:solidFill>
+            </a:endParaRPr>
+          </a:p>
+          <a:p>
+            <a:pPr marL="0" indent="0">
+              <a:buNone/>
+            </a:pPr>
+            <a:r>
+              <a:rPr lang="en-US" altLang="zh-CN"/>
+              <a:t>           </a:t>
+            </a:r>
+            <a:r>
+              <a:rPr lang="en-US" altLang="zh-CN" b="1">
+                <a:solidFill>
+                  <a:srgbClr val="FF0000"/>
+                </a:solidFill>
+              </a:rPr>
+              <a:t>1、</a:t>
+            </a:r>
+            <a:r>
+              <a:rPr lang="en-US" altLang="zh-CN"/>
+              <a:t> </a:t>
+            </a:r>
+            <a:r>
+              <a:rPr lang="en-US" altLang="zh-CN" b="1">
+                <a:solidFill>
+                  <a:srgbClr val="FF0000"/>
+                </a:solidFill>
+                <a:sym typeface="+mn-ea"/>
+              </a:rPr>
+              <a:t>RTP Header </a:t>
+            </a:r>
+            <a:r>
+              <a:rPr lang="zh-CN" altLang="en-US" b="1">
+                <a:solidFill>
+                  <a:srgbClr val="FF0000"/>
+                </a:solidFill>
+                <a:sym typeface="+mn-ea"/>
+              </a:rPr>
+              <a:t>协议字段解析</a:t>
+            </a:r>
+            <a:endParaRPr lang="zh-CN" altLang="en-US" b="1">
+              <a:solidFill>
+                <a:srgbClr val="FF0000"/>
+              </a:solidFill>
+              <a:sym typeface="+mn-ea"/>
+            </a:endParaRPr>
+          </a:p>
+          <a:p>
+            <a:pPr marL="0" indent="0">
+              <a:buNone/>
+            </a:pPr>
+            <a:r>
+              <a:rPr lang="en-US" altLang="zh-CN" b="1">
+                <a:solidFill>
+                  <a:srgbClr val="FF0000"/>
+                </a:solidFill>
+                <a:sym typeface="+mn-ea"/>
+              </a:rPr>
+              <a:t>                1</a:t>
+            </a:r>
+            <a:r>
+              <a:rPr lang="zh-CN" altLang="en-US" b="1">
+                <a:solidFill>
+                  <a:srgbClr val="FF0000"/>
+                </a:solidFill>
+                <a:sym typeface="+mn-ea"/>
+              </a:rPr>
+              <a:t>、视频帧分包</a:t>
+            </a:r>
+            <a:endParaRPr lang="zh-CN" altLang="en-US" b="1">
+              <a:solidFill>
+                <a:srgbClr val="FF0000"/>
+              </a:solidFill>
+              <a:sym typeface="+mn-ea"/>
+            </a:endParaRPr>
+          </a:p>
+          <a:p>
+            <a:pPr marL="0" indent="0">
+              <a:buNone/>
+            </a:pPr>
+            <a:r>
+              <a:rPr lang="en-US" altLang="zh-CN" b="1">
+                <a:solidFill>
+                  <a:srgbClr val="FF0000"/>
+                </a:solidFill>
+              </a:rPr>
+              <a:t>          2</a:t>
+            </a:r>
+            <a:r>
+              <a:rPr lang="zh-CN" altLang="en-US" b="1">
+                <a:solidFill>
+                  <a:srgbClr val="FF0000"/>
+                </a:solidFill>
+              </a:rPr>
+              <a:t>、</a:t>
+            </a:r>
+            <a:r>
+              <a:rPr lang="en-US" altLang="zh-CN" b="1">
+                <a:solidFill>
+                  <a:srgbClr val="FF0000"/>
+                </a:solidFill>
+              </a:rPr>
+              <a:t> </a:t>
+            </a:r>
+            <a:r>
+              <a:rPr lang="zh-CN" altLang="en-US" b="1">
+                <a:solidFill>
+                  <a:srgbClr val="FF0000"/>
+                </a:solidFill>
+                <a:sym typeface="+mn-ea"/>
+              </a:rPr>
+              <a:t>扩展头</a:t>
+            </a:r>
+            <a:endParaRPr lang="zh-CN" altLang="en-US" b="1">
+              <a:solidFill>
+                <a:srgbClr val="FF0000"/>
+              </a:solidFill>
+            </a:endParaRPr>
+          </a:p>
+          <a:p>
+            <a:pPr marL="0" indent="0">
+              <a:buNone/>
+            </a:pPr>
+            <a:r>
+              <a:rPr lang="en-US" altLang="zh-CN" b="1">
+                <a:solidFill>
+                  <a:srgbClr val="FF0000"/>
+                </a:solidFill>
+              </a:rPr>
+              <a:t>                  1</a:t>
+            </a:r>
+            <a:r>
+              <a:rPr lang="zh-CN" altLang="en-US" b="1">
+                <a:solidFill>
+                  <a:srgbClr val="FF0000"/>
+                </a:solidFill>
+              </a:rPr>
+              <a:t>、</a:t>
+            </a:r>
+            <a:r>
+              <a:rPr lang="zh-CN" altLang="en-US" b="1">
+                <a:solidFill>
+                  <a:srgbClr val="FF0000"/>
+                </a:solidFill>
+                <a:sym typeface="+mn-ea"/>
+              </a:rPr>
+              <a:t>扩展头</a:t>
+            </a:r>
+            <a:r>
+              <a:rPr lang="en-US" altLang="zh-CN" b="1">
+                <a:solidFill>
+                  <a:srgbClr val="FF0000"/>
+                </a:solidFill>
+                <a:sym typeface="+mn-ea"/>
+              </a:rPr>
+              <a:t>Profile</a:t>
+            </a:r>
+            <a:endParaRPr lang="en-US" altLang="zh-CN" b="1">
+              <a:solidFill>
+                <a:srgbClr val="FF0000"/>
+              </a:solidFill>
+              <a:sym typeface="+mn-ea"/>
+            </a:endParaRPr>
+          </a:p>
+          <a:p>
+            <a:pPr marL="0" indent="0">
+              <a:buNone/>
+            </a:pPr>
+            <a:r>
+              <a:rPr lang="en-US" altLang="zh-CN" b="1">
+                <a:solidFill>
+                  <a:srgbClr val="FF0000"/>
+                </a:solidFill>
+              </a:rPr>
+              <a:t>         	        2</a:t>
+            </a:r>
+            <a:r>
+              <a:rPr lang="zh-CN" altLang="en-US" b="1">
+                <a:solidFill>
+                  <a:srgbClr val="FF0000"/>
+                </a:solidFill>
+              </a:rPr>
+              <a:t>、</a:t>
+            </a:r>
+            <a:r>
+              <a:rPr lang="zh-CN" altLang="en-US" b="1">
+                <a:solidFill>
+                  <a:srgbClr val="FF0000"/>
+                </a:solidFill>
+                <a:sym typeface="+mn-ea"/>
+              </a:rPr>
+              <a:t>扩展头</a:t>
+            </a:r>
+            <a:r>
+              <a:rPr lang="en-US" altLang="zh-CN" b="1">
+                <a:solidFill>
+                  <a:srgbClr val="FF0000"/>
+                </a:solidFill>
+                <a:sym typeface="+mn-ea"/>
+              </a:rPr>
+              <a:t>length</a:t>
+            </a:r>
+            <a:endParaRPr lang="en-US" altLang="zh-CN" b="1">
+              <a:solidFill>
+                <a:srgbClr val="FF0000"/>
+              </a:solidFill>
+              <a:sym typeface="+mn-ea"/>
+            </a:endParaRPr>
+          </a:p>
+          <a:p>
+            <a:pPr marL="0" indent="0">
+              <a:buNone/>
+            </a:pPr>
+            <a:r>
+              <a:rPr lang="en-US" altLang="zh-CN" b="1">
+                <a:solidFill>
+                  <a:srgbClr val="FF0000"/>
+                </a:solidFill>
+                <a:sym typeface="+mn-ea"/>
+              </a:rPr>
+              <a:t>                  3</a:t>
+            </a:r>
+            <a:r>
+              <a:rPr lang="zh-CN" altLang="en-US" b="1">
+                <a:solidFill>
+                  <a:srgbClr val="FF0000"/>
+                </a:solidFill>
+                <a:sym typeface="+mn-ea"/>
+              </a:rPr>
+              <a:t>、实例</a:t>
+            </a:r>
+            <a:endParaRPr lang="zh-CN" altLang="en-US" b="1">
+              <a:solidFill>
+                <a:srgbClr val="FF0000"/>
+              </a:solidFill>
+              <a:sym typeface="+mn-ea"/>
+            </a:endParaRPr>
+          </a:p>
+          <a:p>
+            <a:pPr marL="0" indent="0">
+              <a:buNone/>
+            </a:pPr>
+            <a:r>
+              <a:rPr lang="zh-CN" altLang="en-US" b="1">
+                <a:solidFill>
+                  <a:srgbClr val="FF0000"/>
+                </a:solidFill>
+                <a:sym typeface="+mn-ea"/>
+              </a:rPr>
+              <a:t> </a:t>
+            </a:r>
+            <a:r>
+              <a:rPr lang="en-US" altLang="zh-CN" b="1">
+                <a:solidFill>
+                  <a:srgbClr val="FF0000"/>
+                </a:solidFill>
+                <a:sym typeface="+mn-ea"/>
+              </a:rPr>
+              <a:t>                       1. </a:t>
+            </a:r>
+            <a:r>
+              <a:rPr lang="zh-CN" altLang="en-US" b="1">
+                <a:solidFill>
+                  <a:srgbClr val="FF0000"/>
+                </a:solidFill>
+                <a:sym typeface="+mn-ea"/>
+              </a:rPr>
+              <a:t>一字节的扩展头</a:t>
+            </a:r>
+            <a:endParaRPr lang="zh-CN" altLang="en-US" b="1">
+              <a:solidFill>
+                <a:srgbClr val="FF0000"/>
+              </a:solidFill>
+            </a:endParaRPr>
+          </a:p>
+          <a:p>
+            <a:pPr marL="0" indent="0">
+              <a:buNone/>
+            </a:pPr>
+            <a:r>
+              <a:rPr lang="en-US" altLang="zh-CN" b="1">
+                <a:solidFill>
+                  <a:srgbClr val="FF0000"/>
+                </a:solidFill>
+              </a:rPr>
+              <a:t>                        2. </a:t>
+            </a:r>
+            <a:r>
+              <a:rPr lang="zh-CN" altLang="en-US" b="1">
+                <a:solidFill>
+                  <a:srgbClr val="FF0000"/>
+                </a:solidFill>
+                <a:sym typeface="+mn-ea"/>
+              </a:rPr>
+              <a:t>一字节的扩展头例子</a:t>
+            </a:r>
+            <a:endParaRPr lang="zh-CN" altLang="en-US" b="1">
+              <a:solidFill>
+                <a:srgbClr val="FF0000"/>
+              </a:solidFill>
+              <a:sym typeface="+mn-ea"/>
+            </a:endParaRPr>
+          </a:p>
+          <a:p>
+            <a:pPr marL="0" indent="0">
+              <a:buNone/>
+            </a:pPr>
+            <a:r>
+              <a:rPr lang="zh-CN" altLang="en-US" b="1">
+                <a:solidFill>
+                  <a:srgbClr val="FF0000"/>
+                </a:solidFill>
+                <a:sym typeface="+mn-ea"/>
+              </a:rPr>
+              <a:t> </a:t>
+            </a:r>
+            <a:r>
+              <a:rPr lang="en-US" altLang="zh-CN" b="1">
+                <a:solidFill>
+                  <a:srgbClr val="FF0000"/>
+                </a:solidFill>
+                <a:sym typeface="+mn-ea"/>
+              </a:rPr>
+              <a:t>                       3. </a:t>
+            </a:r>
+            <a:r>
+              <a:rPr lang="zh-CN" altLang="en-US" b="1">
+                <a:solidFill>
+                  <a:srgbClr val="FF0000"/>
+                </a:solidFill>
+                <a:sym typeface="+mn-ea"/>
+              </a:rPr>
+              <a:t>两个字节的扩展头例子</a:t>
+            </a:r>
+            <a:endParaRPr lang="zh-CN" altLang="en-US" b="1">
+              <a:solidFill>
+                <a:srgbClr val="FF0000"/>
+              </a:solidFill>
+              <a:sym typeface="+mn-ea"/>
+            </a:endParaRPr>
+          </a:p>
+          <a:p>
+            <a:pPr marL="0" indent="0">
+              <a:buNone/>
+            </a:pPr>
+            <a:r>
+              <a:rPr lang="zh-CN" altLang="en-US" b="1">
+                <a:solidFill>
+                  <a:srgbClr val="FF0000"/>
+                </a:solidFill>
+                <a:sym typeface="+mn-ea"/>
+              </a:rPr>
+              <a:t>三、</a:t>
+            </a:r>
+            <a:r>
+              <a:rPr lang="en-US" altLang="zh-CN" b="1">
+                <a:solidFill>
+                  <a:srgbClr val="FF0000"/>
+                </a:solidFill>
+                <a:sym typeface="+mn-ea"/>
+              </a:rPr>
+              <a:t>WebRTC</a:t>
+            </a:r>
+            <a:r>
+              <a:rPr lang="zh-CN" altLang="en-US" b="1">
+                <a:solidFill>
+                  <a:srgbClr val="FF0000"/>
+                </a:solidFill>
+                <a:sym typeface="+mn-ea"/>
+              </a:rPr>
+              <a:t>用到的扩展头</a:t>
+            </a:r>
+            <a:endParaRPr lang="zh-CN" altLang="en-US" b="1">
+              <a:solidFill>
+                <a:srgbClr val="FF0000"/>
+              </a:solidFill>
+              <a:sym typeface="+mn-ea"/>
+            </a:endParaRPr>
+          </a:p>
+          <a:p>
+            <a:pPr marL="0" indent="0">
+              <a:buNone/>
+            </a:pPr>
+            <a:r>
+              <a:rPr lang="zh-CN" altLang="en-US" b="1">
+                <a:solidFill>
+                  <a:srgbClr val="FF0000"/>
+                </a:solidFill>
+                <a:sym typeface="+mn-ea"/>
+              </a:rPr>
+              <a:t> </a:t>
+            </a:r>
+            <a:r>
+              <a:rPr lang="en-US" altLang="zh-CN" b="1">
+                <a:solidFill>
+                  <a:srgbClr val="FF0000"/>
+                </a:solidFill>
+                <a:sym typeface="+mn-ea"/>
+              </a:rPr>
+              <a:t>         1</a:t>
+            </a:r>
+            <a:r>
+              <a:rPr lang="zh-CN" altLang="en-US" b="1">
+                <a:solidFill>
+                  <a:srgbClr val="FF0000"/>
+                </a:solidFill>
+                <a:sym typeface="+mn-ea"/>
+              </a:rPr>
+              <a:t>、扩展头详细信息</a:t>
+            </a:r>
+            <a:endParaRPr lang="zh-CN" altLang="en-US" b="1">
+              <a:solidFill>
+                <a:srgbClr val="FF0000"/>
+              </a:solidFill>
+              <a:sym typeface="+mn-ea"/>
+            </a:endParaRPr>
+          </a:p>
+          <a:p>
+            <a:pPr marL="0" indent="0">
+              <a:buNone/>
+            </a:pPr>
+            <a:r>
+              <a:rPr lang="zh-CN" altLang="en-US" b="1">
+                <a:solidFill>
+                  <a:srgbClr val="FF0000"/>
+                </a:solidFill>
+              </a:rPr>
+              <a:t>四、</a:t>
+            </a:r>
+            <a:r>
+              <a:rPr lang="zh-CN" altLang="en-US" b="1">
+                <a:solidFill>
+                  <a:srgbClr val="FF0000"/>
+                </a:solidFill>
+                <a:sym typeface="+mn-ea"/>
+              </a:rPr>
+              <a:t>完整的</a:t>
+            </a:r>
+            <a:r>
+              <a:rPr lang="en-US" altLang="zh-CN" b="1">
+                <a:solidFill>
+                  <a:srgbClr val="FF0000"/>
+                </a:solidFill>
+                <a:sym typeface="+mn-ea"/>
+              </a:rPr>
+              <a:t>RTP</a:t>
+            </a:r>
+            <a:r>
+              <a:rPr lang="zh-CN" altLang="en-US" b="1">
+                <a:solidFill>
+                  <a:srgbClr val="FF0000"/>
+                </a:solidFill>
+                <a:sym typeface="+mn-ea"/>
+              </a:rPr>
+              <a:t>头</a:t>
+            </a:r>
+            <a:endParaRPr lang="zh-CN" altLang="en-US" b="1">
+              <a:solidFill>
+                <a:srgbClr val="FF0000"/>
+              </a:solidFill>
+            </a:endParaRPr>
+          </a:p>
+          <a:p>
+            <a:pPr marL="0" indent="0">
+              <a:buNone/>
+            </a:pPr>
+            <a:endParaRPr lang="zh-CN" altLang="en-US" b="1">
+              <a:solidFill>
+                <a:srgbClr val="FF0000"/>
+              </a:solidFill>
+            </a:endParaRPr>
+          </a:p>
+          <a:p>
+            <a:pPr marL="0" indent="0">
+              <a:buNone/>
+            </a:pPr>
+            <a:endParaRPr lang="zh-CN" altLang="en-US" b="1">
+              <a:solidFill>
+                <a:srgbClr val="FF0000"/>
+              </a:solidFill>
+              <a:sym typeface="+mn-ea"/>
+            </a:endParaRPr>
+          </a:p>
+          <a:p>
+            <a:pPr marL="0" indent="0">
+              <a:buNone/>
+            </a:pPr>
+            <a:endParaRPr lang="en-US" altLang="zh-CN" b="1">
+              <a:solidFill>
+                <a:srgbClr val="FF0000"/>
+              </a:solidFill>
+            </a:endParaRPr>
+          </a:p>
+          <a:p>
+            <a:pPr marL="0" indent="0">
+              <a:buNone/>
+            </a:pPr>
+            <a:endParaRPr lang="zh-CN" altLang="en-US" b="1">
+              <a:solidFill>
+                <a:srgbClr val="FF0000"/>
+              </a:solidFill>
+            </a:endParaRPr>
           </a:p>
         </p:txBody>
       </p:sp>
     </p:spTree>
-    <p:extLst>
-      <p:ext uri="{BB962C8B-B14F-4D97-AF65-F5344CB8AC3E}">
-        <p14:creationId xmlns:p14="http://schemas.microsoft.com/office/powerpoint/2010/main" val="957298706"/>
-      </p:ext>
-    </p:extLst>
   </p:cSld>
   <p:clrMapOvr>
     <a:masterClrMapping/>
   </p:clrMapOvr>
-  <p:extLst>
-    <p:ext uri="{6950BFC3-D8DA-4A85-94F7-54DA5524770B}">
-      <p188:commentRel xmlns:p188="http://schemas.microsoft.com/office/powerpoint/2018/8/main" r:id="rId2"/>
-    </p:ext>
-  </p:extLst>
 </p:sld>
 </file>
 
@@ -4106,13 +4655,7 @@
       </p:grpSpPr>
       <p:sp>
         <p:nvSpPr>
-          <p:cNvPr id="2" name="标题 1">
-            <a:extLst>
-              <a:ext uri="{FF2B5EF4-FFF2-40B4-BE49-F238E27FC236}">
-                <a16:creationId xmlns:a16="http://schemas.microsoft.com/office/drawing/2014/main" id="{4220C055-C1AD-8C9F-F57B-0572EAD69D80}"/>
-              </a:ext>
-            </a:extLst>
-          </p:cNvPr>
+          <p:cNvPr id="2" name="标题 1"/>
           <p:cNvSpPr>
             <a:spLocks noGrp="1"/>
           </p:cNvSpPr>
@@ -4127,12 +4670,20 @@
           <a:p>
             <a:pPr algn="ctr"/>
             <a:r>
+              <a:rPr lang="zh-CN" altLang="en-US" b="1" dirty="0">
+                <a:solidFill>
+                  <a:srgbClr val="FF0000"/>
+                </a:solidFill>
+              </a:rPr>
+              <a:t>一、</a:t>
+            </a:r>
+            <a:r>
               <a:rPr lang="en-US" altLang="zh-CN" b="1" dirty="0">
                 <a:solidFill>
                   <a:srgbClr val="FF0000"/>
                 </a:solidFill>
               </a:rPr>
-              <a:t>RTP</a:t>
+              <a:t>RTP/RTCP</a:t>
             </a:r>
             <a:r>
               <a:rPr lang="zh-CN" altLang="en-US" b="1" dirty="0">
@@ -4140,41 +4691,84 @@
                   <a:srgbClr val="FF0000"/>
                 </a:solidFill>
               </a:rPr>
-              <a:t>传输</a:t>
-            </a:r>
-          </a:p>
-        </p:txBody>
-      </p:sp>
-      <p:sp>
-        <p:nvSpPr>
-          <p:cNvPr id="4" name="矩形: 圆角 3">
-            <a:extLst>
-              <a:ext uri="{FF2B5EF4-FFF2-40B4-BE49-F238E27FC236}">
-                <a16:creationId xmlns:a16="http://schemas.microsoft.com/office/drawing/2014/main" id="{07BB2A8E-144C-6A5C-9FC1-367D2861F7B3}"/>
-              </a:ext>
-            </a:extLst>
-          </p:cNvPr>
+              <a:t>在协议栈中的位置</a:t>
+            </a:r>
+            <a:endParaRPr lang="zh-CN" altLang="en-US" b="1" dirty="0">
+              <a:solidFill>
+                <a:srgbClr val="FF0000"/>
+              </a:solidFill>
+            </a:endParaRPr>
+          </a:p>
+        </p:txBody>
+      </p:sp>
+      <p:sp>
+        <p:nvSpPr>
+          <p:cNvPr id="4" name="矩形 3" descr="应用层"/>
           <p:cNvSpPr/>
           <p:nvPr/>
         </p:nvSpPr>
         <p:spPr>
           <a:xfrm>
-            <a:off x="5734050" y="1690688"/>
-            <a:ext cx="1524000" cy="4802187"/>
-          </a:xfrm>
-          <a:prstGeom prst="roundRect">
+            <a:off x="1085850" y="1825625"/>
+            <a:ext cx="10267950" cy="1184275"/>
+          </a:xfrm>
+          <a:prstGeom prst="rect">
             <a:avLst/>
           </a:prstGeom>
         </p:spPr>
         <p:style>
-          <a:lnRef idx="0">
-            <a:schemeClr val="accent6"/>
+          <a:lnRef idx="2">
+            <a:schemeClr val="accent2"/>
           </a:lnRef>
-          <a:fillRef idx="3">
-            <a:schemeClr val="accent6"/>
+          <a:fillRef idx="1">
+            <a:schemeClr val="lt1"/>
           </a:fillRef>
-          <a:effectRef idx="3">
-            <a:schemeClr val="accent6"/>
+          <a:effectRef idx="0">
+            <a:schemeClr val="accent2"/>
+          </a:effectRef>
+          <a:fontRef idx="minor">
+            <a:schemeClr val="dk1"/>
+          </a:fontRef>
+        </p:style>
+        <p:txBody>
+          <a:bodyPr rtlCol="0" anchor="ctr"/>
+          <a:lstStyle/>
+          <a:p>
+            <a:pPr algn="ctr"/>
+            <a:r>
+              <a:rPr lang="zh-CN" altLang="en-US" dirty="0"/>
+              <a:t>应用层</a:t>
+            </a:r>
+            <a:endParaRPr lang="zh-CN" altLang="en-US" dirty="0"/>
+          </a:p>
+        </p:txBody>
+      </p:sp>
+      <p:sp>
+        <p:nvSpPr>
+          <p:cNvPr id="5" name="矩形 4"/>
+          <p:cNvSpPr/>
+          <p:nvPr/>
+        </p:nvSpPr>
+        <p:spPr>
+          <a:xfrm>
+            <a:off x="1657350" y="2514600"/>
+            <a:ext cx="9429750" cy="533400"/>
+          </a:xfrm>
+          <a:prstGeom prst="rect">
+            <a:avLst/>
+          </a:prstGeom>
+        </p:spPr>
+        <p:style>
+          <a:lnRef idx="2">
+            <a:schemeClr val="accent2">
+              <a:shade val="50000"/>
+            </a:schemeClr>
+          </a:lnRef>
+          <a:fillRef idx="1">
+            <a:schemeClr val="accent2"/>
+          </a:fillRef>
+          <a:effectRef idx="0">
+            <a:schemeClr val="accent2"/>
           </a:effectRef>
           <a:fontRef idx="minor">
             <a:schemeClr val="lt1"/>
@@ -4186,28 +4780,73 @@
           <a:p>
             <a:pPr algn="ctr"/>
             <a:r>
-              <a:rPr lang="zh-CN" altLang="en-US" dirty="0"/>
-              <a:t>网络</a:t>
-            </a:r>
-          </a:p>
-        </p:txBody>
-      </p:sp>
-      <p:sp>
-        <p:nvSpPr>
-          <p:cNvPr id="6" name="矩形 5">
-            <a:extLst>
-              <a:ext uri="{FF2B5EF4-FFF2-40B4-BE49-F238E27FC236}">
-                <a16:creationId xmlns:a16="http://schemas.microsoft.com/office/drawing/2014/main" id="{8C0326F8-976A-6E28-8F86-890D48F5CED2}"/>
-              </a:ext>
-            </a:extLst>
-          </p:cNvPr>
+              <a:rPr lang="en-US" altLang="zh-CN" dirty="0"/>
+              <a:t>RTP/RTCP</a:t>
+            </a:r>
+            <a:endParaRPr lang="zh-CN" altLang="en-US" dirty="0"/>
+          </a:p>
+        </p:txBody>
+      </p:sp>
+      <p:sp>
+        <p:nvSpPr>
+          <p:cNvPr id="7" name="矩形 6"/>
           <p:cNvSpPr/>
           <p:nvPr/>
         </p:nvSpPr>
         <p:spPr>
           <a:xfrm>
-            <a:off x="333375" y="4114800"/>
-            <a:ext cx="1352550" cy="552450"/>
+            <a:off x="1104900" y="3390900"/>
+            <a:ext cx="10248900" cy="1184275"/>
+          </a:xfrm>
+          <a:prstGeom prst="rect">
+            <a:avLst/>
+          </a:prstGeom>
+        </p:spPr>
+        <p:style>
+          <a:lnRef idx="1">
+            <a:schemeClr val="accent5"/>
+          </a:lnRef>
+          <a:fillRef idx="2">
+            <a:schemeClr val="accent5"/>
+          </a:fillRef>
+          <a:effectRef idx="1">
+            <a:schemeClr val="accent5"/>
+          </a:effectRef>
+          <a:fontRef idx="minor">
+            <a:schemeClr val="dk1"/>
+          </a:fontRef>
+        </p:style>
+        <p:txBody>
+          <a:bodyPr rtlCol="0" anchor="ctr"/>
+          <a:lstStyle/>
+          <a:p>
+            <a:pPr lvl="1" algn="ctr"/>
+            <a:r>
+              <a:rPr lang="zh-CN" altLang="en-US" b="1" dirty="0">
+                <a:solidFill>
+                  <a:srgbClr val="FF0000"/>
+                </a:solidFill>
+              </a:rPr>
+              <a:t>传输层</a:t>
+            </a:r>
+            <a:endParaRPr lang="zh-CN" altLang="en-US" b="1" dirty="0">
+              <a:solidFill>
+                <a:srgbClr val="FF0000"/>
+              </a:solidFill>
+            </a:endParaRPr>
+          </a:p>
+        </p:txBody>
+      </p:sp>
+      <p:sp>
+        <p:nvSpPr>
+          <p:cNvPr id="8" name="矩形 7"/>
+          <p:cNvSpPr/>
+          <p:nvPr/>
+        </p:nvSpPr>
+        <p:spPr>
+          <a:xfrm>
+            <a:off x="1466850" y="4191000"/>
+            <a:ext cx="9886950" cy="342900"/>
           </a:xfrm>
           <a:prstGeom prst="rect">
             <a:avLst/>
@@ -4236,7 +4875,7 @@
             <a:pPr algn="ctr"/>
             <a:r>
               <a:rPr lang="en-US" altLang="zh-CN" dirty="0"/>
-              <a:t>2</a:t>
+              <a:t>UDP</a:t>
             </a:r>
             <a:endParaRPr lang="zh-CN" altLang="en-US" dirty="0"/>
           </a:p>
@@ -4244,22 +4883,106 @@
       </p:sp>
       <p:sp>
         <p:nvSpPr>
-          <p:cNvPr id="7" name="箭头: 右 6">
-            <a:extLst>
-              <a:ext uri="{FF2B5EF4-FFF2-40B4-BE49-F238E27FC236}">
-                <a16:creationId xmlns:a16="http://schemas.microsoft.com/office/drawing/2014/main" id="{C389E0BA-F32D-0997-E3CC-45AA13ADB745}"/>
-              </a:ext>
-            </a:extLst>
-          </p:cNvPr>
+          <p:cNvPr id="9" name="矩形: 圆角 8"/>
           <p:cNvSpPr/>
           <p:nvPr/>
         </p:nvSpPr>
         <p:spPr>
           <a:xfrm>
-            <a:off x="3926166" y="3591332"/>
-            <a:ext cx="1524000" cy="1627489"/>
-          </a:xfrm>
-          <a:prstGeom prst="rightArrow">
+            <a:off x="1085850" y="4984750"/>
+            <a:ext cx="10515600" cy="781050"/>
+          </a:xfrm>
+          <a:prstGeom prst="roundRect">
+            <a:avLst/>
+          </a:prstGeom>
+        </p:spPr>
+        <p:style>
+          <a:lnRef idx="2">
+            <a:schemeClr val="accent4">
+              <a:shade val="50000"/>
+            </a:schemeClr>
+          </a:lnRef>
+          <a:fillRef idx="1">
+            <a:schemeClr val="accent4"/>
+          </a:fillRef>
+          <a:effectRef idx="0">
+            <a:schemeClr val="accent4"/>
+          </a:effectRef>
+          <a:fontRef idx="minor">
+            <a:schemeClr val="lt1"/>
+          </a:fontRef>
+        </p:style>
+        <p:txBody>
+          <a:bodyPr rtlCol="0" anchor="ctr"/>
+          <a:lstStyle/>
+          <a:p>
+            <a:pPr algn="ctr"/>
+            <a:r>
+              <a:rPr lang="en-US" altLang="zh-CN" dirty="0"/>
+              <a:t>IP</a:t>
+            </a:r>
+            <a:r>
+              <a:rPr lang="zh-CN" altLang="en-US" dirty="0"/>
+              <a:t>层</a:t>
+            </a:r>
+            <a:endParaRPr lang="zh-CN" altLang="en-US" dirty="0"/>
+          </a:p>
+        </p:txBody>
+      </p:sp>
+      <p:sp>
+        <p:nvSpPr>
+          <p:cNvPr id="10" name="矩形: 圆角 9"/>
+          <p:cNvSpPr/>
+          <p:nvPr/>
+        </p:nvSpPr>
+        <p:spPr>
+          <a:xfrm>
+            <a:off x="1085850" y="6153150"/>
+            <a:ext cx="10668000" cy="571500"/>
+          </a:xfrm>
+          <a:prstGeom prst="roundRect">
+            <a:avLst/>
+          </a:prstGeom>
+        </p:spPr>
+        <p:style>
+          <a:lnRef idx="1">
+            <a:schemeClr val="accent6"/>
+          </a:lnRef>
+          <a:fillRef idx="2">
+            <a:schemeClr val="accent6"/>
+          </a:fillRef>
+          <a:effectRef idx="1">
+            <a:schemeClr val="accent6"/>
+          </a:effectRef>
+          <a:fontRef idx="minor">
+            <a:schemeClr val="dk1"/>
+          </a:fontRef>
+        </p:style>
+        <p:txBody>
+          <a:bodyPr rtlCol="0" anchor="ctr"/>
+          <a:lstStyle/>
+          <a:p>
+            <a:pPr algn="ctr"/>
+            <a:r>
+              <a:rPr lang="zh-CN" altLang="en-US" dirty="0"/>
+              <a:t>网络接口层</a:t>
+            </a:r>
+            <a:endParaRPr lang="zh-CN" altLang="en-US" dirty="0"/>
+          </a:p>
+        </p:txBody>
+      </p:sp>
+      <p:sp>
+        <p:nvSpPr>
+          <p:cNvPr id="11" name="箭头: 下 10"/>
+          <p:cNvSpPr/>
+          <p:nvPr/>
+        </p:nvSpPr>
+        <p:spPr>
+          <a:xfrm>
+            <a:off x="9505950" y="2590800"/>
+            <a:ext cx="484632" cy="978408"/>
+          </a:xfrm>
+          <a:prstGeom prst="downArrow">
             <a:avLst/>
           </a:prstGeom>
         </p:spPr>
@@ -4284,44 +5007,22 @@
           <a:lstStyle/>
           <a:p>
             <a:pPr algn="ctr"/>
-            <a:r>
-              <a:rPr lang="zh-CN" altLang="en-US" dirty="0"/>
-              <a:t>最大</a:t>
-            </a:r>
-            <a:r>
-              <a:rPr lang="en-US" altLang="zh-CN" dirty="0"/>
-              <a:t>1500</a:t>
-            </a:r>
-            <a:r>
-              <a:rPr lang="zh-CN" altLang="en-US" dirty="0"/>
-              <a:t>字节</a:t>
-            </a:r>
-            <a:endParaRPr lang="en-US" altLang="zh-CN" dirty="0"/>
-          </a:p>
-          <a:p>
-            <a:pPr algn="ctr"/>
-            <a:endParaRPr lang="zh-CN" altLang="en-US" dirty="0"/>
-          </a:p>
-        </p:txBody>
-      </p:sp>
-      <p:sp>
-        <p:nvSpPr>
-          <p:cNvPr id="10" name="矩形 9">
-            <a:extLst>
-              <a:ext uri="{FF2B5EF4-FFF2-40B4-BE49-F238E27FC236}">
-                <a16:creationId xmlns:a16="http://schemas.microsoft.com/office/drawing/2014/main" id="{CE501833-2BD6-A560-54ED-17E047BE224E}"/>
-              </a:ext>
-            </a:extLst>
-          </p:cNvPr>
+            <a:endParaRPr lang="zh-CN" altLang="en-US"/>
+          </a:p>
+        </p:txBody>
+      </p:sp>
+      <p:sp>
+        <p:nvSpPr>
+          <p:cNvPr id="12" name="箭头: 下 11"/>
           <p:cNvSpPr/>
           <p:nvPr/>
         </p:nvSpPr>
         <p:spPr>
           <a:xfrm>
-            <a:off x="2289733" y="4091781"/>
-            <a:ext cx="1352550" cy="552450"/>
-          </a:xfrm>
-          <a:prstGeom prst="rect">
+            <a:off x="9748266" y="5686171"/>
+            <a:ext cx="484632" cy="978408"/>
+          </a:xfrm>
+          <a:prstGeom prst="downArrow">
             <a:avLst/>
           </a:prstGeom>
         </p:spPr>
@@ -4346,32 +5047,22 @@
           <a:lstStyle/>
           <a:p>
             <a:pPr algn="ctr"/>
-            <a:r>
-              <a:rPr lang="en-US" altLang="zh-CN" dirty="0"/>
-              <a:t>1</a:t>
-            </a:r>
-            <a:endParaRPr lang="zh-CN" altLang="en-US" dirty="0"/>
-          </a:p>
-        </p:txBody>
-      </p:sp>
-      <p:sp>
-        <p:nvSpPr>
-          <p:cNvPr id="11" name="矩形: 圆角 10">
-            <a:extLst>
-              <a:ext uri="{FF2B5EF4-FFF2-40B4-BE49-F238E27FC236}">
-                <a16:creationId xmlns:a16="http://schemas.microsoft.com/office/drawing/2014/main" id="{7888EA05-8127-B357-3EC4-03E451AEA285}"/>
-              </a:ext>
-            </a:extLst>
-          </p:cNvPr>
+            <a:endParaRPr lang="zh-CN" altLang="en-US"/>
+          </a:p>
+        </p:txBody>
+      </p:sp>
+      <p:sp>
+        <p:nvSpPr>
+          <p:cNvPr id="13" name="箭头: 下 12"/>
           <p:cNvSpPr/>
           <p:nvPr/>
         </p:nvSpPr>
         <p:spPr>
           <a:xfrm>
-            <a:off x="8155459" y="3867117"/>
-            <a:ext cx="1746808" cy="1075918"/>
-          </a:xfrm>
-          <a:prstGeom prst="roundRect">
+            <a:off x="9748266" y="4369308"/>
+            <a:ext cx="484632" cy="978408"/>
+          </a:xfrm>
+          <a:prstGeom prst="downArrow">
             <a:avLst/>
           </a:prstGeom>
         </p:spPr>
@@ -4396,32 +5087,22 @@
           <a:lstStyle/>
           <a:p>
             <a:pPr algn="ctr"/>
-            <a:r>
-              <a:rPr lang="en-US" altLang="zh-CN" dirty="0"/>
-              <a:t>1</a:t>
-            </a:r>
-            <a:endParaRPr lang="zh-CN" altLang="en-US" dirty="0"/>
-          </a:p>
-        </p:txBody>
-      </p:sp>
-      <p:sp>
-        <p:nvSpPr>
-          <p:cNvPr id="12" name="箭头: 右 11">
-            <a:extLst>
-              <a:ext uri="{FF2B5EF4-FFF2-40B4-BE49-F238E27FC236}">
-                <a16:creationId xmlns:a16="http://schemas.microsoft.com/office/drawing/2014/main" id="{5811BB18-4B39-6525-4BF5-660B6F2C83C7}"/>
-              </a:ext>
-            </a:extLst>
-          </p:cNvPr>
+            <a:endParaRPr lang="zh-CN" altLang="en-US"/>
+          </a:p>
+        </p:txBody>
+      </p:sp>
+      <p:sp>
+        <p:nvSpPr>
+          <p:cNvPr id="15" name="箭头: 上 14"/>
           <p:cNvSpPr/>
           <p:nvPr/>
         </p:nvSpPr>
         <p:spPr>
           <a:xfrm>
-            <a:off x="10334626" y="3429000"/>
-            <a:ext cx="1523999" cy="1746625"/>
-          </a:xfrm>
-          <a:prstGeom prst="rightArrow">
+            <a:off x="3657600" y="3009900"/>
+            <a:ext cx="484632" cy="559308"/>
+          </a:xfrm>
+          <a:prstGeom prst="upArrow">
             <a:avLst/>
           </a:prstGeom>
         </p:spPr>
@@ -4450,21 +5131,91 @@
           </a:p>
         </p:txBody>
       </p:sp>
+      <p:sp>
+        <p:nvSpPr>
+          <p:cNvPr id="16" name="箭头: 上 15"/>
+          <p:cNvSpPr/>
+          <p:nvPr/>
+        </p:nvSpPr>
+        <p:spPr>
+          <a:xfrm>
+            <a:off x="3793998" y="4447921"/>
+            <a:ext cx="484632" cy="559308"/>
+          </a:xfrm>
+          <a:prstGeom prst="upArrow">
+            <a:avLst/>
+          </a:prstGeom>
+        </p:spPr>
+        <p:style>
+          <a:lnRef idx="2">
+            <a:schemeClr val="accent1">
+              <a:shade val="50000"/>
+            </a:schemeClr>
+          </a:lnRef>
+          <a:fillRef idx="1">
+            <a:schemeClr val="accent1"/>
+          </a:fillRef>
+          <a:effectRef idx="0">
+            <a:schemeClr val="accent1"/>
+          </a:effectRef>
+          <a:fontRef idx="minor">
+            <a:schemeClr val="lt1"/>
+          </a:fontRef>
+        </p:style>
+        <p:txBody>
+          <a:bodyPr rtlCol="0" anchor="ctr"/>
+          <a:lstStyle/>
+          <a:p>
+            <a:pPr algn="ctr"/>
+            <a:endParaRPr lang="zh-CN" altLang="en-US"/>
+          </a:p>
+        </p:txBody>
+      </p:sp>
+      <p:sp>
+        <p:nvSpPr>
+          <p:cNvPr id="17" name="箭头: 上 16"/>
+          <p:cNvSpPr/>
+          <p:nvPr/>
+        </p:nvSpPr>
+        <p:spPr>
+          <a:xfrm>
+            <a:off x="3818382" y="5708650"/>
+            <a:ext cx="484632" cy="559308"/>
+          </a:xfrm>
+          <a:prstGeom prst="upArrow">
+            <a:avLst/>
+          </a:prstGeom>
+        </p:spPr>
+        <p:style>
+          <a:lnRef idx="2">
+            <a:schemeClr val="accent1">
+              <a:shade val="50000"/>
+            </a:schemeClr>
+          </a:lnRef>
+          <a:fillRef idx="1">
+            <a:schemeClr val="accent1"/>
+          </a:fillRef>
+          <a:effectRef idx="0">
+            <a:schemeClr val="accent1"/>
+          </a:effectRef>
+          <a:fontRef idx="minor">
+            <a:schemeClr val="lt1"/>
+          </a:fontRef>
+        </p:style>
+        <p:txBody>
+          <a:bodyPr rtlCol="0" anchor="ctr"/>
+          <a:lstStyle/>
+          <a:p>
+            <a:pPr algn="ctr"/>
+            <a:endParaRPr lang="zh-CN" altLang="en-US"/>
+          </a:p>
+        </p:txBody>
+      </p:sp>
     </p:spTree>
-    <p:extLst>
-      <p:ext uri="{BB962C8B-B14F-4D97-AF65-F5344CB8AC3E}">
-        <p14:creationId xmlns:p14="http://schemas.microsoft.com/office/powerpoint/2010/main" val="3048655979"/>
-      </p:ext>
-    </p:extLst>
   </p:cSld>
   <p:clrMapOvr>
     <a:masterClrMapping/>
   </p:clrMapOvr>
-  <p:extLst>
-    <p:ext uri="{6950BFC3-D8DA-4A85-94F7-54DA5524770B}">
-      <p188:commentRel xmlns:p188="http://schemas.microsoft.com/office/powerpoint/2018/8/main" r:id="rId2"/>
-    </p:ext>
-  </p:extLst>
 </p:sld>
 </file>
 
@@ -4487,13 +5238,7 @@
       </p:grpSpPr>
       <p:sp>
         <p:nvSpPr>
-          <p:cNvPr id="2" name="标题 1">
-            <a:extLst>
-              <a:ext uri="{FF2B5EF4-FFF2-40B4-BE49-F238E27FC236}">
-                <a16:creationId xmlns:a16="http://schemas.microsoft.com/office/drawing/2014/main" id="{CDF5B09A-4CE8-0EA0-B803-56DEA40523CD}"/>
-              </a:ext>
-            </a:extLst>
-          </p:cNvPr>
+          <p:cNvPr id="2" name="标题 1"/>
           <p:cNvSpPr>
             <a:spLocks noGrp="1"/>
           </p:cNvSpPr>
@@ -4513,7 +5258,15 @@
                   <a:srgbClr val="FF0000"/>
                 </a:solidFill>
               </a:rPr>
-              <a:t>RTP Header</a:t>
+              <a:t>RTP</a:t>
+            </a:r>
+            <a:r>
+              <a:rPr lang="zh-CN" altLang="en-US" b="1" dirty="0">
+                <a:solidFill>
+                  <a:srgbClr val="FF0000"/>
+                </a:solidFill>
+              </a:rPr>
+              <a:t>传输</a:t>
             </a:r>
             <a:endParaRPr lang="zh-CN" altLang="en-US" b="1" dirty="0">
               <a:solidFill>
@@ -4523,19 +5276,1737 @@
           </a:p>
         </p:txBody>
       </p:sp>
+      <p:sp>
+        <p:nvSpPr>
+          <p:cNvPr id="4" name="矩形: 圆角 3"/>
+          <p:cNvSpPr/>
+          <p:nvPr/>
+        </p:nvSpPr>
+        <p:spPr>
+          <a:xfrm>
+            <a:off x="5734050" y="1690688"/>
+            <a:ext cx="1524000" cy="4802187"/>
+          </a:xfrm>
+          <a:prstGeom prst="roundRect">
+            <a:avLst/>
+          </a:prstGeom>
+        </p:spPr>
+        <p:style>
+          <a:lnRef idx="0">
+            <a:schemeClr val="accent6"/>
+          </a:lnRef>
+          <a:fillRef idx="3">
+            <a:schemeClr val="accent6"/>
+          </a:fillRef>
+          <a:effectRef idx="3">
+            <a:schemeClr val="accent6"/>
+          </a:effectRef>
+          <a:fontRef idx="minor">
+            <a:schemeClr val="lt1"/>
+          </a:fontRef>
+        </p:style>
+        <p:txBody>
+          <a:bodyPr rtlCol="0" anchor="ctr"/>
+          <a:lstStyle/>
+          <a:p>
+            <a:pPr algn="ctr"/>
+            <a:r>
+              <a:rPr lang="zh-CN" altLang="en-US" dirty="0"/>
+              <a:t>网络</a:t>
+            </a:r>
+            <a:endParaRPr lang="zh-CN" altLang="en-US" dirty="0"/>
+          </a:p>
+        </p:txBody>
+      </p:sp>
+      <p:sp>
+        <p:nvSpPr>
+          <p:cNvPr id="6" name="矩形 5"/>
+          <p:cNvSpPr/>
+          <p:nvPr/>
+        </p:nvSpPr>
+        <p:spPr>
+          <a:xfrm>
+            <a:off x="333375" y="4114800"/>
+            <a:ext cx="1352550" cy="552450"/>
+          </a:xfrm>
+          <a:prstGeom prst="rect">
+            <a:avLst/>
+          </a:prstGeom>
+        </p:spPr>
+        <p:style>
+          <a:lnRef idx="2">
+            <a:schemeClr val="accent1">
+              <a:shade val="50000"/>
+            </a:schemeClr>
+          </a:lnRef>
+          <a:fillRef idx="1">
+            <a:schemeClr val="accent1"/>
+          </a:fillRef>
+          <a:effectRef idx="0">
+            <a:schemeClr val="accent1"/>
+          </a:effectRef>
+          <a:fontRef idx="minor">
+            <a:schemeClr val="lt1"/>
+          </a:fontRef>
+        </p:style>
+        <p:txBody>
+          <a:bodyPr rtlCol="0" anchor="ctr"/>
+          <a:lstStyle/>
+          <a:p>
+            <a:pPr algn="ctr"/>
+            <a:r>
+              <a:rPr lang="en-US" altLang="zh-CN" dirty="0"/>
+              <a:t>2</a:t>
+            </a:r>
+            <a:endParaRPr lang="zh-CN" altLang="en-US" dirty="0"/>
+          </a:p>
+        </p:txBody>
+      </p:sp>
+      <p:sp>
+        <p:nvSpPr>
+          <p:cNvPr id="7" name="箭头: 右 6"/>
+          <p:cNvSpPr/>
+          <p:nvPr/>
+        </p:nvSpPr>
+        <p:spPr>
+          <a:xfrm>
+            <a:off x="3926166" y="3591332"/>
+            <a:ext cx="1524000" cy="1627489"/>
+          </a:xfrm>
+          <a:prstGeom prst="rightArrow">
+            <a:avLst/>
+          </a:prstGeom>
+        </p:spPr>
+        <p:style>
+          <a:lnRef idx="2">
+            <a:schemeClr val="accent1">
+              <a:shade val="50000"/>
+            </a:schemeClr>
+          </a:lnRef>
+          <a:fillRef idx="1">
+            <a:schemeClr val="accent1"/>
+          </a:fillRef>
+          <a:effectRef idx="0">
+            <a:schemeClr val="accent1"/>
+          </a:effectRef>
+          <a:fontRef idx="minor">
+            <a:schemeClr val="lt1"/>
+          </a:fontRef>
+        </p:style>
+        <p:txBody>
+          <a:bodyPr rtlCol="0" anchor="ctr"/>
+          <a:lstStyle/>
+          <a:p>
+            <a:pPr algn="ctr"/>
+            <a:r>
+              <a:rPr lang="zh-CN" altLang="en-US" dirty="0"/>
+              <a:t>最大</a:t>
+            </a:r>
+            <a:r>
+              <a:rPr lang="en-US" altLang="zh-CN" dirty="0"/>
+              <a:t>1500</a:t>
+            </a:r>
+            <a:r>
+              <a:rPr lang="zh-CN" altLang="en-US" dirty="0"/>
+              <a:t>字节</a:t>
+            </a:r>
+            <a:endParaRPr lang="en-US" altLang="zh-CN" dirty="0"/>
+          </a:p>
+          <a:p>
+            <a:pPr algn="ctr"/>
+            <a:endParaRPr lang="zh-CN" altLang="en-US" dirty="0"/>
+          </a:p>
+        </p:txBody>
+      </p:sp>
+      <p:sp>
+        <p:nvSpPr>
+          <p:cNvPr id="10" name="矩形 9"/>
+          <p:cNvSpPr/>
+          <p:nvPr/>
+        </p:nvSpPr>
+        <p:spPr>
+          <a:xfrm>
+            <a:off x="2289733" y="4091781"/>
+            <a:ext cx="1352550" cy="552450"/>
+          </a:xfrm>
+          <a:prstGeom prst="rect">
+            <a:avLst/>
+          </a:prstGeom>
+        </p:spPr>
+        <p:style>
+          <a:lnRef idx="2">
+            <a:schemeClr val="accent1">
+              <a:shade val="50000"/>
+            </a:schemeClr>
+          </a:lnRef>
+          <a:fillRef idx="1">
+            <a:schemeClr val="accent1"/>
+          </a:fillRef>
+          <a:effectRef idx="0">
+            <a:schemeClr val="accent1"/>
+          </a:effectRef>
+          <a:fontRef idx="minor">
+            <a:schemeClr val="lt1"/>
+          </a:fontRef>
+        </p:style>
+        <p:txBody>
+          <a:bodyPr rtlCol="0" anchor="ctr"/>
+          <a:lstStyle/>
+          <a:p>
+            <a:pPr algn="ctr"/>
+            <a:r>
+              <a:rPr lang="en-US" altLang="zh-CN" dirty="0"/>
+              <a:t>1</a:t>
+            </a:r>
+            <a:endParaRPr lang="zh-CN" altLang="en-US" dirty="0"/>
+          </a:p>
+        </p:txBody>
+      </p:sp>
+      <p:sp>
+        <p:nvSpPr>
+          <p:cNvPr id="11" name="矩形: 圆角 10"/>
+          <p:cNvSpPr/>
+          <p:nvPr/>
+        </p:nvSpPr>
+        <p:spPr>
+          <a:xfrm>
+            <a:off x="8516774" y="3867752"/>
+            <a:ext cx="1746808" cy="1075918"/>
+          </a:xfrm>
+          <a:prstGeom prst="roundRect">
+            <a:avLst/>
+          </a:prstGeom>
+        </p:spPr>
+        <p:style>
+          <a:lnRef idx="2">
+            <a:schemeClr val="accent1">
+              <a:shade val="50000"/>
+            </a:schemeClr>
+          </a:lnRef>
+          <a:fillRef idx="1">
+            <a:schemeClr val="accent1"/>
+          </a:fillRef>
+          <a:effectRef idx="0">
+            <a:schemeClr val="accent1"/>
+          </a:effectRef>
+          <a:fontRef idx="minor">
+            <a:schemeClr val="lt1"/>
+          </a:fontRef>
+        </p:style>
+        <p:txBody>
+          <a:bodyPr rtlCol="0" anchor="ctr"/>
+          <a:lstStyle/>
+          <a:p>
+            <a:pPr algn="ctr"/>
+            <a:r>
+              <a:rPr lang="en-US" altLang="zh-CN" dirty="0"/>
+              <a:t>1</a:t>
+            </a:r>
+            <a:endParaRPr lang="zh-CN" altLang="en-US" dirty="0"/>
+          </a:p>
+        </p:txBody>
+      </p:sp>
+      <p:sp>
+        <p:nvSpPr>
+          <p:cNvPr id="12" name="箭头: 右 11"/>
+          <p:cNvSpPr/>
+          <p:nvPr/>
+        </p:nvSpPr>
+        <p:spPr>
+          <a:xfrm>
+            <a:off x="10565131" y="3423285"/>
+            <a:ext cx="1523999" cy="1746625"/>
+          </a:xfrm>
+          <a:prstGeom prst="rightArrow">
+            <a:avLst/>
+          </a:prstGeom>
+        </p:spPr>
+        <p:style>
+          <a:lnRef idx="2">
+            <a:schemeClr val="accent1">
+              <a:shade val="50000"/>
+            </a:schemeClr>
+          </a:lnRef>
+          <a:fillRef idx="1">
+            <a:schemeClr val="accent1"/>
+          </a:fillRef>
+          <a:effectRef idx="0">
+            <a:schemeClr val="accent1"/>
+          </a:effectRef>
+          <a:fontRef idx="minor">
+            <a:schemeClr val="lt1"/>
+          </a:fontRef>
+        </p:style>
+        <p:txBody>
+          <a:bodyPr rtlCol="0" anchor="ctr"/>
+          <a:lstStyle/>
+          <a:p>
+            <a:pPr algn="ctr"/>
+            <a:endParaRPr lang="zh-CN" altLang="en-US"/>
+          </a:p>
+        </p:txBody>
+      </p:sp>
+      <p:sp>
+        <p:nvSpPr>
+          <p:cNvPr id="3" name="圆角矩形 2"/>
+          <p:cNvSpPr/>
+          <p:nvPr/>
+        </p:nvSpPr>
+        <p:spPr>
+          <a:xfrm>
+            <a:off x="7418705" y="3891280"/>
+            <a:ext cx="858520" cy="953770"/>
+          </a:xfrm>
+          <a:prstGeom prst="roundRect">
+            <a:avLst/>
+          </a:prstGeom>
+        </p:spPr>
+        <p:style>
+          <a:lnRef idx="2">
+            <a:schemeClr val="accent1">
+              <a:shade val="50000"/>
+            </a:schemeClr>
+          </a:lnRef>
+          <a:fillRef idx="1">
+            <a:schemeClr val="accent1"/>
+          </a:fillRef>
+          <a:effectRef idx="0">
+            <a:schemeClr val="accent1"/>
+          </a:effectRef>
+          <a:fontRef idx="minor">
+            <a:schemeClr val="lt1"/>
+          </a:fontRef>
+        </p:style>
+        <p:txBody>
+          <a:bodyPr rtlCol="0" anchor="ctr"/>
+          <a:p>
+            <a:pPr algn="ctr"/>
+            <a:r>
+              <a:rPr lang="en-US" altLang="zh-CN"/>
+              <a:t>...</a:t>
+            </a:r>
+            <a:endParaRPr lang="en-US" altLang="zh-CN"/>
+          </a:p>
+        </p:txBody>
+      </p:sp>
+    </p:spTree>
+  </p:cSld>
+  <p:clrMapOvr>
+    <a:masterClrMapping/>
+  </p:clrMapOvr>
+</p:sld>
+</file>
+
+<file path=ppt/slides/slide5.xml><?xml version="1.0" encoding="utf-8"?>
+<p:sld xmlns:a="http://schemas.openxmlformats.org/drawingml/2006/main" xmlns:r="http://schemas.openxmlformats.org/officeDocument/2006/relationships" xmlns:p="http://schemas.openxmlformats.org/presentationml/2006/main">
+  <p:cSld>
+    <p:spTree>
+      <p:nvGrpSpPr>
+        <p:cNvPr id="1" name=""/>
+        <p:cNvGrpSpPr/>
+        <p:nvPr/>
+      </p:nvGrpSpPr>
+      <p:grpSpPr>
+        <a:xfrm>
+          <a:off x="0" y="0"/>
+          <a:ext cx="0" cy="0"/>
+          <a:chOff x="0" y="0"/>
+          <a:chExt cx="0" cy="0"/>
+        </a:xfrm>
+      </p:grpSpPr>
+      <p:sp>
+        <p:nvSpPr>
+          <p:cNvPr id="2" name="标题 1"/>
+          <p:cNvSpPr>
+            <a:spLocks noGrp="1"/>
+          </p:cNvSpPr>
+          <p:nvPr>
+            <p:ph type="title"/>
+          </p:nvPr>
+        </p:nvSpPr>
+        <p:spPr/>
+        <p:txBody>
+          <a:bodyPr/>
+          <a:lstStyle/>
+          <a:p>
+            <a:pPr algn="ctr"/>
+            <a:r>
+              <a:rPr lang="zh-CN" altLang="en-US" b="1" dirty="0">
+                <a:solidFill>
+                  <a:srgbClr val="FF0000"/>
+                </a:solidFill>
+              </a:rPr>
+              <a:t>二、</a:t>
+            </a:r>
+            <a:r>
+              <a:rPr lang="en-US" altLang="zh-CN" b="1" dirty="0">
+                <a:solidFill>
+                  <a:srgbClr val="FF0000"/>
+                </a:solidFill>
+              </a:rPr>
+              <a:t>RTP Header</a:t>
+            </a:r>
+            <a:endParaRPr lang="zh-CN" altLang="en-US" b="1" dirty="0">
+              <a:solidFill>
+                <a:srgbClr val="FF0000"/>
+              </a:solidFill>
+            </a:endParaRPr>
+          </a:p>
+        </p:txBody>
+      </p:sp>
       <p:pic>
         <p:nvPicPr>
-          <p:cNvPr id="5" name="图片 4">
-            <a:extLst>
-              <a:ext uri="{FF2B5EF4-FFF2-40B4-BE49-F238E27FC236}">
-                <a16:creationId xmlns:a16="http://schemas.microsoft.com/office/drawing/2014/main" id="{B08D3053-25C1-6B3C-0ABD-B1C3ECB34720}"/>
-              </a:ext>
-            </a:extLst>
-          </p:cNvPr>
+          <p:cNvPr id="5" name="图片 4"/>
           <p:cNvPicPr>
             <a:picLocks noChangeAspect="1"/>
           </p:cNvPicPr>
           <p:nvPr/>
+        </p:nvPicPr>
+        <p:blipFill>
+          <a:blip r:embed="rId1"/>
+          <a:stretch>
+            <a:fillRect/>
+          </a:stretch>
+        </p:blipFill>
+        <p:spPr>
+          <a:xfrm>
+            <a:off x="1872547" y="1690688"/>
+            <a:ext cx="8446905" cy="4077816"/>
+          </a:xfrm>
+          <a:prstGeom prst="rect">
+            <a:avLst/>
+          </a:prstGeom>
+        </p:spPr>
+      </p:pic>
+    </p:spTree>
+  </p:cSld>
+  <p:clrMapOvr>
+    <a:masterClrMapping/>
+  </p:clrMapOvr>
+</p:sld>
+</file>
+
+<file path=ppt/slides/slide6.xml><?xml version="1.0" encoding="utf-8"?>
+<p:sld xmlns:a="http://schemas.openxmlformats.org/drawingml/2006/main" xmlns:r="http://schemas.openxmlformats.org/officeDocument/2006/relationships" xmlns:p="http://schemas.openxmlformats.org/presentationml/2006/main">
+  <p:cSld>
+    <p:spTree>
+      <p:nvGrpSpPr>
+        <p:cNvPr id="1" name=""/>
+        <p:cNvGrpSpPr/>
+        <p:nvPr/>
+      </p:nvGrpSpPr>
+      <p:grpSpPr/>
+      <p:sp>
+        <p:nvSpPr>
+          <p:cNvPr id="2" name="标题 1"/>
+          <p:cNvSpPr>
+            <a:spLocks noGrp="1"/>
+          </p:cNvSpPr>
+          <p:nvPr>
+            <p:ph type="title"/>
+          </p:nvPr>
+        </p:nvSpPr>
+        <p:spPr/>
+        <p:txBody>
+          <a:bodyPr/>
+          <a:p>
+            <a:pPr algn="ctr"/>
+            <a:r>
+              <a:rPr lang="en-US" altLang="zh-CN" b="1">
+                <a:solidFill>
+                  <a:srgbClr val="FF0000"/>
+                </a:solidFill>
+              </a:rPr>
+              <a:t>2.1  </a:t>
+            </a:r>
+            <a:r>
+              <a:rPr lang="zh-CN" altLang="en-US" b="1">
+                <a:solidFill>
+                  <a:srgbClr val="FF0000"/>
+                </a:solidFill>
+              </a:rPr>
+              <a:t>、</a:t>
+            </a:r>
+            <a:r>
+              <a:rPr lang="en-US" altLang="zh-CN" b="1">
+                <a:solidFill>
+                  <a:srgbClr val="FF0000"/>
+                </a:solidFill>
+              </a:rPr>
+              <a:t>RTP Header </a:t>
+            </a:r>
+            <a:r>
+              <a:rPr lang="zh-CN" altLang="en-US" b="1">
+                <a:solidFill>
+                  <a:srgbClr val="FF0000"/>
+                </a:solidFill>
+              </a:rPr>
+              <a:t>协议字段解析</a:t>
+            </a:r>
+            <a:endParaRPr lang="zh-CN" altLang="en-US" b="1">
+              <a:solidFill>
+                <a:srgbClr val="FF0000"/>
+              </a:solidFill>
+            </a:endParaRPr>
+          </a:p>
+        </p:txBody>
+      </p:sp>
+      <p:sp>
+        <p:nvSpPr>
+          <p:cNvPr id="3" name="内容占位符 2"/>
+          <p:cNvSpPr>
+            <a:spLocks noGrp="1"/>
+          </p:cNvSpPr>
+          <p:nvPr>
+            <p:ph idx="1"/>
+          </p:nvPr>
+        </p:nvSpPr>
+        <p:spPr>
+          <a:xfrm>
+            <a:off x="838200" y="1487170"/>
+            <a:ext cx="10515600" cy="4690110"/>
+          </a:xfrm>
+        </p:spPr>
+        <p:txBody>
+          <a:bodyPr>
+            <a:normAutofit fontScale="90000" lnSpcReduction="20000"/>
+          </a:bodyPr>
+          <a:p>
+            <a:r>
+              <a:rPr lang="en-US" altLang="zh-CN"/>
+              <a:t>v   :  </a:t>
+            </a:r>
+            <a:r>
+              <a:rPr lang="zh-CN" altLang="en-US"/>
+              <a:t>版本</a:t>
+            </a:r>
+            <a:endParaRPr lang="zh-CN" altLang="en-US"/>
+          </a:p>
+          <a:p>
+            <a:r>
+              <a:rPr lang="en-US" altLang="zh-CN"/>
+              <a:t>P   :  </a:t>
+            </a:r>
+            <a:r>
+              <a:rPr lang="zh-CN" altLang="en-US"/>
+              <a:t>填充数据</a:t>
+            </a:r>
+            <a:r>
+              <a:rPr lang="en-US" altLang="zh-CN"/>
+              <a:t> 1:</a:t>
+            </a:r>
+            <a:r>
+              <a:rPr lang="zh-CN" altLang="en-US"/>
+              <a:t>代表有填充数据</a:t>
+            </a:r>
+            <a:r>
+              <a:rPr lang="en-US" altLang="zh-CN"/>
+              <a:t>   0: </a:t>
+            </a:r>
+            <a:r>
+              <a:rPr lang="zh-CN" altLang="en-US"/>
+              <a:t>没有补</a:t>
+            </a:r>
+            <a:r>
+              <a:rPr lang="zh-CN" altLang="en-US">
+                <a:sym typeface="+mn-ea"/>
+              </a:rPr>
+              <a:t>充</a:t>
+            </a:r>
+            <a:r>
+              <a:rPr lang="zh-CN" altLang="en-US"/>
+              <a:t>数据</a:t>
+            </a:r>
+            <a:endParaRPr lang="zh-CN" altLang="en-US"/>
+          </a:p>
+          <a:p>
+            <a:r>
+              <a:rPr lang="en-US" altLang="zh-CN"/>
+              <a:t>X   :  </a:t>
+            </a:r>
+            <a:r>
+              <a:rPr lang="zh-CN" altLang="en-US"/>
+              <a:t>是否有扩展头，</a:t>
+            </a:r>
+            <a:r>
+              <a:rPr lang="en-US" altLang="zh-CN"/>
+              <a:t>1</a:t>
+            </a:r>
+            <a:r>
+              <a:rPr lang="zh-CN" altLang="en-US"/>
+              <a:t>：</a:t>
+            </a:r>
+            <a:r>
+              <a:rPr lang="en-US" altLang="zh-CN"/>
+              <a:t> </a:t>
+            </a:r>
+            <a:r>
+              <a:rPr lang="zh-CN" altLang="en-US"/>
+              <a:t>有扩展头</a:t>
+            </a:r>
+            <a:r>
+              <a:rPr lang="en-US" altLang="zh-CN"/>
+              <a:t>  0</a:t>
+            </a:r>
+            <a:r>
+              <a:rPr lang="zh-CN" altLang="en-US"/>
+              <a:t>：没有扩展头</a:t>
+            </a:r>
+            <a:endParaRPr lang="zh-CN" altLang="en-US"/>
+          </a:p>
+          <a:p>
+            <a:r>
+              <a:rPr lang="en-US" altLang="zh-CN"/>
+              <a:t>CC : </a:t>
+            </a:r>
+            <a:r>
+              <a:rPr lang="zh-CN" altLang="en-US"/>
+              <a:t>这个源那些人产生的</a:t>
+            </a:r>
+            <a:r>
+              <a:rPr lang="en-US" altLang="zh-CN"/>
+              <a:t> </a:t>
+            </a:r>
+            <a:r>
+              <a:rPr lang="en-US" altLang="zh-CN"/>
+              <a:t>csrc</a:t>
+            </a:r>
+            <a:r>
+              <a:rPr lang="zh-CN" altLang="en-US"/>
+              <a:t>的个数</a:t>
+            </a:r>
+            <a:r>
+              <a:rPr lang="en-US" altLang="zh-CN"/>
+              <a:t> </a:t>
+            </a:r>
+            <a:r>
+              <a:rPr lang="zh-CN" altLang="en-US"/>
+              <a:t>几个贡献者</a:t>
+            </a:r>
+            <a:endParaRPr lang="zh-CN" altLang="en-US"/>
+          </a:p>
+          <a:p>
+            <a:r>
+              <a:rPr lang="en-US" altLang="zh-CN"/>
+              <a:t>M  </a:t>
+            </a:r>
+            <a:r>
+              <a:rPr lang="zh-CN" altLang="en-US"/>
+              <a:t>：代表视频帧的最后一个帧</a:t>
+            </a:r>
+            <a:r>
+              <a:rPr lang="en-US" altLang="zh-CN"/>
+              <a:t> 1</a:t>
+            </a:r>
+            <a:r>
+              <a:rPr lang="zh-CN" altLang="en-US"/>
+              <a:t>：是视频帧的最后一帧，</a:t>
+            </a:r>
+            <a:r>
+              <a:rPr lang="en-US" altLang="zh-CN"/>
+              <a:t> 0</a:t>
+            </a:r>
+            <a:r>
+              <a:rPr lang="zh-CN" altLang="en-US"/>
+              <a:t>：不是最后一帧视频帧</a:t>
+            </a:r>
+            <a:endParaRPr lang="zh-CN" altLang="en-US"/>
+          </a:p>
+          <a:p>
+            <a:r>
+              <a:rPr lang="en-US" altLang="zh-CN"/>
+              <a:t>PT :  </a:t>
+            </a:r>
+            <a:r>
+              <a:rPr lang="zh-CN" altLang="en-US"/>
+              <a:t>代表</a:t>
+            </a:r>
+            <a:r>
+              <a:rPr lang="en-US" altLang="zh-CN"/>
+              <a:t>payloadType</a:t>
+            </a:r>
+            <a:r>
+              <a:rPr lang="zh-CN" altLang="en-US"/>
+              <a:t>，</a:t>
+            </a:r>
+            <a:r>
+              <a:rPr lang="en-US" altLang="zh-CN"/>
+              <a:t> </a:t>
+            </a:r>
+            <a:r>
+              <a:rPr lang="zh-CN" altLang="en-US"/>
+              <a:t>数据负载类型</a:t>
+            </a:r>
+            <a:r>
+              <a:rPr lang="en-US" altLang="zh-CN"/>
+              <a:t>  </a:t>
+            </a:r>
+            <a:r>
+              <a:rPr lang="zh-CN" altLang="en-US"/>
+              <a:t>例如：</a:t>
+            </a:r>
+            <a:r>
+              <a:rPr lang="en-US" altLang="zh-CN"/>
+              <a:t> </a:t>
+            </a:r>
+            <a:r>
+              <a:rPr lang="zh-CN" altLang="en-US"/>
+              <a:t>音频：</a:t>
+            </a:r>
+            <a:r>
+              <a:rPr lang="en-US" altLang="zh-CN"/>
+              <a:t>ops</a:t>
+            </a:r>
+            <a:r>
+              <a:rPr lang="zh-CN" altLang="en-US"/>
+              <a:t>：</a:t>
+            </a:r>
+            <a:r>
+              <a:rPr lang="en-US" altLang="zh-CN"/>
+              <a:t>101</a:t>
+            </a:r>
+            <a:r>
+              <a:rPr lang="zh-CN" altLang="en-US"/>
+              <a:t>，</a:t>
+            </a:r>
+            <a:r>
+              <a:rPr lang="en-US" altLang="zh-CN"/>
+              <a:t> </a:t>
+            </a:r>
+            <a:r>
+              <a:rPr lang="zh-CN" altLang="en-US"/>
+              <a:t>视频：</a:t>
+            </a:r>
+            <a:r>
+              <a:rPr lang="en-US" altLang="zh-CN"/>
+              <a:t>127</a:t>
+            </a:r>
+            <a:endParaRPr lang="en-US" altLang="zh-CN"/>
+          </a:p>
+          <a:p>
+            <a:r>
+              <a:rPr lang="en-US" altLang="zh-CN"/>
+              <a:t>Sequence Number: </a:t>
+            </a:r>
+            <a:r>
+              <a:rPr lang="zh-CN" altLang="en-US"/>
+              <a:t>数据有序</a:t>
+            </a:r>
+            <a:endParaRPr lang="zh-CN" altLang="en-US"/>
+          </a:p>
+          <a:p>
+            <a:r>
+              <a:rPr lang="en-US" altLang="zh-CN"/>
+              <a:t>timestamp</a:t>
+            </a:r>
+            <a:r>
+              <a:rPr lang="zh-CN" altLang="en-US"/>
+              <a:t>：</a:t>
+            </a:r>
+            <a:r>
+              <a:rPr lang="en-US" altLang="zh-CN"/>
+              <a:t> </a:t>
+            </a:r>
+            <a:r>
+              <a:rPr lang="zh-CN" altLang="en-US"/>
+              <a:t>产生时间戳</a:t>
+            </a:r>
+            <a:endParaRPr lang="zh-CN" altLang="en-US"/>
+          </a:p>
+          <a:p>
+            <a:r>
+              <a:rPr lang="en-US" altLang="zh-CN"/>
+              <a:t>ssrc</a:t>
+            </a:r>
+            <a:r>
+              <a:rPr lang="zh-CN" altLang="en-US"/>
+              <a:t>：源（多路视频流</a:t>
+            </a:r>
+            <a:r>
+              <a:rPr lang="en-US" altLang="zh-CN"/>
+              <a:t>ssrc</a:t>
+            </a:r>
+            <a:r>
+              <a:rPr lang="zh-CN" altLang="en-US"/>
+              <a:t>判断）</a:t>
+            </a:r>
+            <a:endParaRPr lang="zh-CN" altLang="en-US"/>
+          </a:p>
+          <a:p>
+            <a:r>
+              <a:rPr lang="en-US" altLang="zh-CN"/>
+              <a:t>csrc</a:t>
+            </a:r>
+            <a:r>
+              <a:rPr lang="zh-CN" altLang="en-US"/>
+              <a:t>：数据有几个贡献者</a:t>
+            </a:r>
+            <a:endParaRPr lang="zh-CN" altLang="en-US"/>
+          </a:p>
+        </p:txBody>
+      </p:sp>
+    </p:spTree>
+  </p:cSld>
+  <p:clrMapOvr>
+    <a:masterClrMapping/>
+  </p:clrMapOvr>
+</p:sld>
+</file>
+
+<file path=ppt/slides/slide7.xml><?xml version="1.0" encoding="utf-8"?>
+<p:sld xmlns:a="http://schemas.openxmlformats.org/drawingml/2006/main" xmlns:r="http://schemas.openxmlformats.org/officeDocument/2006/relationships" xmlns:p="http://schemas.openxmlformats.org/presentationml/2006/main">
+  <p:cSld>
+    <p:spTree>
+      <p:nvGrpSpPr>
+        <p:cNvPr id="1" name=""/>
+        <p:cNvGrpSpPr/>
+        <p:nvPr/>
+      </p:nvGrpSpPr>
+      <p:grpSpPr/>
+      <p:sp>
+        <p:nvSpPr>
+          <p:cNvPr id="2" name="标题 1"/>
+          <p:cNvSpPr>
+            <a:spLocks noGrp="1"/>
+          </p:cNvSpPr>
+          <p:nvPr>
+            <p:ph type="title"/>
+          </p:nvPr>
+        </p:nvSpPr>
+        <p:spPr/>
+        <p:txBody>
+          <a:bodyPr/>
+          <a:p>
+            <a:pPr algn="ctr"/>
+            <a:r>
+              <a:rPr lang="en-US" altLang="zh-CN" b="1">
+                <a:solidFill>
+                  <a:srgbClr val="FF0000"/>
+                </a:solidFill>
+              </a:rPr>
+              <a:t>2.2</a:t>
+            </a:r>
+            <a:r>
+              <a:rPr lang="zh-CN" altLang="en-US" b="1">
+                <a:solidFill>
+                  <a:srgbClr val="FF0000"/>
+                </a:solidFill>
+              </a:rPr>
+              <a:t>、</a:t>
+            </a:r>
+            <a:r>
+              <a:rPr lang="en-US" altLang="zh-CN" b="1">
+                <a:solidFill>
+                  <a:srgbClr val="FF0000"/>
+                </a:solidFill>
+              </a:rPr>
+              <a:t> </a:t>
+            </a:r>
+            <a:r>
+              <a:rPr lang="zh-CN" altLang="en-US" b="1">
+                <a:solidFill>
+                  <a:srgbClr val="FF0000"/>
+                </a:solidFill>
+              </a:rPr>
+              <a:t>视频帧分包</a:t>
+            </a:r>
+            <a:endParaRPr lang="zh-CN" altLang="en-US" b="1">
+              <a:solidFill>
+                <a:srgbClr val="FF0000"/>
+              </a:solidFill>
+            </a:endParaRPr>
+          </a:p>
+        </p:txBody>
+      </p:sp>
+      <p:sp>
+        <p:nvSpPr>
+          <p:cNvPr id="3" name="内容占位符 2"/>
+          <p:cNvSpPr>
+            <a:spLocks noGrp="1"/>
+          </p:cNvSpPr>
+          <p:nvPr>
+            <p:ph idx="1"/>
+          </p:nvPr>
+        </p:nvSpPr>
+        <p:spPr/>
+        <p:style>
+          <a:lnRef idx="2">
+            <a:schemeClr val="dk1"/>
+          </a:lnRef>
+          <a:fillRef idx="1">
+            <a:schemeClr val="lt1"/>
+          </a:fillRef>
+          <a:effectRef idx="0">
+            <a:schemeClr val="dk1"/>
+          </a:effectRef>
+          <a:fontRef idx="minor">
+            <a:schemeClr val="dk1"/>
+          </a:fontRef>
+        </p:style>
+        <p:txBody>
+          <a:bodyPr/>
+          <a:p>
+            <a:r>
+              <a:rPr lang="zh-CN" altLang="en-US"/>
+              <a:t>等待一段时间</a:t>
+            </a:r>
+            <a:r>
+              <a:rPr lang="en-US" altLang="zh-CN"/>
+              <a:t> </a:t>
+            </a:r>
+            <a:endParaRPr lang="en-US" altLang="zh-CN"/>
+          </a:p>
+          <a:p>
+            <a:r>
+              <a:rPr lang="zh-CN" altLang="en-US"/>
+              <a:t>包还有来的话就跳帧</a:t>
+            </a:r>
+            <a:endParaRPr lang="zh-CN" altLang="en-US"/>
+          </a:p>
+        </p:txBody>
+      </p:sp>
+      <p:sp>
+        <p:nvSpPr>
+          <p:cNvPr id="4" name="圆角矩形 3"/>
+          <p:cNvSpPr/>
+          <p:nvPr/>
+        </p:nvSpPr>
+        <p:spPr>
+          <a:xfrm>
+            <a:off x="5619115" y="1979295"/>
+            <a:ext cx="1116330" cy="4286250"/>
+          </a:xfrm>
+          <a:prstGeom prst="roundRect">
+            <a:avLst/>
+          </a:prstGeom>
+        </p:spPr>
+        <p:style>
+          <a:lnRef idx="2">
+            <a:schemeClr val="accent1">
+              <a:shade val="50000"/>
+            </a:schemeClr>
+          </a:lnRef>
+          <a:fillRef idx="1">
+            <a:schemeClr val="accent1"/>
+          </a:fillRef>
+          <a:effectRef idx="0">
+            <a:schemeClr val="accent1"/>
+          </a:effectRef>
+          <a:fontRef idx="minor">
+            <a:schemeClr val="lt1"/>
+          </a:fontRef>
+        </p:style>
+        <p:txBody>
+          <a:bodyPr rtlCol="0" anchor="ctr"/>
+          <a:p>
+            <a:pPr algn="ctr"/>
+            <a:r>
+              <a:rPr lang="zh-CN" altLang="en-US"/>
+              <a:t>网络</a:t>
+            </a:r>
+            <a:endParaRPr lang="zh-CN" altLang="en-US"/>
+          </a:p>
+        </p:txBody>
+      </p:sp>
+      <p:sp>
+        <p:nvSpPr>
+          <p:cNvPr id="5" name="圆角矩形 4"/>
+          <p:cNvSpPr/>
+          <p:nvPr/>
+        </p:nvSpPr>
+        <p:spPr>
+          <a:xfrm>
+            <a:off x="2884805" y="3787775"/>
+            <a:ext cx="481330" cy="426720"/>
+          </a:xfrm>
+          <a:prstGeom prst="roundRect">
+            <a:avLst/>
+          </a:prstGeom>
+        </p:spPr>
+        <p:style>
+          <a:lnRef idx="2">
+            <a:schemeClr val="accent2">
+              <a:shade val="50000"/>
+            </a:schemeClr>
+          </a:lnRef>
+          <a:fillRef idx="1">
+            <a:schemeClr val="accent2"/>
+          </a:fillRef>
+          <a:effectRef idx="0">
+            <a:schemeClr val="accent2"/>
+          </a:effectRef>
+          <a:fontRef idx="minor">
+            <a:schemeClr val="lt1"/>
+          </a:fontRef>
+        </p:style>
+        <p:txBody>
+          <a:bodyPr rtlCol="0" anchor="ctr"/>
+          <a:p>
+            <a:pPr algn="ctr"/>
+            <a:r>
+              <a:rPr lang="en-US" altLang="zh-CN"/>
+              <a:t>3</a:t>
+            </a:r>
+            <a:endParaRPr lang="en-US" altLang="zh-CN"/>
+          </a:p>
+        </p:txBody>
+      </p:sp>
+      <p:sp>
+        <p:nvSpPr>
+          <p:cNvPr id="6" name="圆角矩形 5"/>
+          <p:cNvSpPr/>
+          <p:nvPr/>
+        </p:nvSpPr>
+        <p:spPr>
+          <a:xfrm>
+            <a:off x="1123950" y="3752850"/>
+            <a:ext cx="481330" cy="426720"/>
+          </a:xfrm>
+          <a:prstGeom prst="roundRect">
+            <a:avLst/>
+          </a:prstGeom>
+        </p:spPr>
+        <p:style>
+          <a:lnRef idx="2">
+            <a:schemeClr val="accent2">
+              <a:shade val="50000"/>
+            </a:schemeClr>
+          </a:lnRef>
+          <a:fillRef idx="1">
+            <a:schemeClr val="accent2"/>
+          </a:fillRef>
+          <a:effectRef idx="0">
+            <a:schemeClr val="accent2"/>
+          </a:effectRef>
+          <a:fontRef idx="minor">
+            <a:schemeClr val="lt1"/>
+          </a:fontRef>
+        </p:style>
+        <p:txBody>
+          <a:bodyPr rtlCol="0" anchor="ctr"/>
+          <a:p>
+            <a:pPr algn="ctr"/>
+            <a:r>
+              <a:rPr lang="en-US" altLang="zh-CN"/>
+              <a:t>...</a:t>
+            </a:r>
+            <a:endParaRPr lang="en-US" altLang="zh-CN"/>
+          </a:p>
+        </p:txBody>
+      </p:sp>
+      <p:sp>
+        <p:nvSpPr>
+          <p:cNvPr id="7" name="圆角矩形 6"/>
+          <p:cNvSpPr/>
+          <p:nvPr/>
+        </p:nvSpPr>
+        <p:spPr>
+          <a:xfrm>
+            <a:off x="3561080" y="3752850"/>
+            <a:ext cx="481330" cy="426720"/>
+          </a:xfrm>
+          <a:prstGeom prst="roundRect">
+            <a:avLst/>
+          </a:prstGeom>
+        </p:spPr>
+        <p:style>
+          <a:lnRef idx="2">
+            <a:schemeClr val="accent2">
+              <a:shade val="50000"/>
+            </a:schemeClr>
+          </a:lnRef>
+          <a:fillRef idx="1">
+            <a:schemeClr val="accent2"/>
+          </a:fillRef>
+          <a:effectRef idx="0">
+            <a:schemeClr val="accent2"/>
+          </a:effectRef>
+          <a:fontRef idx="minor">
+            <a:schemeClr val="lt1"/>
+          </a:fontRef>
+        </p:style>
+        <p:txBody>
+          <a:bodyPr rtlCol="0" anchor="ctr"/>
+          <a:p>
+            <a:pPr algn="ctr"/>
+            <a:r>
+              <a:rPr lang="en-US" altLang="zh-CN"/>
+              <a:t>2</a:t>
+            </a:r>
+            <a:endParaRPr lang="en-US" altLang="zh-CN"/>
+          </a:p>
+        </p:txBody>
+      </p:sp>
+      <p:sp>
+        <p:nvSpPr>
+          <p:cNvPr id="8" name="圆角矩形 7"/>
+          <p:cNvSpPr/>
+          <p:nvPr/>
+        </p:nvSpPr>
+        <p:spPr>
+          <a:xfrm>
+            <a:off x="2342515" y="3788410"/>
+            <a:ext cx="481330" cy="426720"/>
+          </a:xfrm>
+          <a:prstGeom prst="roundRect">
+            <a:avLst/>
+          </a:prstGeom>
+        </p:spPr>
+        <p:style>
+          <a:lnRef idx="2">
+            <a:schemeClr val="accent2">
+              <a:shade val="50000"/>
+            </a:schemeClr>
+          </a:lnRef>
+          <a:fillRef idx="1">
+            <a:schemeClr val="accent2"/>
+          </a:fillRef>
+          <a:effectRef idx="0">
+            <a:schemeClr val="accent2"/>
+          </a:effectRef>
+          <a:fontRef idx="minor">
+            <a:schemeClr val="lt1"/>
+          </a:fontRef>
+        </p:style>
+        <p:txBody>
+          <a:bodyPr rtlCol="0" anchor="ctr"/>
+          <a:p>
+            <a:pPr algn="ctr"/>
+            <a:r>
+              <a:rPr lang="en-US" altLang="zh-CN"/>
+              <a:t>4</a:t>
+            </a:r>
+            <a:endParaRPr lang="en-US" altLang="zh-CN"/>
+          </a:p>
+        </p:txBody>
+      </p:sp>
+      <p:sp>
+        <p:nvSpPr>
+          <p:cNvPr id="9" name="圆角矩形 8"/>
+          <p:cNvSpPr/>
+          <p:nvPr/>
+        </p:nvSpPr>
+        <p:spPr>
+          <a:xfrm>
+            <a:off x="4126865" y="3752850"/>
+            <a:ext cx="481330" cy="426720"/>
+          </a:xfrm>
+          <a:prstGeom prst="roundRect">
+            <a:avLst/>
+          </a:prstGeom>
+        </p:spPr>
+        <p:style>
+          <a:lnRef idx="2">
+            <a:schemeClr val="accent2">
+              <a:shade val="50000"/>
+            </a:schemeClr>
+          </a:lnRef>
+          <a:fillRef idx="1">
+            <a:schemeClr val="accent2"/>
+          </a:fillRef>
+          <a:effectRef idx="0">
+            <a:schemeClr val="accent2"/>
+          </a:effectRef>
+          <a:fontRef idx="minor">
+            <a:schemeClr val="lt1"/>
+          </a:fontRef>
+        </p:style>
+        <p:txBody>
+          <a:bodyPr rtlCol="0" anchor="ctr"/>
+          <a:p>
+            <a:pPr algn="ctr"/>
+            <a:r>
+              <a:rPr lang="en-US" altLang="zh-CN"/>
+              <a:t>1</a:t>
+            </a:r>
+            <a:endParaRPr lang="en-US" altLang="zh-CN"/>
+          </a:p>
+        </p:txBody>
+      </p:sp>
+      <p:sp>
+        <p:nvSpPr>
+          <p:cNvPr id="10" name="圆角矩形 9"/>
+          <p:cNvSpPr/>
+          <p:nvPr/>
+        </p:nvSpPr>
+        <p:spPr>
+          <a:xfrm>
+            <a:off x="1800225" y="3752850"/>
+            <a:ext cx="481330" cy="426720"/>
+          </a:xfrm>
+          <a:prstGeom prst="roundRect">
+            <a:avLst/>
+          </a:prstGeom>
+        </p:spPr>
+        <p:style>
+          <a:lnRef idx="2">
+            <a:schemeClr val="accent2">
+              <a:shade val="50000"/>
+            </a:schemeClr>
+          </a:lnRef>
+          <a:fillRef idx="1">
+            <a:schemeClr val="accent2"/>
+          </a:fillRef>
+          <a:effectRef idx="0">
+            <a:schemeClr val="accent2"/>
+          </a:effectRef>
+          <a:fontRef idx="minor">
+            <a:schemeClr val="lt1"/>
+          </a:fontRef>
+        </p:style>
+        <p:txBody>
+          <a:bodyPr rtlCol="0" anchor="ctr"/>
+          <a:p>
+            <a:pPr algn="ctr"/>
+            <a:r>
+              <a:rPr lang="en-US" altLang="zh-CN"/>
+              <a:t>5</a:t>
+            </a:r>
+            <a:endParaRPr lang="en-US" altLang="zh-CN"/>
+          </a:p>
+        </p:txBody>
+      </p:sp>
+      <p:sp>
+        <p:nvSpPr>
+          <p:cNvPr id="11" name="右箭头 10"/>
+          <p:cNvSpPr/>
+          <p:nvPr/>
+        </p:nvSpPr>
+        <p:spPr>
+          <a:xfrm>
+            <a:off x="4692650" y="3752850"/>
+            <a:ext cx="687070" cy="372110"/>
+          </a:xfrm>
+          <a:prstGeom prst="rightArrow">
+            <a:avLst>
+              <a:gd name="adj1" fmla="val 50000"/>
+              <a:gd name="adj2" fmla="val 50000"/>
+            </a:avLst>
+          </a:prstGeom>
+        </p:spPr>
+        <p:style>
+          <a:lnRef idx="2">
+            <a:schemeClr val="accent1">
+              <a:shade val="50000"/>
+            </a:schemeClr>
+          </a:lnRef>
+          <a:fillRef idx="1">
+            <a:schemeClr val="accent1"/>
+          </a:fillRef>
+          <a:effectRef idx="0">
+            <a:schemeClr val="accent1"/>
+          </a:effectRef>
+          <a:fontRef idx="minor">
+            <a:schemeClr val="lt1"/>
+          </a:fontRef>
+        </p:style>
+        <p:txBody>
+          <a:bodyPr rtlCol="0" anchor="ctr"/>
+          <a:p>
+            <a:pPr algn="ctr"/>
+            <a:endParaRPr lang="zh-CN" altLang="en-US"/>
+          </a:p>
+        </p:txBody>
+      </p:sp>
+      <p:sp>
+        <p:nvSpPr>
+          <p:cNvPr id="12" name="圆角矩形 11"/>
+          <p:cNvSpPr/>
+          <p:nvPr/>
+        </p:nvSpPr>
+        <p:spPr>
+          <a:xfrm>
+            <a:off x="7925435" y="3895725"/>
+            <a:ext cx="558800" cy="454025"/>
+          </a:xfrm>
+          <a:prstGeom prst="roundRect">
+            <a:avLst/>
+          </a:prstGeom>
+        </p:spPr>
+        <p:style>
+          <a:lnRef idx="2">
+            <a:schemeClr val="accent1">
+              <a:shade val="50000"/>
+            </a:schemeClr>
+          </a:lnRef>
+          <a:fillRef idx="1">
+            <a:schemeClr val="accent1"/>
+          </a:fillRef>
+          <a:effectRef idx="0">
+            <a:schemeClr val="accent1"/>
+          </a:effectRef>
+          <a:fontRef idx="minor">
+            <a:schemeClr val="lt1"/>
+          </a:fontRef>
+        </p:style>
+        <p:txBody>
+          <a:bodyPr rtlCol="0" anchor="ctr"/>
+          <a:p>
+            <a:pPr algn="ctr"/>
+            <a:r>
+              <a:rPr lang="en-US" altLang="zh-CN"/>
+              <a:t>5</a:t>
+            </a:r>
+            <a:endParaRPr lang="en-US" altLang="zh-CN"/>
+          </a:p>
+        </p:txBody>
+      </p:sp>
+      <p:sp>
+        <p:nvSpPr>
+          <p:cNvPr id="13" name="圆角矩形 12"/>
+          <p:cNvSpPr/>
+          <p:nvPr/>
+        </p:nvSpPr>
+        <p:spPr>
+          <a:xfrm>
+            <a:off x="8536305" y="3895725"/>
+            <a:ext cx="558800" cy="454025"/>
+          </a:xfrm>
+          <a:prstGeom prst="roundRect">
+            <a:avLst/>
+          </a:prstGeom>
+        </p:spPr>
+        <p:style>
+          <a:lnRef idx="2">
+            <a:schemeClr val="accent1">
+              <a:shade val="50000"/>
+            </a:schemeClr>
+          </a:lnRef>
+          <a:fillRef idx="1">
+            <a:schemeClr val="accent1"/>
+          </a:fillRef>
+          <a:effectRef idx="0">
+            <a:schemeClr val="accent1"/>
+          </a:effectRef>
+          <a:fontRef idx="minor">
+            <a:schemeClr val="lt1"/>
+          </a:fontRef>
+        </p:style>
+        <p:txBody>
+          <a:bodyPr rtlCol="0" anchor="ctr"/>
+          <a:p>
+            <a:pPr algn="ctr"/>
+            <a:r>
+              <a:rPr lang="en-US" altLang="zh-CN"/>
+              <a:t>4</a:t>
+            </a:r>
+            <a:endParaRPr lang="en-US" altLang="zh-CN"/>
+          </a:p>
+        </p:txBody>
+      </p:sp>
+      <p:sp>
+        <p:nvSpPr>
+          <p:cNvPr id="14" name="圆角矩形 13"/>
+          <p:cNvSpPr/>
+          <p:nvPr/>
+        </p:nvSpPr>
+        <p:spPr>
+          <a:xfrm>
+            <a:off x="7129780" y="3895725"/>
+            <a:ext cx="558800" cy="454025"/>
+          </a:xfrm>
+          <a:prstGeom prst="roundRect">
+            <a:avLst/>
+          </a:prstGeom>
+        </p:spPr>
+        <p:style>
+          <a:lnRef idx="2">
+            <a:schemeClr val="accent1">
+              <a:shade val="50000"/>
+            </a:schemeClr>
+          </a:lnRef>
+          <a:fillRef idx="1">
+            <a:schemeClr val="accent1"/>
+          </a:fillRef>
+          <a:effectRef idx="0">
+            <a:schemeClr val="accent1"/>
+          </a:effectRef>
+          <a:fontRef idx="minor">
+            <a:schemeClr val="lt1"/>
+          </a:fontRef>
+        </p:style>
+        <p:txBody>
+          <a:bodyPr rtlCol="0" anchor="ctr"/>
+          <a:p>
+            <a:pPr algn="ctr"/>
+            <a:r>
+              <a:rPr lang="en-US" altLang="zh-CN"/>
+              <a:t>...</a:t>
+            </a:r>
+            <a:endParaRPr lang="en-US" altLang="zh-CN"/>
+          </a:p>
+        </p:txBody>
+      </p:sp>
+      <p:sp>
+        <p:nvSpPr>
+          <p:cNvPr id="15" name="圆角矩形 14"/>
+          <p:cNvSpPr/>
+          <p:nvPr/>
+        </p:nvSpPr>
+        <p:spPr>
+          <a:xfrm>
+            <a:off x="9396730" y="3895725"/>
+            <a:ext cx="558800" cy="454025"/>
+          </a:xfrm>
+          <a:prstGeom prst="roundRect">
+            <a:avLst/>
+          </a:prstGeom>
+        </p:spPr>
+        <p:style>
+          <a:lnRef idx="2">
+            <a:schemeClr val="accent1">
+              <a:shade val="50000"/>
+            </a:schemeClr>
+          </a:lnRef>
+          <a:fillRef idx="1">
+            <a:schemeClr val="accent1"/>
+          </a:fillRef>
+          <a:effectRef idx="0">
+            <a:schemeClr val="accent1"/>
+          </a:effectRef>
+          <a:fontRef idx="minor">
+            <a:schemeClr val="lt1"/>
+          </a:fontRef>
+        </p:style>
+        <p:txBody>
+          <a:bodyPr rtlCol="0" anchor="ctr"/>
+          <a:p>
+            <a:pPr algn="ctr"/>
+            <a:r>
+              <a:rPr lang="en-US" altLang="zh-CN"/>
+              <a:t>3</a:t>
+            </a:r>
+            <a:endParaRPr lang="en-US" altLang="zh-CN"/>
+          </a:p>
+        </p:txBody>
+      </p:sp>
+      <p:sp>
+        <p:nvSpPr>
+          <p:cNvPr id="16" name="圆角矩形 15"/>
+          <p:cNvSpPr/>
+          <p:nvPr/>
+        </p:nvSpPr>
+        <p:spPr>
+          <a:xfrm>
+            <a:off x="10073005" y="3895725"/>
+            <a:ext cx="558800" cy="454025"/>
+          </a:xfrm>
+          <a:prstGeom prst="roundRect">
+            <a:avLst/>
+          </a:prstGeom>
+        </p:spPr>
+        <p:style>
+          <a:lnRef idx="2">
+            <a:schemeClr val="accent1">
+              <a:shade val="50000"/>
+            </a:schemeClr>
+          </a:lnRef>
+          <a:fillRef idx="1">
+            <a:schemeClr val="accent1"/>
+          </a:fillRef>
+          <a:effectRef idx="0">
+            <a:schemeClr val="accent1"/>
+          </a:effectRef>
+          <a:fontRef idx="minor">
+            <a:schemeClr val="lt1"/>
+          </a:fontRef>
+        </p:style>
+        <p:txBody>
+          <a:bodyPr rtlCol="0" anchor="ctr"/>
+          <a:p>
+            <a:pPr algn="ctr"/>
+            <a:r>
+              <a:rPr lang="en-US" altLang="zh-CN"/>
+              <a:t>2</a:t>
+            </a:r>
+            <a:endParaRPr lang="en-US" altLang="zh-CN"/>
+          </a:p>
+        </p:txBody>
+      </p:sp>
+      <p:sp>
+        <p:nvSpPr>
+          <p:cNvPr id="17" name="圆角矩形 16"/>
+          <p:cNvSpPr/>
+          <p:nvPr/>
+        </p:nvSpPr>
+        <p:spPr>
+          <a:xfrm>
+            <a:off x="10749280" y="3895090"/>
+            <a:ext cx="558800" cy="454025"/>
+          </a:xfrm>
+          <a:prstGeom prst="roundRect">
+            <a:avLst/>
+          </a:prstGeom>
+        </p:spPr>
+        <p:style>
+          <a:lnRef idx="2">
+            <a:schemeClr val="accent1">
+              <a:shade val="50000"/>
+            </a:schemeClr>
+          </a:lnRef>
+          <a:fillRef idx="1">
+            <a:schemeClr val="accent1"/>
+          </a:fillRef>
+          <a:effectRef idx="0">
+            <a:schemeClr val="accent1"/>
+          </a:effectRef>
+          <a:fontRef idx="minor">
+            <a:schemeClr val="lt1"/>
+          </a:fontRef>
+        </p:style>
+        <p:txBody>
+          <a:bodyPr rtlCol="0" anchor="ctr"/>
+          <a:p>
+            <a:pPr algn="ctr"/>
+            <a:r>
+              <a:rPr lang="en-US" altLang="zh-CN"/>
+              <a:t>1</a:t>
+            </a:r>
+            <a:endParaRPr lang="en-US" altLang="zh-CN"/>
+          </a:p>
+        </p:txBody>
+      </p:sp>
+      <p:sp>
+        <p:nvSpPr>
+          <p:cNvPr id="20" name="圆角矩形 19"/>
+          <p:cNvSpPr/>
+          <p:nvPr/>
+        </p:nvSpPr>
+        <p:spPr>
+          <a:xfrm>
+            <a:off x="9714230" y="2981960"/>
+            <a:ext cx="1275715" cy="581025"/>
+          </a:xfrm>
+          <a:prstGeom prst="roundRect">
+            <a:avLst/>
+          </a:prstGeom>
+        </p:spPr>
+        <p:style>
+          <a:lnRef idx="2">
+            <a:schemeClr val="accent1">
+              <a:shade val="50000"/>
+            </a:schemeClr>
+          </a:lnRef>
+          <a:fillRef idx="1">
+            <a:schemeClr val="accent1"/>
+          </a:fillRef>
+          <a:effectRef idx="0">
+            <a:schemeClr val="accent1"/>
+          </a:effectRef>
+          <a:fontRef idx="minor">
+            <a:schemeClr val="lt1"/>
+          </a:fontRef>
+        </p:style>
+        <p:txBody>
+          <a:bodyPr rtlCol="0" anchor="ctr"/>
+          <a:p>
+            <a:pPr algn="ctr"/>
+            <a:r>
+              <a:rPr lang="en-US" altLang="zh-CN"/>
+              <a:t>Frame1</a:t>
+            </a:r>
+            <a:endParaRPr lang="en-US" altLang="zh-CN"/>
+          </a:p>
+        </p:txBody>
+      </p:sp>
+      <p:sp>
+        <p:nvSpPr>
+          <p:cNvPr id="21" name="圆角矩形 20"/>
+          <p:cNvSpPr/>
+          <p:nvPr/>
+        </p:nvSpPr>
+        <p:spPr>
+          <a:xfrm>
+            <a:off x="7427595" y="2939415"/>
+            <a:ext cx="1375410" cy="694690"/>
+          </a:xfrm>
+          <a:prstGeom prst="roundRect">
+            <a:avLst/>
+          </a:prstGeom>
+        </p:spPr>
+        <p:style>
+          <a:lnRef idx="2">
+            <a:schemeClr val="accent1">
+              <a:shade val="50000"/>
+            </a:schemeClr>
+          </a:lnRef>
+          <a:fillRef idx="1">
+            <a:schemeClr val="accent1"/>
+          </a:fillRef>
+          <a:effectRef idx="0">
+            <a:schemeClr val="accent1"/>
+          </a:effectRef>
+          <a:fontRef idx="minor">
+            <a:schemeClr val="lt1"/>
+          </a:fontRef>
+        </p:style>
+        <p:txBody>
+          <a:bodyPr rtlCol="0" anchor="ctr"/>
+          <a:p>
+            <a:pPr algn="ctr"/>
+            <a:r>
+              <a:rPr lang="en-US" altLang="zh-CN"/>
+              <a:t>Frame2</a:t>
+            </a:r>
+            <a:endParaRPr lang="en-US" altLang="zh-CN"/>
+          </a:p>
+        </p:txBody>
+      </p:sp>
+      <p:sp>
+        <p:nvSpPr>
+          <p:cNvPr id="23" name="圆角矩形 22"/>
+          <p:cNvSpPr/>
+          <p:nvPr/>
+        </p:nvSpPr>
+        <p:spPr>
+          <a:xfrm>
+            <a:off x="10749280" y="4853940"/>
+            <a:ext cx="666115" cy="907415"/>
+          </a:xfrm>
+          <a:prstGeom prst="roundRect">
+            <a:avLst/>
+          </a:prstGeom>
+        </p:spPr>
+        <p:style>
+          <a:lnRef idx="2">
+            <a:schemeClr val="accent6">
+              <a:shade val="50000"/>
+            </a:schemeClr>
+          </a:lnRef>
+          <a:fillRef idx="1">
+            <a:schemeClr val="accent6"/>
+          </a:fillRef>
+          <a:effectRef idx="0">
+            <a:schemeClr val="accent6"/>
+          </a:effectRef>
+          <a:fontRef idx="minor">
+            <a:schemeClr val="lt1"/>
+          </a:fontRef>
+        </p:style>
+        <p:txBody>
+          <a:bodyPr rtlCol="0" anchor="ctr"/>
+          <a:p>
+            <a:pPr algn="ctr"/>
+            <a:r>
+              <a:rPr lang="en-US" altLang="zh-CN"/>
+              <a:t>S</a:t>
+            </a:r>
+            <a:endParaRPr lang="en-US" altLang="zh-CN"/>
+          </a:p>
+        </p:txBody>
+      </p:sp>
+      <p:sp>
+        <p:nvSpPr>
+          <p:cNvPr id="25" name="圆角矩形 24"/>
+          <p:cNvSpPr/>
+          <p:nvPr/>
+        </p:nvSpPr>
+        <p:spPr>
+          <a:xfrm>
+            <a:off x="9406890" y="4853940"/>
+            <a:ext cx="666115" cy="907415"/>
+          </a:xfrm>
+          <a:prstGeom prst="roundRect">
+            <a:avLst/>
+          </a:prstGeom>
+        </p:spPr>
+        <p:style>
+          <a:lnRef idx="2">
+            <a:schemeClr val="accent4">
+              <a:shade val="50000"/>
+            </a:schemeClr>
+          </a:lnRef>
+          <a:fillRef idx="1">
+            <a:schemeClr val="accent4"/>
+          </a:fillRef>
+          <a:effectRef idx="0">
+            <a:schemeClr val="accent4"/>
+          </a:effectRef>
+          <a:fontRef idx="minor">
+            <a:schemeClr val="lt1"/>
+          </a:fontRef>
+        </p:style>
+        <p:txBody>
+          <a:bodyPr rtlCol="0" anchor="ctr"/>
+          <a:p>
+            <a:pPr algn="ctr"/>
+            <a:r>
+              <a:rPr lang="en-US" altLang="zh-CN"/>
+              <a:t>E</a:t>
+            </a:r>
+            <a:endParaRPr lang="en-US" altLang="zh-CN"/>
+          </a:p>
+        </p:txBody>
+      </p:sp>
+    </p:spTree>
+  </p:cSld>
+  <p:clrMapOvr>
+    <a:masterClrMapping/>
+  </p:clrMapOvr>
+</p:sld>
+</file>
+
+<file path=ppt/slides/slide8.xml><?xml version="1.0" encoding="utf-8"?>
+<p:sld xmlns:a="http://schemas.openxmlformats.org/drawingml/2006/main" xmlns:r="http://schemas.openxmlformats.org/officeDocument/2006/relationships" xmlns:p="http://schemas.openxmlformats.org/presentationml/2006/main">
+  <p:cSld>
+    <p:spTree>
+      <p:nvGrpSpPr>
+        <p:cNvPr id="1" name=""/>
+        <p:cNvGrpSpPr/>
+        <p:nvPr/>
+      </p:nvGrpSpPr>
+      <p:grpSpPr/>
+      <p:sp>
+        <p:nvSpPr>
+          <p:cNvPr id="2" name="标题 1"/>
+          <p:cNvSpPr>
+            <a:spLocks noGrp="1"/>
+          </p:cNvSpPr>
+          <p:nvPr>
+            <p:ph type="title"/>
+          </p:nvPr>
+        </p:nvSpPr>
+        <p:spPr/>
+        <p:txBody>
+          <a:bodyPr/>
+          <a:p>
+            <a:pPr algn="ctr"/>
+            <a:r>
+              <a:rPr lang="en-US" altLang="zh-CN" b="1">
+                <a:solidFill>
+                  <a:srgbClr val="FF0000"/>
+                </a:solidFill>
+              </a:rPr>
+              <a:t>2.3</a:t>
+            </a:r>
+            <a:r>
+              <a:rPr lang="zh-CN" altLang="en-US" b="1">
+                <a:solidFill>
+                  <a:srgbClr val="FF0000"/>
+                </a:solidFill>
+              </a:rPr>
+              <a:t>、扩展头</a:t>
+            </a:r>
+            <a:endParaRPr lang="zh-CN" altLang="en-US" b="1">
+              <a:solidFill>
+                <a:srgbClr val="FF0000"/>
+              </a:solidFill>
+            </a:endParaRPr>
+          </a:p>
+        </p:txBody>
+      </p:sp>
+      <p:pic>
+        <p:nvPicPr>
+          <p:cNvPr id="4" name="内容占位符 3"/>
+          <p:cNvPicPr>
+            <a:picLocks noChangeAspect="1"/>
+          </p:cNvPicPr>
+          <p:nvPr>
+            <p:ph idx="1"/>
+            <p:custDataLst>
+              <p:tags r:id="rId1"/>
+            </p:custDataLst>
+          </p:nvPr>
         </p:nvPicPr>
         <p:blipFill>
           <a:blip r:embed="rId2"/>
@@ -4545,8 +7016,8 @@
         </p:blipFill>
         <p:spPr>
           <a:xfrm>
-            <a:off x="1872547" y="1690688"/>
-            <a:ext cx="8446905" cy="4077816"/>
+            <a:off x="838200" y="1497965"/>
+            <a:ext cx="10514965" cy="5133975"/>
           </a:xfrm>
           <a:prstGeom prst="rect">
             <a:avLst/>
@@ -4554,16 +7025,205 @@
         </p:spPr>
       </p:pic>
     </p:spTree>
-    <p:extLst>
-      <p:ext uri="{BB962C8B-B14F-4D97-AF65-F5344CB8AC3E}">
-        <p14:creationId xmlns:p14="http://schemas.microsoft.com/office/powerpoint/2010/main" val="316128333"/>
-      </p:ext>
-    </p:extLst>
   </p:cSld>
   <p:clrMapOvr>
     <a:masterClrMapping/>
   </p:clrMapOvr>
 </p:sld>
+</file>
+
+<file path=ppt/slides/slide9.xml><?xml version="1.0" encoding="utf-8"?>
+<p:sld xmlns:a="http://schemas.openxmlformats.org/drawingml/2006/main" xmlns:r="http://schemas.openxmlformats.org/officeDocument/2006/relationships" xmlns:p="http://schemas.openxmlformats.org/presentationml/2006/main">
+  <p:cSld>
+    <p:spTree>
+      <p:nvGrpSpPr>
+        <p:cNvPr id="1" name=""/>
+        <p:cNvGrpSpPr/>
+        <p:nvPr/>
+      </p:nvGrpSpPr>
+      <p:grpSpPr/>
+      <p:sp>
+        <p:nvSpPr>
+          <p:cNvPr id="2" name="标题 1"/>
+          <p:cNvSpPr>
+            <a:spLocks noGrp="1"/>
+          </p:cNvSpPr>
+          <p:nvPr>
+            <p:ph type="title"/>
+          </p:nvPr>
+        </p:nvSpPr>
+        <p:spPr>
+          <a:xfrm>
+            <a:off x="838200" y="351155"/>
+            <a:ext cx="10515600" cy="1325563"/>
+          </a:xfrm>
+        </p:spPr>
+        <p:txBody>
+          <a:bodyPr/>
+          <a:p>
+            <a:pPr algn="ctr"/>
+            <a:r>
+              <a:rPr lang="en-US" altLang="zh-CN" b="1">
+                <a:solidFill>
+                  <a:srgbClr val="FF0000"/>
+                </a:solidFill>
+              </a:rPr>
+              <a:t>2.4</a:t>
+            </a:r>
+            <a:r>
+              <a:rPr lang="zh-CN" altLang="en-US" b="1">
+                <a:solidFill>
+                  <a:srgbClr val="FF0000"/>
+                </a:solidFill>
+              </a:rPr>
+              <a:t>、扩展头</a:t>
+            </a:r>
+            <a:r>
+              <a:rPr lang="en-US" altLang="zh-CN" b="1">
+                <a:solidFill>
+                  <a:srgbClr val="FF0000"/>
+                </a:solidFill>
+              </a:rPr>
+              <a:t>Profile</a:t>
+            </a:r>
+            <a:endParaRPr lang="en-US" altLang="zh-CN" b="1">
+              <a:solidFill>
+                <a:srgbClr val="FF0000"/>
+              </a:solidFill>
+            </a:endParaRPr>
+          </a:p>
+        </p:txBody>
+      </p:sp>
+      <p:sp>
+        <p:nvSpPr>
+          <p:cNvPr id="3" name="内容占位符 2"/>
+          <p:cNvSpPr>
+            <a:spLocks noGrp="1"/>
+          </p:cNvSpPr>
+          <p:nvPr>
+            <p:ph idx="1"/>
+          </p:nvPr>
+        </p:nvSpPr>
+        <p:spPr/>
+        <p:txBody>
+          <a:bodyPr/>
+          <a:p>
+            <a:r>
+              <a:rPr lang="en-US" altLang="zh-CN"/>
+              <a:t>profile</a:t>
+            </a:r>
+            <a:r>
+              <a:rPr lang="zh-CN" altLang="en-US"/>
+              <a:t>：占用两个字节</a:t>
+            </a:r>
+            <a:endParaRPr lang="zh-CN" altLang="en-US"/>
+          </a:p>
+          <a:p>
+            <a:r>
+              <a:rPr lang="en-US" altLang="zh-CN"/>
+              <a:t>profile</a:t>
+            </a:r>
+            <a:r>
+              <a:rPr lang="zh-CN" altLang="en-US"/>
+              <a:t>值为</a:t>
+            </a:r>
+            <a:r>
+              <a:rPr lang="en-US" altLang="zh-CN"/>
+              <a:t>0XBE</a:t>
+            </a:r>
+            <a:r>
+              <a:rPr lang="zh-CN" altLang="en-US"/>
+              <a:t>、</a:t>
+            </a:r>
+            <a:r>
+              <a:rPr lang="en-US" altLang="zh-CN"/>
+              <a:t>0XDE</a:t>
+            </a:r>
+            <a:r>
+              <a:rPr lang="zh-CN" altLang="en-US"/>
+              <a:t>、扩展项的</a:t>
+            </a:r>
+            <a:r>
+              <a:rPr lang="en-US" altLang="zh-CN"/>
+              <a:t>ID</a:t>
+            </a:r>
+            <a:r>
+              <a:rPr lang="zh-CN" altLang="en-US"/>
+              <a:t>和</a:t>
+            </a:r>
+            <a:r>
+              <a:rPr lang="en-US" altLang="zh-CN"/>
+              <a:t>len</a:t>
+            </a:r>
+            <a:r>
+              <a:rPr lang="zh-CN" altLang="en-US"/>
+              <a:t>占一个字节</a:t>
+            </a:r>
+            <a:endParaRPr lang="zh-CN" altLang="en-US"/>
+          </a:p>
+          <a:p>
+            <a:r>
+              <a:rPr lang="en-US" altLang="zh-CN"/>
+              <a:t>profile</a:t>
+            </a:r>
+            <a:r>
+              <a:rPr lang="zh-CN" altLang="en-US"/>
+              <a:t>值为</a:t>
+            </a:r>
+            <a:r>
+              <a:rPr lang="en-US" altLang="zh-CN"/>
+              <a:t>0X10</a:t>
+            </a:r>
+            <a:r>
+              <a:rPr lang="zh-CN" altLang="en-US"/>
+              <a:t>、</a:t>
+            </a:r>
+            <a:r>
+              <a:rPr lang="en-US" altLang="zh-CN"/>
+              <a:t>0X0X</a:t>
+            </a:r>
+            <a:r>
+              <a:rPr lang="zh-CN" altLang="en-US"/>
+              <a:t>，扩展项的</a:t>
+            </a:r>
+            <a:r>
+              <a:rPr lang="en-US" altLang="zh-CN"/>
+              <a:t>ID</a:t>
+            </a:r>
+            <a:r>
+              <a:rPr lang="zh-CN" altLang="en-US"/>
+              <a:t>和</a:t>
+            </a:r>
+            <a:r>
+              <a:rPr lang="en-US" altLang="zh-CN"/>
+              <a:t>len</a:t>
+            </a:r>
+            <a:r>
+              <a:rPr lang="zh-CN" altLang="en-US"/>
+              <a:t>占两个字节</a:t>
+            </a:r>
+            <a:endParaRPr lang="zh-CN" altLang="en-US"/>
+          </a:p>
+        </p:txBody>
+      </p:sp>
+    </p:spTree>
+  </p:cSld>
+  <p:clrMapOvr>
+    <a:masterClrMapping/>
+  </p:clrMapOvr>
+</p:sld>
+</file>
+
+<file path=ppt/tags/tag1.xml><?xml version="1.0" encoding="utf-8"?>
+<p:tagLst xmlns:p="http://schemas.openxmlformats.org/presentationml/2006/main">
+  <p:tag name="KSO_WM_UNIT_PLACING_PICTURE_USER_VIEWPORT" val="{&quot;height&quot;:8085,&quot;width&quot;:12150}"/>
+</p:tagLst>
+</file>
+
+<file path=ppt/tags/tag2.xml><?xml version="1.0" encoding="utf-8"?>
+<p:tagLst xmlns:p="http://schemas.openxmlformats.org/presentationml/2006/main">
+  <p:tag name="COMMONDATA" val="eyJoZGlkIjoiNTE0ODk4YzZkMjdmMDFlMzZhYmM3NDY1ZmE0ODEwNTAifQ=="/>
+</p:tagLst>
 </file>
 
 <file path=ppt/theme/theme1.xml><?xml version="1.0" encoding="utf-8"?>
@@ -4609,7 +7269,7 @@
     </a:clrScheme>
     <a:fontScheme name="Office">
       <a:majorFont>
-        <a:latin typeface="等线 Light" panose="020F0302020204030204"/>
+        <a:latin typeface="等线 Light"/>
         <a:ea typeface=""/>
         <a:cs typeface=""/>
         <a:font script="Jpan" typeface="游ゴシック Light"/>
@@ -4642,26 +7302,9 @@
         <a:font script="Viet" typeface="Times New Roman"/>
         <a:font script="Uigh" typeface="Microsoft Uighur"/>
         <a:font script="Geor" typeface="Sylfaen"/>
-        <a:font script="Armn" typeface="Arial"/>
-        <a:font script="Bugi" typeface="Leelawadee UI"/>
-        <a:font script="Bopo" typeface="Microsoft JhengHei"/>
-        <a:font script="Java" typeface="Javanese Text"/>
-        <a:font script="Lisu" typeface="Segoe UI"/>
-        <a:font script="Mymr" typeface="Myanmar Text"/>
-        <a:font script="Nkoo" typeface="Ebrima"/>
-        <a:font script="Olck" typeface="Nirmala UI"/>
-        <a:font script="Osma" typeface="Ebrima"/>
-        <a:font script="Phag" typeface="Phagspa"/>
-        <a:font script="Syrn" typeface="Estrangelo Edessa"/>
-        <a:font script="Syrj" typeface="Estrangelo Edessa"/>
-        <a:font script="Syre" typeface="Estrangelo Edessa"/>
-        <a:font script="Sora" typeface="Nirmala UI"/>
-        <a:font script="Tale" typeface="Microsoft Tai Le"/>
-        <a:font script="Talu" typeface="Microsoft New Tai Lue"/>
-        <a:font script="Tfng" typeface="Ebrima"/>
       </a:majorFont>
       <a:minorFont>
-        <a:latin typeface="等线" panose="020F0502020204030204"/>
+        <a:latin typeface="等线"/>
         <a:ea typeface=""/>
         <a:cs typeface=""/>
         <a:font script="Jpan" typeface="游ゴシック"/>
@@ -4694,23 +7337,6 @@
         <a:font script="Viet" typeface="Arial"/>
         <a:font script="Uigh" typeface="Microsoft Uighur"/>
         <a:font script="Geor" typeface="Sylfaen"/>
-        <a:font script="Armn" typeface="Arial"/>
-        <a:font script="Bugi" typeface="Leelawadee UI"/>
-        <a:font script="Bopo" typeface="Microsoft JhengHei"/>
-        <a:font script="Java" typeface="Javanese Text"/>
-        <a:font script="Lisu" typeface="Segoe UI"/>
-        <a:font script="Mymr" typeface="Myanmar Text"/>
-        <a:font script="Nkoo" typeface="Ebrima"/>
-        <a:font script="Olck" typeface="Nirmala UI"/>
-        <a:font script="Osma" typeface="Ebrima"/>
-        <a:font script="Phag" typeface="Phagspa"/>
-        <a:font script="Syrn" typeface="Estrangelo Edessa"/>
-        <a:font script="Syrj" typeface="Estrangelo Edessa"/>
-        <a:font script="Syre" typeface="Estrangelo Edessa"/>
-        <a:font script="Sora" typeface="Nirmala UI"/>
-        <a:font script="Tale" typeface="Microsoft Tai Le"/>
-        <a:font script="Talu" typeface="Microsoft New Tai Lue"/>
-        <a:font script="Tfng" typeface="Ebrima"/>
       </a:minorFont>
     </a:fontScheme>
     <a:fmtScheme name="Office">
@@ -4851,8 +7477,6 @@
       </a:bgFillStyleLst>
     </a:fmtScheme>
   </a:themeElements>
-  <a:objectDefaults/>
-  <a:extraClrSchemeLst/>
   <a:extLst>
     <a:ext uri="{05A4C25C-085E-4340-85A3-A5531E510DB2}">
       <thm15:themeFamily xmlns:thm15="http://schemas.microsoft.com/office/thememl/2012/main" name="Office Theme" id="{62F939B6-93AF-4DB8-9C6B-D6C7DFDC589F}" vid="{4A3C46E8-61CC-4603-A589-7422A47A8E4A}"/>

--- a/WebRTC服务质量(Qos)/2、RTP协议.pptx
+++ b/WebRTC服务质量(Qos)/2、RTP协议.pptx
@@ -4018,8 +4018,8 @@
         </p:blipFill>
         <p:spPr>
           <a:xfrm>
-            <a:off x="3526790" y="1811020"/>
-            <a:ext cx="5138420" cy="4351655"/>
+            <a:off x="3129915" y="1475105"/>
+            <a:ext cx="5535295" cy="4687570"/>
           </a:xfrm>
           <a:prstGeom prst="rect">
             <a:avLst/>
@@ -6997,27 +6997,24 @@
       </p:sp>
       <p:pic>
         <p:nvPicPr>
-          <p:cNvPr id="4" name="内容占位符 3"/>
+          <p:cNvPr id="5" name="内容占位符 4"/>
           <p:cNvPicPr>
             <a:picLocks noChangeAspect="1"/>
           </p:cNvPicPr>
           <p:nvPr>
             <p:ph idx="1"/>
-            <p:custDataLst>
-              <p:tags r:id="rId1"/>
-            </p:custDataLst>
           </p:nvPr>
         </p:nvPicPr>
         <p:blipFill>
-          <a:blip r:embed="rId2"/>
+          <a:blip r:embed="rId1"/>
           <a:stretch>
             <a:fillRect/>
           </a:stretch>
         </p:blipFill>
         <p:spPr>
           <a:xfrm>
-            <a:off x="838200" y="1497965"/>
-            <a:ext cx="10514965" cy="5133975"/>
+            <a:off x="1779905" y="1825625"/>
+            <a:ext cx="8630920" cy="4351655"/>
           </a:xfrm>
           <a:prstGeom prst="rect">
             <a:avLst/>
@@ -7084,7 +7081,7 @@
                   <a:srgbClr val="FF0000"/>
                 </a:solidFill>
               </a:rPr>
-              <a:t>Profile</a:t>
+              <a:t>Profile扩展头Profile 分为两种类型</a:t>
             </a:r>
             <a:endParaRPr lang="en-US" altLang="zh-CN" b="1">
               <a:solidFill>
@@ -7215,12 +7212,6 @@
 </file>
 
 <file path=ppt/tags/tag1.xml><?xml version="1.0" encoding="utf-8"?>
-<p:tagLst xmlns:p="http://schemas.openxmlformats.org/presentationml/2006/main">
-  <p:tag name="KSO_WM_UNIT_PLACING_PICTURE_USER_VIEWPORT" val="{&quot;height&quot;:8085,&quot;width&quot;:12150}"/>
-</p:tagLst>
-</file>
-
-<file path=ppt/tags/tag2.xml><?xml version="1.0" encoding="utf-8"?>
 <p:tagLst xmlns:p="http://schemas.openxmlformats.org/presentationml/2006/main">
   <p:tag name="COMMONDATA" val="eyJoZGlkIjoiNTE0ODk4YzZkMjdmMDFlMzZhYmM3NDY1ZmE0ODEwNTAifQ=="/>
 </p:tagLst>
